--- a/04. TestCaseManagementSystem defense - 27.11.15/HP Quality Center.pptx
+++ b/04. TestCaseManagementSystem defense - 27.11.15/HP Quality Center.pptx
@@ -1,21 +1,27 @@
 
 <file path=ppt/presentation.xml><?xml version="1.0" encoding="utf-8"?>
-<p:presentation xmlns:a="http://schemas.openxmlformats.org/drawingml/2006/main" xmlns:r="http://schemas.openxmlformats.org/officeDocument/2006/relationships" xmlns:p="http://schemas.openxmlformats.org/presentationml/2006/main" autoCompressPictures="0">
+<p:presentation xmlns:a="http://schemas.openxmlformats.org/drawingml/2006/main" xmlns:r="http://schemas.openxmlformats.org/officeDocument/2006/relationships" xmlns:p="http://schemas.openxmlformats.org/presentationml/2006/main" saveSubsetFonts="1">
   <p:sldMasterIdLst>
-    <p:sldMasterId id="2147483648" r:id="rId1"/>
+    <p:sldMasterId id="2147483660" r:id="rId1"/>
   </p:sldMasterIdLst>
+  <p:notesMasterIdLst>
+    <p:notesMasterId r:id="rId13"/>
+  </p:notesMasterIdLst>
+  <p:handoutMasterIdLst>
+    <p:handoutMasterId r:id="rId14"/>
+  </p:handoutMasterIdLst>
   <p:sldIdLst>
-    <p:sldId id="256" r:id="rId2"/>
-    <p:sldId id="257" r:id="rId3"/>
-    <p:sldId id="258" r:id="rId4"/>
-    <p:sldId id="259" r:id="rId5"/>
-    <p:sldId id="260" r:id="rId6"/>
-    <p:sldId id="261" r:id="rId7"/>
-    <p:sldId id="262" r:id="rId8"/>
-    <p:sldId id="263" r:id="rId9"/>
-    <p:sldId id="264" r:id="rId10"/>
-    <p:sldId id="265" r:id="rId11"/>
-    <p:sldId id="266" r:id="rId12"/>
+    <p:sldId id="266" r:id="rId2"/>
+    <p:sldId id="267" r:id="rId3"/>
+    <p:sldId id="268" r:id="rId4"/>
+    <p:sldId id="269" r:id="rId5"/>
+    <p:sldId id="270" r:id="rId6"/>
+    <p:sldId id="271" r:id="rId7"/>
+    <p:sldId id="272" r:id="rId8"/>
+    <p:sldId id="273" r:id="rId9"/>
+    <p:sldId id="274" r:id="rId10"/>
+    <p:sldId id="275" r:id="rId11"/>
+    <p:sldId id="276" r:id="rId12"/>
   </p:sldIdLst>
   <p:sldSz cx="12192000" cy="6858000"/>
   <p:notesSz cx="6858000" cy="9144000"/>
@@ -23,7 +29,7 @@
     <a:defPPr>
       <a:defRPr lang="en-US"/>
     </a:defPPr>
-    <a:lvl1pPr marL="0" algn="l" defTabSz="457200" rtl="0" eaLnBrk="1" latinLnBrk="0" hangingPunct="1">
+    <a:lvl1pPr marL="0" algn="l" defTabSz="914400" rtl="0" eaLnBrk="1" latinLnBrk="0" hangingPunct="1">
       <a:defRPr sz="1800" kern="1200">
         <a:solidFill>
           <a:schemeClr val="tx1"/>
@@ -33,7 +39,7 @@
         <a:cs typeface="+mn-cs"/>
       </a:defRPr>
     </a:lvl1pPr>
-    <a:lvl2pPr marL="457200" algn="l" defTabSz="457200" rtl="0" eaLnBrk="1" latinLnBrk="0" hangingPunct="1">
+    <a:lvl2pPr marL="457200" algn="l" defTabSz="914400" rtl="0" eaLnBrk="1" latinLnBrk="0" hangingPunct="1">
       <a:defRPr sz="1800" kern="1200">
         <a:solidFill>
           <a:schemeClr val="tx1"/>
@@ -43,7 +49,7 @@
         <a:cs typeface="+mn-cs"/>
       </a:defRPr>
     </a:lvl2pPr>
-    <a:lvl3pPr marL="914400" algn="l" defTabSz="457200" rtl="0" eaLnBrk="1" latinLnBrk="0" hangingPunct="1">
+    <a:lvl3pPr marL="914400" algn="l" defTabSz="914400" rtl="0" eaLnBrk="1" latinLnBrk="0" hangingPunct="1">
       <a:defRPr sz="1800" kern="1200">
         <a:solidFill>
           <a:schemeClr val="tx1"/>
@@ -53,7 +59,7 @@
         <a:cs typeface="+mn-cs"/>
       </a:defRPr>
     </a:lvl3pPr>
-    <a:lvl4pPr marL="1371600" algn="l" defTabSz="457200" rtl="0" eaLnBrk="1" latinLnBrk="0" hangingPunct="1">
+    <a:lvl4pPr marL="1371600" algn="l" defTabSz="914400" rtl="0" eaLnBrk="1" latinLnBrk="0" hangingPunct="1">
       <a:defRPr sz="1800" kern="1200">
         <a:solidFill>
           <a:schemeClr val="tx1"/>
@@ -63,7 +69,7 @@
         <a:cs typeface="+mn-cs"/>
       </a:defRPr>
     </a:lvl4pPr>
-    <a:lvl5pPr marL="1828800" algn="l" defTabSz="457200" rtl="0" eaLnBrk="1" latinLnBrk="0" hangingPunct="1">
+    <a:lvl5pPr marL="1828800" algn="l" defTabSz="914400" rtl="0" eaLnBrk="1" latinLnBrk="0" hangingPunct="1">
       <a:defRPr sz="1800" kern="1200">
         <a:solidFill>
           <a:schemeClr val="tx1"/>
@@ -73,7 +79,7 @@
         <a:cs typeface="+mn-cs"/>
       </a:defRPr>
     </a:lvl5pPr>
-    <a:lvl6pPr marL="2286000" algn="l" defTabSz="457200" rtl="0" eaLnBrk="1" latinLnBrk="0" hangingPunct="1">
+    <a:lvl6pPr marL="2286000" algn="l" defTabSz="914400" rtl="0" eaLnBrk="1" latinLnBrk="0" hangingPunct="1">
       <a:defRPr sz="1800" kern="1200">
         <a:solidFill>
           <a:schemeClr val="tx1"/>
@@ -83,7 +89,7 @@
         <a:cs typeface="+mn-cs"/>
       </a:defRPr>
     </a:lvl6pPr>
-    <a:lvl7pPr marL="2743200" algn="l" defTabSz="457200" rtl="0" eaLnBrk="1" latinLnBrk="0" hangingPunct="1">
+    <a:lvl7pPr marL="2743200" algn="l" defTabSz="914400" rtl="0" eaLnBrk="1" latinLnBrk="0" hangingPunct="1">
       <a:defRPr sz="1800" kern="1200">
         <a:solidFill>
           <a:schemeClr val="tx1"/>
@@ -93,7 +99,7 @@
         <a:cs typeface="+mn-cs"/>
       </a:defRPr>
     </a:lvl7pPr>
-    <a:lvl8pPr marL="3200400" algn="l" defTabSz="457200" rtl="0" eaLnBrk="1" latinLnBrk="0" hangingPunct="1">
+    <a:lvl8pPr marL="3200400" algn="l" defTabSz="914400" rtl="0" eaLnBrk="1" latinLnBrk="0" hangingPunct="1">
       <a:defRPr sz="1800" kern="1200">
         <a:solidFill>
           <a:schemeClr val="tx1"/>
@@ -103,7 +109,7 @@
         <a:cs typeface="+mn-cs"/>
       </a:defRPr>
     </a:lvl8pPr>
-    <a:lvl9pPr marL="3657600" algn="l" defTabSz="457200" rtl="0" eaLnBrk="1" latinLnBrk="0" hangingPunct="1">
+    <a:lvl9pPr marL="3657600" algn="l" defTabSz="914400" rtl="0" eaLnBrk="1" latinLnBrk="0" hangingPunct="1">
       <a:defRPr sz="1800" kern="1200">
         <a:solidFill>
           <a:schemeClr val="tx1"/>
@@ -114,7 +120,530 @@
       </a:defRPr>
     </a:lvl9pPr>
   </p:defaultTextStyle>
+  <p:extLst>
+    <p:ext uri="{EFAFB233-063F-42B5-8137-9DF3F51BA10A}">
+      <p15:sldGuideLst xmlns="" xmlns:p15="http://schemas.microsoft.com/office/powerpoint/2012/main"/>
+    </p:ext>
+    <p:ext uri="{2D200454-40CA-4A62-9FC3-DE9A4176ACB9}">
+      <p15:notesGuideLst xmlns="" xmlns:p15="http://schemas.microsoft.com/office/powerpoint/2012/main"/>
+    </p:ext>
+  </p:extLst>
 </p:presentation>
+</file>
+
+<file path=ppt/handoutMasters/handoutMaster1.xml><?xml version="1.0" encoding="utf-8"?>
+<p:handoutMaster xmlns:a="http://schemas.openxmlformats.org/drawingml/2006/main" xmlns:r="http://schemas.openxmlformats.org/officeDocument/2006/relationships" xmlns:p="http://schemas.openxmlformats.org/presentationml/2006/main">
+  <p:cSld>
+    <p:bg>
+      <p:bgRef idx="1001">
+        <a:schemeClr val="bg1"/>
+      </p:bgRef>
+    </p:bg>
+    <p:spTree>
+      <p:nvGrpSpPr>
+        <p:cNvPr id="1" name=""/>
+        <p:cNvGrpSpPr/>
+        <p:nvPr/>
+      </p:nvGrpSpPr>
+      <p:grpSpPr>
+        <a:xfrm>
+          <a:off x="0" y="0"/>
+          <a:ext cx="0" cy="0"/>
+          <a:chOff x="0" y="0"/>
+          <a:chExt cx="0" cy="0"/>
+        </a:xfrm>
+      </p:grpSpPr>
+      <p:sp>
+        <p:nvSpPr>
+          <p:cNvPr id="2" name="Header Placeholder 1"/>
+          <p:cNvSpPr>
+            <a:spLocks noGrp="1"/>
+          </p:cNvSpPr>
+          <p:nvPr>
+            <p:ph type="hdr" sz="quarter"/>
+          </p:nvPr>
+        </p:nvSpPr>
+        <p:spPr>
+          <a:xfrm>
+            <a:off x="0" y="0"/>
+            <a:ext cx="2971800" cy="458788"/>
+          </a:xfrm>
+          <a:prstGeom prst="rect">
+            <a:avLst/>
+          </a:prstGeom>
+        </p:spPr>
+        <p:txBody>
+          <a:bodyPr vert="horz" lIns="91440" tIns="45720" rIns="91440" bIns="45720" rtlCol="0"/>
+          <a:lstStyle>
+            <a:lvl1pPr algn="l">
+              <a:defRPr sz="1200"/>
+            </a:lvl1pPr>
+          </a:lstStyle>
+          <a:p>
+            <a:endParaRPr lang="en-US"/>
+          </a:p>
+        </p:txBody>
+      </p:sp>
+      <p:sp>
+        <p:nvSpPr>
+          <p:cNvPr id="3" name="Date Placeholder 2"/>
+          <p:cNvSpPr>
+            <a:spLocks noGrp="1"/>
+          </p:cNvSpPr>
+          <p:nvPr>
+            <p:ph type="dt" sz="quarter" idx="1"/>
+          </p:nvPr>
+        </p:nvSpPr>
+        <p:spPr>
+          <a:xfrm>
+            <a:off x="3884613" y="0"/>
+            <a:ext cx="2971800" cy="458788"/>
+          </a:xfrm>
+          <a:prstGeom prst="rect">
+            <a:avLst/>
+          </a:prstGeom>
+        </p:spPr>
+        <p:txBody>
+          <a:bodyPr vert="horz" lIns="91440" tIns="45720" rIns="91440" bIns="45720" rtlCol="0"/>
+          <a:lstStyle>
+            <a:lvl1pPr algn="r">
+              <a:defRPr sz="1200"/>
+            </a:lvl1pPr>
+          </a:lstStyle>
+          <a:p>
+            <a:fld id="{1CBFCDF5-A7A9-401B-8422-0D440CDC7EE7}" type="datetimeFigureOut">
+              <a:rPr lang="en-US" smtClean="0"/>
+              <a:t>11/27/2015</a:t>
+            </a:fld>
+            <a:endParaRPr lang="en-US"/>
+          </a:p>
+        </p:txBody>
+      </p:sp>
+      <p:sp>
+        <p:nvSpPr>
+          <p:cNvPr id="4" name="Footer Placeholder 3"/>
+          <p:cNvSpPr>
+            <a:spLocks noGrp="1"/>
+          </p:cNvSpPr>
+          <p:nvPr>
+            <p:ph type="ftr" sz="quarter" idx="2"/>
+          </p:nvPr>
+        </p:nvSpPr>
+        <p:spPr>
+          <a:xfrm>
+            <a:off x="0" y="8685213"/>
+            <a:ext cx="2971800" cy="458787"/>
+          </a:xfrm>
+          <a:prstGeom prst="rect">
+            <a:avLst/>
+          </a:prstGeom>
+        </p:spPr>
+        <p:txBody>
+          <a:bodyPr vert="horz" lIns="91440" tIns="45720" rIns="91440" bIns="45720" rtlCol="0" anchor="b"/>
+          <a:lstStyle>
+            <a:lvl1pPr algn="l">
+              <a:defRPr sz="1200"/>
+            </a:lvl1pPr>
+          </a:lstStyle>
+          <a:p>
+            <a:endParaRPr lang="en-US"/>
+          </a:p>
+        </p:txBody>
+      </p:sp>
+      <p:sp>
+        <p:nvSpPr>
+          <p:cNvPr id="5" name="Slide Number Placeholder 4"/>
+          <p:cNvSpPr>
+            <a:spLocks noGrp="1"/>
+          </p:cNvSpPr>
+          <p:nvPr>
+            <p:ph type="sldNum" sz="quarter" idx="3"/>
+          </p:nvPr>
+        </p:nvSpPr>
+        <p:spPr>
+          <a:xfrm>
+            <a:off x="3884613" y="8685213"/>
+            <a:ext cx="2971800" cy="458787"/>
+          </a:xfrm>
+          <a:prstGeom prst="rect">
+            <a:avLst/>
+          </a:prstGeom>
+        </p:spPr>
+        <p:txBody>
+          <a:bodyPr vert="horz" lIns="91440" tIns="45720" rIns="91440" bIns="45720" rtlCol="0" anchor="b"/>
+          <a:lstStyle>
+            <a:lvl1pPr algn="r">
+              <a:defRPr sz="1200"/>
+            </a:lvl1pPr>
+          </a:lstStyle>
+          <a:p>
+            <a:fld id="{E9A32078-15AB-4F11-9D2B-AE38CCCBCA4E}" type="slidenum">
+              <a:rPr lang="en-US" smtClean="0"/>
+              <a:t>‹#›</a:t>
+            </a:fld>
+            <a:endParaRPr lang="en-US"/>
+          </a:p>
+        </p:txBody>
+      </p:sp>
+    </p:spTree>
+    <p:extLst>
+      <p:ext uri="{BB962C8B-B14F-4D97-AF65-F5344CB8AC3E}">
+        <p14:creationId xmlns:p14="http://schemas.microsoft.com/office/powerpoint/2010/main" val="2124990412"/>
+      </p:ext>
+    </p:extLst>
+  </p:cSld>
+  <p:clrMap bg1="lt1" tx1="dk1" bg2="lt2" tx2="dk2" accent1="accent1" accent2="accent2" accent3="accent3" accent4="accent4" accent5="accent5" accent6="accent6" hlink="hlink" folHlink="folHlink"/>
+</p:handoutMaster>
+</file>
+
+<file path=ppt/notesMasters/notesMaster1.xml><?xml version="1.0" encoding="utf-8"?>
+<p:notesMaster xmlns:a="http://schemas.openxmlformats.org/drawingml/2006/main" xmlns:r="http://schemas.openxmlformats.org/officeDocument/2006/relationships" xmlns:p="http://schemas.openxmlformats.org/presentationml/2006/main">
+  <p:cSld>
+    <p:bg>
+      <p:bgRef idx="1001">
+        <a:schemeClr val="bg1"/>
+      </p:bgRef>
+    </p:bg>
+    <p:spTree>
+      <p:nvGrpSpPr>
+        <p:cNvPr id="1" name=""/>
+        <p:cNvGrpSpPr/>
+        <p:nvPr/>
+      </p:nvGrpSpPr>
+      <p:grpSpPr>
+        <a:xfrm>
+          <a:off x="0" y="0"/>
+          <a:ext cx="0" cy="0"/>
+          <a:chOff x="0" y="0"/>
+          <a:chExt cx="0" cy="0"/>
+        </a:xfrm>
+      </p:grpSpPr>
+      <p:sp>
+        <p:nvSpPr>
+          <p:cNvPr id="2" name="Header Placeholder 1"/>
+          <p:cNvSpPr>
+            <a:spLocks noGrp="1"/>
+          </p:cNvSpPr>
+          <p:nvPr>
+            <p:ph type="hdr" sz="quarter"/>
+          </p:nvPr>
+        </p:nvSpPr>
+        <p:spPr>
+          <a:xfrm>
+            <a:off x="0" y="0"/>
+            <a:ext cx="2971800" cy="458788"/>
+          </a:xfrm>
+          <a:prstGeom prst="rect">
+            <a:avLst/>
+          </a:prstGeom>
+        </p:spPr>
+        <p:txBody>
+          <a:bodyPr vert="horz" lIns="91440" tIns="45720" rIns="91440" bIns="45720" rtlCol="0"/>
+          <a:lstStyle>
+            <a:lvl1pPr algn="l">
+              <a:defRPr sz="1200"/>
+            </a:lvl1pPr>
+          </a:lstStyle>
+          <a:p>
+            <a:endParaRPr lang="en-US"/>
+          </a:p>
+        </p:txBody>
+      </p:sp>
+      <p:sp>
+        <p:nvSpPr>
+          <p:cNvPr id="3" name="Date Placeholder 2"/>
+          <p:cNvSpPr>
+            <a:spLocks noGrp="1"/>
+          </p:cNvSpPr>
+          <p:nvPr>
+            <p:ph type="dt" idx="1"/>
+          </p:nvPr>
+        </p:nvSpPr>
+        <p:spPr>
+          <a:xfrm>
+            <a:off x="3884613" y="0"/>
+            <a:ext cx="2971800" cy="458788"/>
+          </a:xfrm>
+          <a:prstGeom prst="rect">
+            <a:avLst/>
+          </a:prstGeom>
+        </p:spPr>
+        <p:txBody>
+          <a:bodyPr vert="horz" lIns="91440" tIns="45720" rIns="91440" bIns="45720" rtlCol="0"/>
+          <a:lstStyle>
+            <a:lvl1pPr algn="r">
+              <a:defRPr sz="1200"/>
+            </a:lvl1pPr>
+          </a:lstStyle>
+          <a:p>
+            <a:fld id="{B9E13138-6909-49FB-B163-F94A378E64C4}" type="datetimeFigureOut">
+              <a:rPr lang="en-US" smtClean="0"/>
+              <a:t>11/27/2015</a:t>
+            </a:fld>
+            <a:endParaRPr lang="en-US"/>
+          </a:p>
+        </p:txBody>
+      </p:sp>
+      <p:sp>
+        <p:nvSpPr>
+          <p:cNvPr id="4" name="Slide Image Placeholder 3"/>
+          <p:cNvSpPr>
+            <a:spLocks noGrp="1" noRot="1" noChangeAspect="1"/>
+          </p:cNvSpPr>
+          <p:nvPr>
+            <p:ph type="sldImg" idx="2"/>
+          </p:nvPr>
+        </p:nvSpPr>
+        <p:spPr>
+          <a:xfrm>
+            <a:off x="685800" y="1143000"/>
+            <a:ext cx="5486400" cy="3086100"/>
+          </a:xfrm>
+          <a:prstGeom prst="rect">
+            <a:avLst/>
+          </a:prstGeom>
+          <a:noFill/>
+          <a:ln w="12700">
+            <a:solidFill>
+              <a:prstClr val="black"/>
+            </a:solidFill>
+          </a:ln>
+        </p:spPr>
+        <p:txBody>
+          <a:bodyPr vert="horz" lIns="91440" tIns="45720" rIns="91440" bIns="45720" rtlCol="0" anchor="ctr"/>
+          <a:lstStyle/>
+          <a:p>
+            <a:endParaRPr lang="en-US"/>
+          </a:p>
+        </p:txBody>
+      </p:sp>
+      <p:sp>
+        <p:nvSpPr>
+          <p:cNvPr id="5" name="Notes Placeholder 4"/>
+          <p:cNvSpPr>
+            <a:spLocks noGrp="1"/>
+          </p:cNvSpPr>
+          <p:nvPr>
+            <p:ph type="body" sz="quarter" idx="3"/>
+          </p:nvPr>
+        </p:nvSpPr>
+        <p:spPr>
+          <a:xfrm>
+            <a:off x="685800" y="4400550"/>
+            <a:ext cx="5486400" cy="3600450"/>
+          </a:xfrm>
+          <a:prstGeom prst="rect">
+            <a:avLst/>
+          </a:prstGeom>
+        </p:spPr>
+        <p:txBody>
+          <a:bodyPr vert="horz" lIns="91440" tIns="45720" rIns="91440" bIns="45720" rtlCol="0"/>
+          <a:lstStyle/>
+          <a:p>
+            <a:pPr lvl="0"/>
+            <a:r>
+              <a:rPr lang="en-US" smtClean="0"/>
+              <a:t>Edit Master text styles</a:t>
+            </a:r>
+          </a:p>
+          <a:p>
+            <a:pPr lvl="1"/>
+            <a:r>
+              <a:rPr lang="en-US" smtClean="0"/>
+              <a:t>Second level</a:t>
+            </a:r>
+          </a:p>
+          <a:p>
+            <a:pPr lvl="2"/>
+            <a:r>
+              <a:rPr lang="en-US" smtClean="0"/>
+              <a:t>Third level</a:t>
+            </a:r>
+          </a:p>
+          <a:p>
+            <a:pPr lvl="3"/>
+            <a:r>
+              <a:rPr lang="en-US" smtClean="0"/>
+              <a:t>Fourth level</a:t>
+            </a:r>
+          </a:p>
+          <a:p>
+            <a:pPr lvl="4"/>
+            <a:r>
+              <a:rPr lang="en-US" smtClean="0"/>
+              <a:t>Fifth level</a:t>
+            </a:r>
+            <a:endParaRPr lang="en-US"/>
+          </a:p>
+        </p:txBody>
+      </p:sp>
+      <p:sp>
+        <p:nvSpPr>
+          <p:cNvPr id="6" name="Footer Placeholder 5"/>
+          <p:cNvSpPr>
+            <a:spLocks noGrp="1"/>
+          </p:cNvSpPr>
+          <p:nvPr>
+            <p:ph type="ftr" sz="quarter" idx="4"/>
+          </p:nvPr>
+        </p:nvSpPr>
+        <p:spPr>
+          <a:xfrm>
+            <a:off x="0" y="8685213"/>
+            <a:ext cx="2971800" cy="458787"/>
+          </a:xfrm>
+          <a:prstGeom prst="rect">
+            <a:avLst/>
+          </a:prstGeom>
+        </p:spPr>
+        <p:txBody>
+          <a:bodyPr vert="horz" lIns="91440" tIns="45720" rIns="91440" bIns="45720" rtlCol="0" anchor="b"/>
+          <a:lstStyle>
+            <a:lvl1pPr algn="l">
+              <a:defRPr sz="1200"/>
+            </a:lvl1pPr>
+          </a:lstStyle>
+          <a:p>
+            <a:endParaRPr lang="en-US"/>
+          </a:p>
+        </p:txBody>
+      </p:sp>
+      <p:sp>
+        <p:nvSpPr>
+          <p:cNvPr id="7" name="Slide Number Placeholder 6"/>
+          <p:cNvSpPr>
+            <a:spLocks noGrp="1"/>
+          </p:cNvSpPr>
+          <p:nvPr>
+            <p:ph type="sldNum" sz="quarter" idx="5"/>
+          </p:nvPr>
+        </p:nvSpPr>
+        <p:spPr>
+          <a:xfrm>
+            <a:off x="3884613" y="8685213"/>
+            <a:ext cx="2971800" cy="458787"/>
+          </a:xfrm>
+          <a:prstGeom prst="rect">
+            <a:avLst/>
+          </a:prstGeom>
+        </p:spPr>
+        <p:txBody>
+          <a:bodyPr vert="horz" lIns="91440" tIns="45720" rIns="91440" bIns="45720" rtlCol="0" anchor="b"/>
+          <a:lstStyle>
+            <a:lvl1pPr algn="r">
+              <a:defRPr sz="1200"/>
+            </a:lvl1pPr>
+          </a:lstStyle>
+          <a:p>
+            <a:fld id="{DEE69482-4354-4DC9-8993-F59B3125D08D}" type="slidenum">
+              <a:rPr lang="en-US" smtClean="0"/>
+              <a:t>‹#›</a:t>
+            </a:fld>
+            <a:endParaRPr lang="en-US"/>
+          </a:p>
+        </p:txBody>
+      </p:sp>
+    </p:spTree>
+    <p:extLst>
+      <p:ext uri="{BB962C8B-B14F-4D97-AF65-F5344CB8AC3E}">
+        <p14:creationId xmlns:p14="http://schemas.microsoft.com/office/powerpoint/2010/main" val="3551346376"/>
+      </p:ext>
+    </p:extLst>
+  </p:cSld>
+  <p:clrMap bg1="lt1" tx1="dk1" bg2="lt2" tx2="dk2" accent1="accent1" accent2="accent2" accent3="accent3" accent4="accent4" accent5="accent5" accent6="accent6" hlink="hlink" folHlink="folHlink"/>
+  <p:notesStyle>
+    <a:lvl1pPr marL="0" algn="l" defTabSz="914400" rtl="0" eaLnBrk="1" latinLnBrk="0" hangingPunct="1">
+      <a:defRPr sz="1200" kern="1200">
+        <a:solidFill>
+          <a:schemeClr val="tx1"/>
+        </a:solidFill>
+        <a:latin typeface="+mn-lt"/>
+        <a:ea typeface="+mn-ea"/>
+        <a:cs typeface="+mn-cs"/>
+      </a:defRPr>
+    </a:lvl1pPr>
+    <a:lvl2pPr marL="457200" algn="l" defTabSz="914400" rtl="0" eaLnBrk="1" latinLnBrk="0" hangingPunct="1">
+      <a:defRPr sz="1200" kern="1200">
+        <a:solidFill>
+          <a:schemeClr val="tx1"/>
+        </a:solidFill>
+        <a:latin typeface="+mn-lt"/>
+        <a:ea typeface="+mn-ea"/>
+        <a:cs typeface="+mn-cs"/>
+      </a:defRPr>
+    </a:lvl2pPr>
+    <a:lvl3pPr marL="914400" algn="l" defTabSz="914400" rtl="0" eaLnBrk="1" latinLnBrk="0" hangingPunct="1">
+      <a:defRPr sz="1200" kern="1200">
+        <a:solidFill>
+          <a:schemeClr val="tx1"/>
+        </a:solidFill>
+        <a:latin typeface="+mn-lt"/>
+        <a:ea typeface="+mn-ea"/>
+        <a:cs typeface="+mn-cs"/>
+      </a:defRPr>
+    </a:lvl3pPr>
+    <a:lvl4pPr marL="1371600" algn="l" defTabSz="914400" rtl="0" eaLnBrk="1" latinLnBrk="0" hangingPunct="1">
+      <a:defRPr sz="1200" kern="1200">
+        <a:solidFill>
+          <a:schemeClr val="tx1"/>
+        </a:solidFill>
+        <a:latin typeface="+mn-lt"/>
+        <a:ea typeface="+mn-ea"/>
+        <a:cs typeface="+mn-cs"/>
+      </a:defRPr>
+    </a:lvl4pPr>
+    <a:lvl5pPr marL="1828800" algn="l" defTabSz="914400" rtl="0" eaLnBrk="1" latinLnBrk="0" hangingPunct="1">
+      <a:defRPr sz="1200" kern="1200">
+        <a:solidFill>
+          <a:schemeClr val="tx1"/>
+        </a:solidFill>
+        <a:latin typeface="+mn-lt"/>
+        <a:ea typeface="+mn-ea"/>
+        <a:cs typeface="+mn-cs"/>
+      </a:defRPr>
+    </a:lvl5pPr>
+    <a:lvl6pPr marL="2286000" algn="l" defTabSz="914400" rtl="0" eaLnBrk="1" latinLnBrk="0" hangingPunct="1">
+      <a:defRPr sz="1200" kern="1200">
+        <a:solidFill>
+          <a:schemeClr val="tx1"/>
+        </a:solidFill>
+        <a:latin typeface="+mn-lt"/>
+        <a:ea typeface="+mn-ea"/>
+        <a:cs typeface="+mn-cs"/>
+      </a:defRPr>
+    </a:lvl6pPr>
+    <a:lvl7pPr marL="2743200" algn="l" defTabSz="914400" rtl="0" eaLnBrk="1" latinLnBrk="0" hangingPunct="1">
+      <a:defRPr sz="1200" kern="1200">
+        <a:solidFill>
+          <a:schemeClr val="tx1"/>
+        </a:solidFill>
+        <a:latin typeface="+mn-lt"/>
+        <a:ea typeface="+mn-ea"/>
+        <a:cs typeface="+mn-cs"/>
+      </a:defRPr>
+    </a:lvl7pPr>
+    <a:lvl8pPr marL="3200400" algn="l" defTabSz="914400" rtl="0" eaLnBrk="1" latinLnBrk="0" hangingPunct="1">
+      <a:defRPr sz="1200" kern="1200">
+        <a:solidFill>
+          <a:schemeClr val="tx1"/>
+        </a:solidFill>
+        <a:latin typeface="+mn-lt"/>
+        <a:ea typeface="+mn-ea"/>
+        <a:cs typeface="+mn-cs"/>
+      </a:defRPr>
+    </a:lvl8pPr>
+    <a:lvl9pPr marL="3657600" algn="l" defTabSz="914400" rtl="0" eaLnBrk="1" latinLnBrk="0" hangingPunct="1">
+      <a:defRPr sz="1200" kern="1200">
+        <a:solidFill>
+          <a:schemeClr val="tx1"/>
+        </a:solidFill>
+        <a:latin typeface="+mn-lt"/>
+        <a:ea typeface="+mn-ea"/>
+        <a:cs typeface="+mn-cs"/>
+      </a:defRPr>
+    </a:lvl9pPr>
+  </p:notesStyle>
+</p:notesMaster>
 </file>
 
 <file path=ppt/slideLayouts/slideLayout1.xml><?xml version="1.0" encoding="utf-8"?>
@@ -146,15 +675,15 @@
         </p:nvSpPr>
         <p:spPr>
           <a:xfrm>
-            <a:off x="1524000" y="1122363"/>
-            <a:ext cx="9144000" cy="2387600"/>
+            <a:off x="1154955" y="1447800"/>
+            <a:ext cx="8825658" cy="3329581"/>
           </a:xfrm>
         </p:spPr>
         <p:txBody>
           <a:bodyPr anchor="b"/>
           <a:lstStyle>
-            <a:lvl1pPr algn="ctr">
-              <a:defRPr sz="6000"/>
+            <a:lvl1pPr>
+              <a:defRPr sz="7200"/>
             </a:lvl1pPr>
           </a:lstStyle>
           <a:p>
@@ -178,53 +707,108 @@
         </p:nvSpPr>
         <p:spPr>
           <a:xfrm>
-            <a:off x="1524000" y="3602038"/>
-            <a:ext cx="9144000" cy="1655762"/>
+            <a:off x="1154955" y="4777380"/>
+            <a:ext cx="8825658" cy="861420"/>
           </a:xfrm>
         </p:spPr>
         <p:txBody>
-          <a:bodyPr/>
+          <a:bodyPr anchor="t"/>
           <a:lstStyle>
-            <a:lvl1pPr marL="0" indent="0" algn="ctr">
-              <a:buNone/>
-              <a:defRPr sz="2400"/>
+            <a:lvl1pPr marL="0" indent="0" algn="l">
+              <a:buNone/>
+              <a:defRPr cap="all">
+                <a:solidFill>
+                  <a:schemeClr val="bg2">
+                    <a:lumMod val="40000"/>
+                    <a:lumOff val="60000"/>
+                  </a:schemeClr>
+                </a:solidFill>
+              </a:defRPr>
             </a:lvl1pPr>
             <a:lvl2pPr marL="457200" indent="0" algn="ctr">
               <a:buNone/>
-              <a:defRPr sz="2000"/>
+              <a:defRPr>
+                <a:solidFill>
+                  <a:schemeClr val="tx1">
+                    <a:tint val="75000"/>
+                  </a:schemeClr>
+                </a:solidFill>
+              </a:defRPr>
             </a:lvl2pPr>
             <a:lvl3pPr marL="914400" indent="0" algn="ctr">
               <a:buNone/>
-              <a:defRPr sz="1800"/>
+              <a:defRPr>
+                <a:solidFill>
+                  <a:schemeClr val="tx1">
+                    <a:tint val="75000"/>
+                  </a:schemeClr>
+                </a:solidFill>
+              </a:defRPr>
             </a:lvl3pPr>
             <a:lvl4pPr marL="1371600" indent="0" algn="ctr">
               <a:buNone/>
-              <a:defRPr sz="1600"/>
+              <a:defRPr>
+                <a:solidFill>
+                  <a:schemeClr val="tx1">
+                    <a:tint val="75000"/>
+                  </a:schemeClr>
+                </a:solidFill>
+              </a:defRPr>
             </a:lvl4pPr>
             <a:lvl5pPr marL="1828800" indent="0" algn="ctr">
               <a:buNone/>
-              <a:defRPr sz="1600"/>
+              <a:defRPr>
+                <a:solidFill>
+                  <a:schemeClr val="tx1">
+                    <a:tint val="75000"/>
+                  </a:schemeClr>
+                </a:solidFill>
+              </a:defRPr>
             </a:lvl5pPr>
             <a:lvl6pPr marL="2286000" indent="0" algn="ctr">
               <a:buNone/>
-              <a:defRPr sz="1600"/>
+              <a:defRPr>
+                <a:solidFill>
+                  <a:schemeClr val="tx1">
+                    <a:tint val="75000"/>
+                  </a:schemeClr>
+                </a:solidFill>
+              </a:defRPr>
             </a:lvl6pPr>
             <a:lvl7pPr marL="2743200" indent="0" algn="ctr">
               <a:buNone/>
-              <a:defRPr sz="1600"/>
+              <a:defRPr>
+                <a:solidFill>
+                  <a:schemeClr val="tx1">
+                    <a:tint val="75000"/>
+                  </a:schemeClr>
+                </a:solidFill>
+              </a:defRPr>
             </a:lvl7pPr>
             <a:lvl8pPr marL="3200400" indent="0" algn="ctr">
               <a:buNone/>
-              <a:defRPr sz="1600"/>
+              <a:defRPr>
+                <a:solidFill>
+                  <a:schemeClr val="tx1">
+                    <a:tint val="75000"/>
+                  </a:schemeClr>
+                </a:solidFill>
+              </a:defRPr>
             </a:lvl8pPr>
             <a:lvl9pPr marL="3657600" indent="0" algn="ctr">
               <a:buNone/>
-              <a:defRPr sz="1600"/>
+              <a:defRPr>
+                <a:solidFill>
+                  <a:schemeClr val="tx1">
+                    <a:tint val="75000"/>
+                  </a:schemeClr>
+                </a:solidFill>
+              </a:defRPr>
             </a:lvl9pPr>
           </a:lstStyle>
           <a:p>
             <a:r>
-              <a:rPr lang="en-US" smtClean="0"/>
+              <a:rPr lang="en-US" dirty="0" smtClean="0"/>
               <a:t>Click to edit Master subtitle style</a:t>
             </a:r>
             <a:endParaRPr lang="en-US" dirty="0"/>
@@ -246,11 +830,11 @@
           <a:bodyPr/>
           <a:lstStyle/>
           <a:p>
-            <a:fld id="{C764DE79-268F-4C1A-8933-263129D2AF90}" type="datetimeFigureOut">
-              <a:rPr lang="en-US" dirty="0"/>
-              <a:t>11/23/2015</a:t>
+            <a:fld id="{6C29C28F-3FE5-4AC9-871C-AB4FBAE186B6}" type="datetimeFigureOut">
+              <a:rPr lang="en-US" smtClean="0"/>
+              <a:t>11/27/2015</a:t>
             </a:fld>
-            <a:endParaRPr lang="en-US" dirty="0"/>
+            <a:endParaRPr lang="en-US"/>
           </a:p>
         </p:txBody>
       </p:sp>
@@ -269,7 +853,7 @@
           <a:bodyPr/>
           <a:lstStyle/>
           <a:p>
-            <a:endParaRPr lang="en-US" dirty="0"/>
+            <a:endParaRPr lang="en-US"/>
           </a:p>
         </p:txBody>
       </p:sp>
@@ -288,15 +872,20 @@
           <a:bodyPr/>
           <a:lstStyle/>
           <a:p>
-            <a:fld id="{48F63A3B-78C7-47BE-AE5E-E10140E04643}" type="slidenum">
-              <a:rPr lang="en-US" dirty="0"/>
+            <a:fld id="{60FD519B-8B6B-43CB-B03D-37A175F56E23}" type="slidenum">
+              <a:rPr lang="en-US" smtClean="0"/>
               <a:t>‹#›</a:t>
             </a:fld>
-            <a:endParaRPr lang="en-US" dirty="0"/>
+            <a:endParaRPr lang="en-US"/>
           </a:p>
         </p:txBody>
       </p:sp>
     </p:spTree>
+    <p:extLst>
+      <p:ext uri="{BB962C8B-B14F-4D97-AF65-F5344CB8AC3E}">
+        <p14:creationId xmlns:p14="http://schemas.microsoft.com/office/powerpoint/2010/main" val="896290812"/>
+      </p:ext>
+    </p:extLst>
   </p:cSld>
   <p:clrMapOvr>
     <a:masterClrMapping/>
@@ -305,6 +894,2572 @@
 </file>
 
 <file path=ppt/slideLayouts/slideLayout10.xml><?xml version="1.0" encoding="utf-8"?>
+<p:sldLayout xmlns:a="http://schemas.openxmlformats.org/drawingml/2006/main" xmlns:r="http://schemas.openxmlformats.org/officeDocument/2006/relationships" xmlns:p="http://schemas.openxmlformats.org/presentationml/2006/main" preserve="1">
+  <p:cSld name="Panoramic Picture with Caption">
+    <p:spTree>
+      <p:nvGrpSpPr>
+        <p:cNvPr id="1" name=""/>
+        <p:cNvGrpSpPr/>
+        <p:nvPr/>
+      </p:nvGrpSpPr>
+      <p:grpSpPr>
+        <a:xfrm>
+          <a:off x="0" y="0"/>
+          <a:ext cx="0" cy="0"/>
+          <a:chOff x="0" y="0"/>
+          <a:chExt cx="0" cy="0"/>
+        </a:xfrm>
+      </p:grpSpPr>
+      <p:sp>
+        <p:nvSpPr>
+          <p:cNvPr id="2" name="Title 1"/>
+          <p:cNvSpPr>
+            <a:spLocks noGrp="1"/>
+          </p:cNvSpPr>
+          <p:nvPr>
+            <p:ph type="title"/>
+          </p:nvPr>
+        </p:nvSpPr>
+        <p:spPr>
+          <a:xfrm>
+            <a:off x="1154956" y="4800587"/>
+            <a:ext cx="8825657" cy="566738"/>
+          </a:xfrm>
+        </p:spPr>
+        <p:txBody>
+          <a:bodyPr anchor="b">
+            <a:normAutofit/>
+          </a:bodyPr>
+          <a:lstStyle>
+            <a:lvl1pPr algn="l">
+              <a:defRPr sz="2400" b="0"/>
+            </a:lvl1pPr>
+          </a:lstStyle>
+          <a:p>
+            <a:r>
+              <a:rPr lang="en-US" smtClean="0"/>
+              <a:t>Click to edit Master title style</a:t>
+            </a:r>
+            <a:endParaRPr lang="en-US" dirty="0"/>
+          </a:p>
+        </p:txBody>
+      </p:sp>
+      <p:sp>
+        <p:nvSpPr>
+          <p:cNvPr id="3" name="Picture Placeholder 2"/>
+          <p:cNvSpPr>
+            <a:spLocks noGrp="1" noChangeAspect="1"/>
+          </p:cNvSpPr>
+          <p:nvPr>
+            <p:ph type="pic" idx="1"/>
+          </p:nvPr>
+        </p:nvSpPr>
+        <p:spPr>
+          <a:xfrm>
+            <a:off x="1154955" y="685800"/>
+            <a:ext cx="8825658" cy="3640666"/>
+          </a:xfrm>
+          <a:prstGeom prst="roundRect">
+            <a:avLst>
+              <a:gd name="adj" fmla="val 1858"/>
+            </a:avLst>
+          </a:prstGeom>
+          <a:effectLst>
+            <a:outerShdw blurRad="50800" dist="50800" dir="5400000" algn="tl" rotWithShape="0">
+              <a:srgbClr val="000000">
+                <a:alpha val="43000"/>
+              </a:srgbClr>
+            </a:outerShdw>
+          </a:effectLst>
+        </p:spPr>
+        <p:txBody>
+          <a:bodyPr anchor="t">
+            <a:normAutofit/>
+          </a:bodyPr>
+          <a:lstStyle>
+            <a:lvl1pPr marL="0" indent="0" algn="ctr">
+              <a:buNone/>
+              <a:defRPr sz="1600"/>
+            </a:lvl1pPr>
+            <a:lvl2pPr marL="457200" indent="0">
+              <a:buNone/>
+              <a:defRPr sz="1600"/>
+            </a:lvl2pPr>
+            <a:lvl3pPr marL="914400" indent="0">
+              <a:buNone/>
+              <a:defRPr sz="1600"/>
+            </a:lvl3pPr>
+            <a:lvl4pPr marL="1371600" indent="0">
+              <a:buNone/>
+              <a:defRPr sz="1600"/>
+            </a:lvl4pPr>
+            <a:lvl5pPr marL="1828800" indent="0">
+              <a:buNone/>
+              <a:defRPr sz="1600"/>
+            </a:lvl5pPr>
+            <a:lvl6pPr marL="2286000" indent="0">
+              <a:buNone/>
+              <a:defRPr sz="1600"/>
+            </a:lvl6pPr>
+            <a:lvl7pPr marL="2743200" indent="0">
+              <a:buNone/>
+              <a:defRPr sz="1600"/>
+            </a:lvl7pPr>
+            <a:lvl8pPr marL="3200400" indent="0">
+              <a:buNone/>
+              <a:defRPr sz="1600"/>
+            </a:lvl8pPr>
+            <a:lvl9pPr marL="3657600" indent="0">
+              <a:buNone/>
+              <a:defRPr sz="1600"/>
+            </a:lvl9pPr>
+          </a:lstStyle>
+          <a:p>
+            <a:r>
+              <a:rPr lang="en-US" smtClean="0"/>
+              <a:t>Click icon to add picture</a:t>
+            </a:r>
+            <a:endParaRPr lang="en-US"/>
+          </a:p>
+        </p:txBody>
+      </p:sp>
+      <p:sp>
+        <p:nvSpPr>
+          <p:cNvPr id="4" name="Text Placeholder 3"/>
+          <p:cNvSpPr>
+            <a:spLocks noGrp="1"/>
+          </p:cNvSpPr>
+          <p:nvPr>
+            <p:ph type="body" sz="half" idx="2"/>
+          </p:nvPr>
+        </p:nvSpPr>
+        <p:spPr>
+          <a:xfrm>
+            <a:off x="1154956" y="5367325"/>
+            <a:ext cx="8825656" cy="493712"/>
+          </a:xfrm>
+        </p:spPr>
+        <p:txBody>
+          <a:bodyPr>
+            <a:normAutofit/>
+          </a:bodyPr>
+          <a:lstStyle>
+            <a:lvl1pPr marL="0" indent="0">
+              <a:buNone/>
+              <a:defRPr sz="1200"/>
+            </a:lvl1pPr>
+            <a:lvl2pPr marL="457200" indent="0">
+              <a:buNone/>
+              <a:defRPr sz="1200"/>
+            </a:lvl2pPr>
+            <a:lvl3pPr marL="914400" indent="0">
+              <a:buNone/>
+              <a:defRPr sz="1000"/>
+            </a:lvl3pPr>
+            <a:lvl4pPr marL="1371600" indent="0">
+              <a:buNone/>
+              <a:defRPr sz="900"/>
+            </a:lvl4pPr>
+            <a:lvl5pPr marL="1828800" indent="0">
+              <a:buNone/>
+              <a:defRPr sz="900"/>
+            </a:lvl5pPr>
+            <a:lvl6pPr marL="2286000" indent="0">
+              <a:buNone/>
+              <a:defRPr sz="900"/>
+            </a:lvl6pPr>
+            <a:lvl7pPr marL="2743200" indent="0">
+              <a:buNone/>
+              <a:defRPr sz="900"/>
+            </a:lvl7pPr>
+            <a:lvl8pPr marL="3200400" indent="0">
+              <a:buNone/>
+              <a:defRPr sz="900"/>
+            </a:lvl8pPr>
+            <a:lvl9pPr marL="3657600" indent="0">
+              <a:buNone/>
+              <a:defRPr sz="900"/>
+            </a:lvl9pPr>
+          </a:lstStyle>
+          <a:p>
+            <a:pPr lvl="0"/>
+            <a:r>
+              <a:rPr lang="en-US" smtClean="0"/>
+              <a:t>Click to edit Master text styles</a:t>
+            </a:r>
+          </a:p>
+        </p:txBody>
+      </p:sp>
+      <p:sp>
+        <p:nvSpPr>
+          <p:cNvPr id="5" name="Date Placeholder 4"/>
+          <p:cNvSpPr>
+            <a:spLocks noGrp="1"/>
+          </p:cNvSpPr>
+          <p:nvPr>
+            <p:ph type="dt" sz="half" idx="10"/>
+          </p:nvPr>
+        </p:nvSpPr>
+        <p:spPr/>
+        <p:txBody>
+          <a:bodyPr/>
+          <a:lstStyle/>
+          <a:p>
+            <a:fld id="{6C29C28F-3FE5-4AC9-871C-AB4FBAE186B6}" type="datetimeFigureOut">
+              <a:rPr lang="en-US" smtClean="0"/>
+              <a:t>11/27/2015</a:t>
+            </a:fld>
+            <a:endParaRPr lang="en-US"/>
+          </a:p>
+        </p:txBody>
+      </p:sp>
+      <p:sp>
+        <p:nvSpPr>
+          <p:cNvPr id="6" name="Footer Placeholder 5"/>
+          <p:cNvSpPr>
+            <a:spLocks noGrp="1"/>
+          </p:cNvSpPr>
+          <p:nvPr>
+            <p:ph type="ftr" sz="quarter" idx="11"/>
+          </p:nvPr>
+        </p:nvSpPr>
+        <p:spPr/>
+        <p:txBody>
+          <a:bodyPr/>
+          <a:lstStyle/>
+          <a:p>
+            <a:endParaRPr lang="en-US"/>
+          </a:p>
+        </p:txBody>
+      </p:sp>
+      <p:sp>
+        <p:nvSpPr>
+          <p:cNvPr id="7" name="Slide Number Placeholder 6"/>
+          <p:cNvSpPr>
+            <a:spLocks noGrp="1"/>
+          </p:cNvSpPr>
+          <p:nvPr>
+            <p:ph type="sldNum" sz="quarter" idx="12"/>
+          </p:nvPr>
+        </p:nvSpPr>
+        <p:spPr/>
+        <p:txBody>
+          <a:bodyPr/>
+          <a:lstStyle/>
+          <a:p>
+            <a:fld id="{60FD519B-8B6B-43CB-B03D-37A175F56E23}" type="slidenum">
+              <a:rPr lang="en-US" smtClean="0"/>
+              <a:t>‹#›</a:t>
+            </a:fld>
+            <a:endParaRPr lang="en-US"/>
+          </a:p>
+        </p:txBody>
+      </p:sp>
+    </p:spTree>
+    <p:extLst>
+      <p:ext uri="{BB962C8B-B14F-4D97-AF65-F5344CB8AC3E}">
+        <p14:creationId xmlns:p14="http://schemas.microsoft.com/office/powerpoint/2010/main" val="3687788554"/>
+      </p:ext>
+    </p:extLst>
+  </p:cSld>
+  <p:clrMapOvr>
+    <a:masterClrMapping/>
+  </p:clrMapOvr>
+</p:sldLayout>
+</file>
+
+<file path=ppt/slideLayouts/slideLayout11.xml><?xml version="1.0" encoding="utf-8"?>
+<p:sldLayout xmlns:a="http://schemas.openxmlformats.org/drawingml/2006/main" xmlns:r="http://schemas.openxmlformats.org/officeDocument/2006/relationships" xmlns:p="http://schemas.openxmlformats.org/presentationml/2006/main" preserve="1">
+  <p:cSld name="Title and Caption">
+    <p:spTree>
+      <p:nvGrpSpPr>
+        <p:cNvPr id="1" name=""/>
+        <p:cNvGrpSpPr/>
+        <p:nvPr/>
+      </p:nvGrpSpPr>
+      <p:grpSpPr>
+        <a:xfrm>
+          <a:off x="0" y="0"/>
+          <a:ext cx="0" cy="0"/>
+          <a:chOff x="0" y="0"/>
+          <a:chExt cx="0" cy="0"/>
+        </a:xfrm>
+      </p:grpSpPr>
+      <p:sp>
+        <p:nvSpPr>
+          <p:cNvPr id="2" name="Title 1"/>
+          <p:cNvSpPr>
+            <a:spLocks noGrp="1"/>
+          </p:cNvSpPr>
+          <p:nvPr>
+            <p:ph type="title"/>
+          </p:nvPr>
+        </p:nvSpPr>
+        <p:spPr>
+          <a:xfrm>
+            <a:off x="1154954" y="1447800"/>
+            <a:ext cx="8825659" cy="1981200"/>
+          </a:xfrm>
+        </p:spPr>
+        <p:txBody>
+          <a:bodyPr/>
+          <a:lstStyle>
+            <a:lvl1pPr>
+              <a:defRPr sz="4800"/>
+            </a:lvl1pPr>
+          </a:lstStyle>
+          <a:p>
+            <a:r>
+              <a:rPr lang="en-US" smtClean="0"/>
+              <a:t>Click to edit Master title style</a:t>
+            </a:r>
+            <a:endParaRPr lang="en-US" dirty="0"/>
+          </a:p>
+        </p:txBody>
+      </p:sp>
+      <p:sp>
+        <p:nvSpPr>
+          <p:cNvPr id="8" name="Text Placeholder 3"/>
+          <p:cNvSpPr>
+            <a:spLocks noGrp="1"/>
+          </p:cNvSpPr>
+          <p:nvPr>
+            <p:ph type="body" sz="half" idx="2"/>
+          </p:nvPr>
+        </p:nvSpPr>
+        <p:spPr>
+          <a:xfrm>
+            <a:off x="1154954" y="3657600"/>
+            <a:ext cx="8825659" cy="2362200"/>
+          </a:xfrm>
+        </p:spPr>
+        <p:txBody>
+          <a:bodyPr anchor="ctr">
+            <a:normAutofit/>
+          </a:bodyPr>
+          <a:lstStyle>
+            <a:lvl1pPr marL="0" indent="0">
+              <a:buNone/>
+              <a:defRPr sz="1800"/>
+            </a:lvl1pPr>
+            <a:lvl2pPr marL="457200" indent="0">
+              <a:buNone/>
+              <a:defRPr sz="1200"/>
+            </a:lvl2pPr>
+            <a:lvl3pPr marL="914400" indent="0">
+              <a:buNone/>
+              <a:defRPr sz="1000"/>
+            </a:lvl3pPr>
+            <a:lvl4pPr marL="1371600" indent="0">
+              <a:buNone/>
+              <a:defRPr sz="900"/>
+            </a:lvl4pPr>
+            <a:lvl5pPr marL="1828800" indent="0">
+              <a:buNone/>
+              <a:defRPr sz="900"/>
+            </a:lvl5pPr>
+            <a:lvl6pPr marL="2286000" indent="0">
+              <a:buNone/>
+              <a:defRPr sz="900"/>
+            </a:lvl6pPr>
+            <a:lvl7pPr marL="2743200" indent="0">
+              <a:buNone/>
+              <a:defRPr sz="900"/>
+            </a:lvl7pPr>
+            <a:lvl8pPr marL="3200400" indent="0">
+              <a:buNone/>
+              <a:defRPr sz="900"/>
+            </a:lvl8pPr>
+            <a:lvl9pPr marL="3657600" indent="0">
+              <a:buNone/>
+              <a:defRPr sz="900"/>
+            </a:lvl9pPr>
+          </a:lstStyle>
+          <a:p>
+            <a:pPr lvl="0"/>
+            <a:r>
+              <a:rPr lang="en-US" smtClean="0"/>
+              <a:t>Click to edit Master text styles</a:t>
+            </a:r>
+          </a:p>
+        </p:txBody>
+      </p:sp>
+      <p:sp>
+        <p:nvSpPr>
+          <p:cNvPr id="4" name="Date Placeholder 3"/>
+          <p:cNvSpPr>
+            <a:spLocks noGrp="1"/>
+          </p:cNvSpPr>
+          <p:nvPr>
+            <p:ph type="dt" sz="half" idx="10"/>
+          </p:nvPr>
+        </p:nvSpPr>
+        <p:spPr/>
+        <p:txBody>
+          <a:bodyPr/>
+          <a:lstStyle/>
+          <a:p>
+            <a:fld id="{6C29C28F-3FE5-4AC9-871C-AB4FBAE186B6}" type="datetimeFigureOut">
+              <a:rPr lang="en-US" smtClean="0"/>
+              <a:t>11/27/2015</a:t>
+            </a:fld>
+            <a:endParaRPr lang="en-US"/>
+          </a:p>
+        </p:txBody>
+      </p:sp>
+      <p:sp>
+        <p:nvSpPr>
+          <p:cNvPr id="5" name="Footer Placeholder 4"/>
+          <p:cNvSpPr>
+            <a:spLocks noGrp="1"/>
+          </p:cNvSpPr>
+          <p:nvPr>
+            <p:ph type="ftr" sz="quarter" idx="11"/>
+          </p:nvPr>
+        </p:nvSpPr>
+        <p:spPr/>
+        <p:txBody>
+          <a:bodyPr/>
+          <a:lstStyle/>
+          <a:p>
+            <a:endParaRPr lang="en-US"/>
+          </a:p>
+        </p:txBody>
+      </p:sp>
+      <p:sp>
+        <p:nvSpPr>
+          <p:cNvPr id="6" name="Slide Number Placeholder 5"/>
+          <p:cNvSpPr>
+            <a:spLocks noGrp="1"/>
+          </p:cNvSpPr>
+          <p:nvPr>
+            <p:ph type="sldNum" sz="quarter" idx="12"/>
+          </p:nvPr>
+        </p:nvSpPr>
+        <p:spPr/>
+        <p:txBody>
+          <a:bodyPr/>
+          <a:lstStyle/>
+          <a:p>
+            <a:fld id="{60FD519B-8B6B-43CB-B03D-37A175F56E23}" type="slidenum">
+              <a:rPr lang="en-US" smtClean="0"/>
+              <a:t>‹#›</a:t>
+            </a:fld>
+            <a:endParaRPr lang="en-US"/>
+          </a:p>
+        </p:txBody>
+      </p:sp>
+    </p:spTree>
+    <p:extLst>
+      <p:ext uri="{BB962C8B-B14F-4D97-AF65-F5344CB8AC3E}">
+        <p14:creationId xmlns:p14="http://schemas.microsoft.com/office/powerpoint/2010/main" val="1896968162"/>
+      </p:ext>
+    </p:extLst>
+  </p:cSld>
+  <p:clrMapOvr>
+    <a:masterClrMapping/>
+  </p:clrMapOvr>
+</p:sldLayout>
+</file>
+
+<file path=ppt/slideLayouts/slideLayout12.xml><?xml version="1.0" encoding="utf-8"?>
+<p:sldLayout xmlns:a="http://schemas.openxmlformats.org/drawingml/2006/main" xmlns:r="http://schemas.openxmlformats.org/officeDocument/2006/relationships" xmlns:p="http://schemas.openxmlformats.org/presentationml/2006/main" preserve="1">
+  <p:cSld name="Quote with Caption">
+    <p:spTree>
+      <p:nvGrpSpPr>
+        <p:cNvPr id="1" name=""/>
+        <p:cNvGrpSpPr/>
+        <p:nvPr/>
+      </p:nvGrpSpPr>
+      <p:grpSpPr>
+        <a:xfrm>
+          <a:off x="0" y="0"/>
+          <a:ext cx="0" cy="0"/>
+          <a:chOff x="0" y="0"/>
+          <a:chExt cx="0" cy="0"/>
+        </a:xfrm>
+      </p:grpSpPr>
+      <p:sp>
+        <p:nvSpPr>
+          <p:cNvPr id="2" name="Title 1"/>
+          <p:cNvSpPr>
+            <a:spLocks noGrp="1"/>
+          </p:cNvSpPr>
+          <p:nvPr>
+            <p:ph type="title"/>
+          </p:nvPr>
+        </p:nvSpPr>
+        <p:spPr>
+          <a:xfrm>
+            <a:off x="1574801" y="1447800"/>
+            <a:ext cx="7999315" cy="2323374"/>
+          </a:xfrm>
+        </p:spPr>
+        <p:txBody>
+          <a:bodyPr/>
+          <a:lstStyle>
+            <a:lvl1pPr>
+              <a:defRPr sz="4800"/>
+            </a:lvl1pPr>
+          </a:lstStyle>
+          <a:p>
+            <a:r>
+              <a:rPr lang="en-US" smtClean="0"/>
+              <a:t>Click to edit Master title style</a:t>
+            </a:r>
+            <a:endParaRPr lang="en-US" dirty="0"/>
+          </a:p>
+        </p:txBody>
+      </p:sp>
+      <p:sp>
+        <p:nvSpPr>
+          <p:cNvPr id="11" name="Text Placeholder 3"/>
+          <p:cNvSpPr>
+            <a:spLocks noGrp="1"/>
+          </p:cNvSpPr>
+          <p:nvPr>
+            <p:ph type="body" sz="half" idx="14"/>
+          </p:nvPr>
+        </p:nvSpPr>
+        <p:spPr>
+          <a:xfrm>
+            <a:off x="1930400" y="3771174"/>
+            <a:ext cx="7279649" cy="342174"/>
+          </a:xfrm>
+        </p:spPr>
+        <p:txBody>
+          <a:bodyPr vert="horz" lIns="91440" tIns="45720" rIns="91440" bIns="45720" rtlCol="0" anchor="t">
+            <a:normAutofit/>
+          </a:bodyPr>
+          <a:lstStyle>
+            <a:lvl1pPr marL="0" indent="0">
+              <a:buNone/>
+              <a:defRPr lang="en-US" sz="1400" b="0" i="0" kern="1200" cap="small" dirty="0">
+                <a:solidFill>
+                  <a:schemeClr val="bg2">
+                    <a:lumMod val="40000"/>
+                    <a:lumOff val="60000"/>
+                  </a:schemeClr>
+                </a:solidFill>
+                <a:latin typeface="+mj-lt"/>
+                <a:ea typeface="+mj-ea"/>
+                <a:cs typeface="+mj-cs"/>
+              </a:defRPr>
+            </a:lvl1pPr>
+            <a:lvl2pPr marL="457200" indent="0">
+              <a:buNone/>
+              <a:defRPr sz="1200"/>
+            </a:lvl2pPr>
+            <a:lvl3pPr marL="914400" indent="0">
+              <a:buNone/>
+              <a:defRPr sz="1000"/>
+            </a:lvl3pPr>
+            <a:lvl4pPr marL="1371600" indent="0">
+              <a:buNone/>
+              <a:defRPr sz="900"/>
+            </a:lvl4pPr>
+            <a:lvl5pPr marL="1828800" indent="0">
+              <a:buNone/>
+              <a:defRPr sz="900"/>
+            </a:lvl5pPr>
+            <a:lvl6pPr marL="2286000" indent="0">
+              <a:buNone/>
+              <a:defRPr sz="900"/>
+            </a:lvl6pPr>
+            <a:lvl7pPr marL="2743200" indent="0">
+              <a:buNone/>
+              <a:defRPr sz="900"/>
+            </a:lvl7pPr>
+            <a:lvl8pPr marL="3200400" indent="0">
+              <a:buNone/>
+              <a:defRPr sz="900"/>
+            </a:lvl8pPr>
+            <a:lvl9pPr marL="3657600" indent="0">
+              <a:buNone/>
+              <a:defRPr sz="900"/>
+            </a:lvl9pPr>
+          </a:lstStyle>
+          <a:p>
+            <a:pPr marL="0" lvl="0" indent="0">
+              <a:buNone/>
+            </a:pPr>
+            <a:r>
+              <a:rPr lang="en-US" smtClean="0"/>
+              <a:t>Click to edit Master text styles</a:t>
+            </a:r>
+          </a:p>
+        </p:txBody>
+      </p:sp>
+      <p:sp>
+        <p:nvSpPr>
+          <p:cNvPr id="10" name="Text Placeholder 3"/>
+          <p:cNvSpPr>
+            <a:spLocks noGrp="1"/>
+          </p:cNvSpPr>
+          <p:nvPr>
+            <p:ph type="body" sz="half" idx="2"/>
+          </p:nvPr>
+        </p:nvSpPr>
+        <p:spPr>
+          <a:xfrm>
+            <a:off x="1154954" y="4350657"/>
+            <a:ext cx="8825659" cy="1676400"/>
+          </a:xfrm>
+        </p:spPr>
+        <p:txBody>
+          <a:bodyPr anchor="ctr">
+            <a:normAutofit/>
+          </a:bodyPr>
+          <a:lstStyle>
+            <a:lvl1pPr marL="0" indent="0">
+              <a:buNone/>
+              <a:defRPr sz="1800"/>
+            </a:lvl1pPr>
+            <a:lvl2pPr marL="457200" indent="0">
+              <a:buNone/>
+              <a:defRPr sz="1200"/>
+            </a:lvl2pPr>
+            <a:lvl3pPr marL="914400" indent="0">
+              <a:buNone/>
+              <a:defRPr sz="1000"/>
+            </a:lvl3pPr>
+            <a:lvl4pPr marL="1371600" indent="0">
+              <a:buNone/>
+              <a:defRPr sz="900"/>
+            </a:lvl4pPr>
+            <a:lvl5pPr marL="1828800" indent="0">
+              <a:buNone/>
+              <a:defRPr sz="900"/>
+            </a:lvl5pPr>
+            <a:lvl6pPr marL="2286000" indent="0">
+              <a:buNone/>
+              <a:defRPr sz="900"/>
+            </a:lvl6pPr>
+            <a:lvl7pPr marL="2743200" indent="0">
+              <a:buNone/>
+              <a:defRPr sz="900"/>
+            </a:lvl7pPr>
+            <a:lvl8pPr marL="3200400" indent="0">
+              <a:buNone/>
+              <a:defRPr sz="900"/>
+            </a:lvl8pPr>
+            <a:lvl9pPr marL="3657600" indent="0">
+              <a:buNone/>
+              <a:defRPr sz="900"/>
+            </a:lvl9pPr>
+          </a:lstStyle>
+          <a:p>
+            <a:pPr lvl="0"/>
+            <a:r>
+              <a:rPr lang="en-US" smtClean="0"/>
+              <a:t>Click to edit Master text styles</a:t>
+            </a:r>
+          </a:p>
+        </p:txBody>
+      </p:sp>
+      <p:sp>
+        <p:nvSpPr>
+          <p:cNvPr id="4" name="Date Placeholder 3"/>
+          <p:cNvSpPr>
+            <a:spLocks noGrp="1"/>
+          </p:cNvSpPr>
+          <p:nvPr>
+            <p:ph type="dt" sz="half" idx="10"/>
+          </p:nvPr>
+        </p:nvSpPr>
+        <p:spPr/>
+        <p:txBody>
+          <a:bodyPr/>
+          <a:lstStyle/>
+          <a:p>
+            <a:fld id="{6C29C28F-3FE5-4AC9-871C-AB4FBAE186B6}" type="datetimeFigureOut">
+              <a:rPr lang="en-US" smtClean="0"/>
+              <a:t>11/27/2015</a:t>
+            </a:fld>
+            <a:endParaRPr lang="en-US"/>
+          </a:p>
+        </p:txBody>
+      </p:sp>
+      <p:sp>
+        <p:nvSpPr>
+          <p:cNvPr id="5" name="Footer Placeholder 4"/>
+          <p:cNvSpPr>
+            <a:spLocks noGrp="1"/>
+          </p:cNvSpPr>
+          <p:nvPr>
+            <p:ph type="ftr" sz="quarter" idx="11"/>
+          </p:nvPr>
+        </p:nvSpPr>
+        <p:spPr/>
+        <p:txBody>
+          <a:bodyPr/>
+          <a:lstStyle/>
+          <a:p>
+            <a:endParaRPr lang="en-US"/>
+          </a:p>
+        </p:txBody>
+      </p:sp>
+      <p:sp>
+        <p:nvSpPr>
+          <p:cNvPr id="6" name="Slide Number Placeholder 5"/>
+          <p:cNvSpPr>
+            <a:spLocks noGrp="1"/>
+          </p:cNvSpPr>
+          <p:nvPr>
+            <p:ph type="sldNum" sz="quarter" idx="12"/>
+          </p:nvPr>
+        </p:nvSpPr>
+        <p:spPr/>
+        <p:txBody>
+          <a:bodyPr/>
+          <a:lstStyle/>
+          <a:p>
+            <a:fld id="{60FD519B-8B6B-43CB-B03D-37A175F56E23}" type="slidenum">
+              <a:rPr lang="en-US" smtClean="0"/>
+              <a:t>‹#›</a:t>
+            </a:fld>
+            <a:endParaRPr lang="en-US"/>
+          </a:p>
+        </p:txBody>
+      </p:sp>
+      <p:sp>
+        <p:nvSpPr>
+          <p:cNvPr id="12" name="TextBox 11"/>
+          <p:cNvSpPr txBox="1"/>
+          <p:nvPr/>
+        </p:nvSpPr>
+        <p:spPr>
+          <a:xfrm>
+            <a:off x="898295" y="971253"/>
+            <a:ext cx="801912" cy="1969770"/>
+          </a:xfrm>
+          <a:prstGeom prst="rect">
+            <a:avLst/>
+          </a:prstGeom>
+          <a:noFill/>
+        </p:spPr>
+        <p:txBody>
+          <a:bodyPr wrap="square" rtlCol="0">
+            <a:spAutoFit/>
+          </a:bodyPr>
+          <a:lstStyle>
+            <a:defPPr>
+              <a:defRPr lang="en-US"/>
+            </a:defPPr>
+            <a:lvl1pPr algn="r">
+              <a:defRPr sz="12200" b="0" i="0">
+                <a:solidFill>
+                  <a:schemeClr val="bg2">
+                    <a:lumMod val="40000"/>
+                    <a:lumOff val="60000"/>
+                  </a:schemeClr>
+                </a:solidFill>
+                <a:latin typeface="Arial"/>
+                <a:ea typeface="+mj-ea"/>
+                <a:cs typeface="+mj-cs"/>
+              </a:defRPr>
+            </a:lvl1pPr>
+          </a:lstStyle>
+          <a:p>
+            <a:pPr lvl="0"/>
+            <a:r>
+              <a:rPr lang="en-US"/>
+              <a:t>“</a:t>
+            </a:r>
+          </a:p>
+        </p:txBody>
+      </p:sp>
+      <p:sp>
+        <p:nvSpPr>
+          <p:cNvPr id="15" name="TextBox 14"/>
+          <p:cNvSpPr txBox="1"/>
+          <p:nvPr/>
+        </p:nvSpPr>
+        <p:spPr>
+          <a:xfrm>
+            <a:off x="9330490" y="2613787"/>
+            <a:ext cx="801912" cy="1969770"/>
+          </a:xfrm>
+          <a:prstGeom prst="rect">
+            <a:avLst/>
+          </a:prstGeom>
+          <a:noFill/>
+        </p:spPr>
+        <p:txBody>
+          <a:bodyPr wrap="square" rtlCol="0">
+            <a:spAutoFit/>
+          </a:bodyPr>
+          <a:lstStyle>
+            <a:defPPr>
+              <a:defRPr lang="en-US"/>
+            </a:defPPr>
+            <a:lvl1pPr algn="r">
+              <a:defRPr sz="12200" b="0" i="0">
+                <a:solidFill>
+                  <a:schemeClr val="bg2">
+                    <a:lumMod val="40000"/>
+                    <a:lumOff val="60000"/>
+                  </a:schemeClr>
+                </a:solidFill>
+                <a:latin typeface="Arial"/>
+                <a:ea typeface="+mj-ea"/>
+                <a:cs typeface="+mj-cs"/>
+              </a:defRPr>
+            </a:lvl1pPr>
+          </a:lstStyle>
+          <a:p>
+            <a:pPr lvl="0"/>
+            <a:r>
+              <a:rPr lang="en-US"/>
+              <a:t>”</a:t>
+            </a:r>
+          </a:p>
+        </p:txBody>
+      </p:sp>
+    </p:spTree>
+    <p:extLst>
+      <p:ext uri="{BB962C8B-B14F-4D97-AF65-F5344CB8AC3E}">
+        <p14:creationId xmlns:p14="http://schemas.microsoft.com/office/powerpoint/2010/main" val="794837785"/>
+      </p:ext>
+    </p:extLst>
+  </p:cSld>
+  <p:clrMapOvr>
+    <a:masterClrMapping/>
+  </p:clrMapOvr>
+</p:sldLayout>
+</file>
+
+<file path=ppt/slideLayouts/slideLayout13.xml><?xml version="1.0" encoding="utf-8"?>
+<p:sldLayout xmlns:a="http://schemas.openxmlformats.org/drawingml/2006/main" xmlns:r="http://schemas.openxmlformats.org/officeDocument/2006/relationships" xmlns:p="http://schemas.openxmlformats.org/presentationml/2006/main" preserve="1">
+  <p:cSld name="Name Card">
+    <p:spTree>
+      <p:nvGrpSpPr>
+        <p:cNvPr id="1" name=""/>
+        <p:cNvGrpSpPr/>
+        <p:nvPr/>
+      </p:nvGrpSpPr>
+      <p:grpSpPr>
+        <a:xfrm>
+          <a:off x="0" y="0"/>
+          <a:ext cx="0" cy="0"/>
+          <a:chOff x="0" y="0"/>
+          <a:chExt cx="0" cy="0"/>
+        </a:xfrm>
+      </p:grpSpPr>
+      <p:sp>
+        <p:nvSpPr>
+          <p:cNvPr id="2" name="Title 1"/>
+          <p:cNvSpPr>
+            <a:spLocks noGrp="1"/>
+          </p:cNvSpPr>
+          <p:nvPr>
+            <p:ph type="title"/>
+          </p:nvPr>
+        </p:nvSpPr>
+        <p:spPr>
+          <a:xfrm>
+            <a:off x="1154954" y="3124201"/>
+            <a:ext cx="8825660" cy="1653180"/>
+          </a:xfrm>
+        </p:spPr>
+        <p:txBody>
+          <a:bodyPr anchor="b"/>
+          <a:lstStyle>
+            <a:lvl1pPr algn="l">
+              <a:defRPr sz="4000" b="0" cap="none"/>
+            </a:lvl1pPr>
+          </a:lstStyle>
+          <a:p>
+            <a:r>
+              <a:rPr lang="en-US" smtClean="0"/>
+              <a:t>Click to edit Master title style</a:t>
+            </a:r>
+            <a:endParaRPr lang="en-US" dirty="0"/>
+          </a:p>
+        </p:txBody>
+      </p:sp>
+      <p:sp>
+        <p:nvSpPr>
+          <p:cNvPr id="3" name="Text Placeholder 2"/>
+          <p:cNvSpPr>
+            <a:spLocks noGrp="1"/>
+          </p:cNvSpPr>
+          <p:nvPr>
+            <p:ph type="body" idx="1"/>
+          </p:nvPr>
+        </p:nvSpPr>
+        <p:spPr>
+          <a:xfrm>
+            <a:off x="1154954" y="4777381"/>
+            <a:ext cx="8825659" cy="860400"/>
+          </a:xfrm>
+        </p:spPr>
+        <p:txBody>
+          <a:bodyPr anchor="t"/>
+          <a:lstStyle>
+            <a:lvl1pPr marL="0" indent="0" algn="l">
+              <a:buNone/>
+              <a:defRPr sz="2000" cap="none">
+                <a:solidFill>
+                  <a:schemeClr val="bg2">
+                    <a:lumMod val="40000"/>
+                    <a:lumOff val="60000"/>
+                  </a:schemeClr>
+                </a:solidFill>
+              </a:defRPr>
+            </a:lvl1pPr>
+            <a:lvl2pPr marL="457200" indent="0">
+              <a:buNone/>
+              <a:defRPr sz="1800">
+                <a:solidFill>
+                  <a:schemeClr val="tx1">
+                    <a:tint val="75000"/>
+                  </a:schemeClr>
+                </a:solidFill>
+              </a:defRPr>
+            </a:lvl2pPr>
+            <a:lvl3pPr marL="914400" indent="0">
+              <a:buNone/>
+              <a:defRPr sz="1600">
+                <a:solidFill>
+                  <a:schemeClr val="tx1">
+                    <a:tint val="75000"/>
+                  </a:schemeClr>
+                </a:solidFill>
+              </a:defRPr>
+            </a:lvl3pPr>
+            <a:lvl4pPr marL="1371600" indent="0">
+              <a:buNone/>
+              <a:defRPr sz="1400">
+                <a:solidFill>
+                  <a:schemeClr val="tx1">
+                    <a:tint val="75000"/>
+                  </a:schemeClr>
+                </a:solidFill>
+              </a:defRPr>
+            </a:lvl4pPr>
+            <a:lvl5pPr marL="1828800" indent="0">
+              <a:buNone/>
+              <a:defRPr sz="1400">
+                <a:solidFill>
+                  <a:schemeClr val="tx1">
+                    <a:tint val="75000"/>
+                  </a:schemeClr>
+                </a:solidFill>
+              </a:defRPr>
+            </a:lvl5pPr>
+            <a:lvl6pPr marL="2286000" indent="0">
+              <a:buNone/>
+              <a:defRPr sz="1400">
+                <a:solidFill>
+                  <a:schemeClr val="tx1">
+                    <a:tint val="75000"/>
+                  </a:schemeClr>
+                </a:solidFill>
+              </a:defRPr>
+            </a:lvl6pPr>
+            <a:lvl7pPr marL="2743200" indent="0">
+              <a:buNone/>
+              <a:defRPr sz="1400">
+                <a:solidFill>
+                  <a:schemeClr val="tx1">
+                    <a:tint val="75000"/>
+                  </a:schemeClr>
+                </a:solidFill>
+              </a:defRPr>
+            </a:lvl7pPr>
+            <a:lvl8pPr marL="3200400" indent="0">
+              <a:buNone/>
+              <a:defRPr sz="1400">
+                <a:solidFill>
+                  <a:schemeClr val="tx1">
+                    <a:tint val="75000"/>
+                  </a:schemeClr>
+                </a:solidFill>
+              </a:defRPr>
+            </a:lvl8pPr>
+            <a:lvl9pPr marL="3657600" indent="0">
+              <a:buNone/>
+              <a:defRPr sz="1400">
+                <a:solidFill>
+                  <a:schemeClr val="tx1">
+                    <a:tint val="75000"/>
+                  </a:schemeClr>
+                </a:solidFill>
+              </a:defRPr>
+            </a:lvl9pPr>
+          </a:lstStyle>
+          <a:p>
+            <a:pPr lvl="0"/>
+            <a:r>
+              <a:rPr lang="en-US" smtClean="0"/>
+              <a:t>Click to edit Master text styles</a:t>
+            </a:r>
+          </a:p>
+        </p:txBody>
+      </p:sp>
+      <p:sp>
+        <p:nvSpPr>
+          <p:cNvPr id="4" name="Date Placeholder 3"/>
+          <p:cNvSpPr>
+            <a:spLocks noGrp="1"/>
+          </p:cNvSpPr>
+          <p:nvPr>
+            <p:ph type="dt" sz="half" idx="10"/>
+          </p:nvPr>
+        </p:nvSpPr>
+        <p:spPr/>
+        <p:txBody>
+          <a:bodyPr/>
+          <a:lstStyle/>
+          <a:p>
+            <a:fld id="{6C29C28F-3FE5-4AC9-871C-AB4FBAE186B6}" type="datetimeFigureOut">
+              <a:rPr lang="en-US" smtClean="0"/>
+              <a:t>11/27/2015</a:t>
+            </a:fld>
+            <a:endParaRPr lang="en-US"/>
+          </a:p>
+        </p:txBody>
+      </p:sp>
+      <p:sp>
+        <p:nvSpPr>
+          <p:cNvPr id="5" name="Footer Placeholder 4"/>
+          <p:cNvSpPr>
+            <a:spLocks noGrp="1"/>
+          </p:cNvSpPr>
+          <p:nvPr>
+            <p:ph type="ftr" sz="quarter" idx="11"/>
+          </p:nvPr>
+        </p:nvSpPr>
+        <p:spPr/>
+        <p:txBody>
+          <a:bodyPr/>
+          <a:lstStyle/>
+          <a:p>
+            <a:endParaRPr lang="en-US"/>
+          </a:p>
+        </p:txBody>
+      </p:sp>
+      <p:sp>
+        <p:nvSpPr>
+          <p:cNvPr id="6" name="Slide Number Placeholder 5"/>
+          <p:cNvSpPr>
+            <a:spLocks noGrp="1"/>
+          </p:cNvSpPr>
+          <p:nvPr>
+            <p:ph type="sldNum" sz="quarter" idx="12"/>
+          </p:nvPr>
+        </p:nvSpPr>
+        <p:spPr/>
+        <p:txBody>
+          <a:bodyPr/>
+          <a:lstStyle/>
+          <a:p>
+            <a:fld id="{60FD519B-8B6B-43CB-B03D-37A175F56E23}" type="slidenum">
+              <a:rPr lang="en-US" smtClean="0"/>
+              <a:t>‹#›</a:t>
+            </a:fld>
+            <a:endParaRPr lang="en-US"/>
+          </a:p>
+        </p:txBody>
+      </p:sp>
+    </p:spTree>
+    <p:extLst>
+      <p:ext uri="{BB962C8B-B14F-4D97-AF65-F5344CB8AC3E}">
+        <p14:creationId xmlns:p14="http://schemas.microsoft.com/office/powerpoint/2010/main" val="2166045613"/>
+      </p:ext>
+    </p:extLst>
+  </p:cSld>
+  <p:clrMapOvr>
+    <a:masterClrMapping/>
+  </p:clrMapOvr>
+</p:sldLayout>
+</file>
+
+<file path=ppt/slideLayouts/slideLayout14.xml><?xml version="1.0" encoding="utf-8"?>
+<p:sldLayout xmlns:a="http://schemas.openxmlformats.org/drawingml/2006/main" xmlns:r="http://schemas.openxmlformats.org/officeDocument/2006/relationships" xmlns:p="http://schemas.openxmlformats.org/presentationml/2006/main" preserve="1">
+  <p:cSld name="3 Column">
+    <p:spTree>
+      <p:nvGrpSpPr>
+        <p:cNvPr id="1" name=""/>
+        <p:cNvGrpSpPr/>
+        <p:nvPr/>
+      </p:nvGrpSpPr>
+      <p:grpSpPr>
+        <a:xfrm>
+          <a:off x="0" y="0"/>
+          <a:ext cx="0" cy="0"/>
+          <a:chOff x="0" y="0"/>
+          <a:chExt cx="0" cy="0"/>
+        </a:xfrm>
+      </p:grpSpPr>
+      <p:sp>
+        <p:nvSpPr>
+          <p:cNvPr id="2" name="Title 1"/>
+          <p:cNvSpPr>
+            <a:spLocks noGrp="1"/>
+          </p:cNvSpPr>
+          <p:nvPr>
+            <p:ph type="title"/>
+          </p:nvPr>
+        </p:nvSpPr>
+        <p:spPr/>
+        <p:txBody>
+          <a:bodyPr/>
+          <a:lstStyle>
+            <a:lvl1pPr>
+              <a:defRPr sz="4200"/>
+            </a:lvl1pPr>
+          </a:lstStyle>
+          <a:p>
+            <a:r>
+              <a:rPr lang="en-US" smtClean="0"/>
+              <a:t>Click to edit Master title style</a:t>
+            </a:r>
+            <a:endParaRPr lang="en-US" dirty="0"/>
+          </a:p>
+        </p:txBody>
+      </p:sp>
+      <p:sp>
+        <p:nvSpPr>
+          <p:cNvPr id="3" name="Text Placeholder 2"/>
+          <p:cNvSpPr>
+            <a:spLocks noGrp="1"/>
+          </p:cNvSpPr>
+          <p:nvPr>
+            <p:ph type="body" idx="1"/>
+          </p:nvPr>
+        </p:nvSpPr>
+        <p:spPr>
+          <a:xfrm>
+            <a:off x="632947" y="1981200"/>
+            <a:ext cx="2946866" cy="576262"/>
+          </a:xfrm>
+        </p:spPr>
+        <p:txBody>
+          <a:bodyPr anchor="b">
+            <a:noAutofit/>
+          </a:bodyPr>
+          <a:lstStyle>
+            <a:lvl1pPr marL="0" indent="0">
+              <a:buNone/>
+              <a:defRPr sz="2400" b="0">
+                <a:solidFill>
+                  <a:schemeClr val="bg2">
+                    <a:lumMod val="40000"/>
+                    <a:lumOff val="60000"/>
+                  </a:schemeClr>
+                </a:solidFill>
+              </a:defRPr>
+            </a:lvl1pPr>
+            <a:lvl2pPr marL="457200" indent="0">
+              <a:buNone/>
+              <a:defRPr sz="2000" b="1"/>
+            </a:lvl2pPr>
+            <a:lvl3pPr marL="914400" indent="0">
+              <a:buNone/>
+              <a:defRPr sz="1800" b="1"/>
+            </a:lvl3pPr>
+            <a:lvl4pPr marL="1371600" indent="0">
+              <a:buNone/>
+              <a:defRPr sz="1600" b="1"/>
+            </a:lvl4pPr>
+            <a:lvl5pPr marL="1828800" indent="0">
+              <a:buNone/>
+              <a:defRPr sz="1600" b="1"/>
+            </a:lvl5pPr>
+            <a:lvl6pPr marL="2286000" indent="0">
+              <a:buNone/>
+              <a:defRPr sz="1600" b="1"/>
+            </a:lvl6pPr>
+            <a:lvl7pPr marL="2743200" indent="0">
+              <a:buNone/>
+              <a:defRPr sz="1600" b="1"/>
+            </a:lvl7pPr>
+            <a:lvl8pPr marL="3200400" indent="0">
+              <a:buNone/>
+              <a:defRPr sz="1600" b="1"/>
+            </a:lvl8pPr>
+            <a:lvl9pPr marL="3657600" indent="0">
+              <a:buNone/>
+              <a:defRPr sz="1600" b="1"/>
+            </a:lvl9pPr>
+          </a:lstStyle>
+          <a:p>
+            <a:pPr lvl="0"/>
+            <a:r>
+              <a:rPr lang="en-US" smtClean="0"/>
+              <a:t>Click to edit Master text styles</a:t>
+            </a:r>
+          </a:p>
+        </p:txBody>
+      </p:sp>
+      <p:sp>
+        <p:nvSpPr>
+          <p:cNvPr id="16" name="Text Placeholder 3"/>
+          <p:cNvSpPr>
+            <a:spLocks noGrp="1"/>
+          </p:cNvSpPr>
+          <p:nvPr>
+            <p:ph type="body" sz="half" idx="15"/>
+          </p:nvPr>
+        </p:nvSpPr>
+        <p:spPr>
+          <a:xfrm>
+            <a:off x="652463" y="2667000"/>
+            <a:ext cx="2927350" cy="3589338"/>
+          </a:xfrm>
+        </p:spPr>
+        <p:txBody>
+          <a:bodyPr anchor="t">
+            <a:normAutofit/>
+          </a:bodyPr>
+          <a:lstStyle>
+            <a:lvl1pPr marL="0" indent="0">
+              <a:buNone/>
+              <a:defRPr sz="1400"/>
+            </a:lvl1pPr>
+            <a:lvl2pPr marL="457200" indent="0">
+              <a:buNone/>
+              <a:defRPr sz="1200"/>
+            </a:lvl2pPr>
+            <a:lvl3pPr marL="914400" indent="0">
+              <a:buNone/>
+              <a:defRPr sz="1000"/>
+            </a:lvl3pPr>
+            <a:lvl4pPr marL="1371600" indent="0">
+              <a:buNone/>
+              <a:defRPr sz="900"/>
+            </a:lvl4pPr>
+            <a:lvl5pPr marL="1828800" indent="0">
+              <a:buNone/>
+              <a:defRPr sz="900"/>
+            </a:lvl5pPr>
+            <a:lvl6pPr marL="2286000" indent="0">
+              <a:buNone/>
+              <a:defRPr sz="900"/>
+            </a:lvl6pPr>
+            <a:lvl7pPr marL="2743200" indent="0">
+              <a:buNone/>
+              <a:defRPr sz="900"/>
+            </a:lvl7pPr>
+            <a:lvl8pPr marL="3200400" indent="0">
+              <a:buNone/>
+              <a:defRPr sz="900"/>
+            </a:lvl8pPr>
+            <a:lvl9pPr marL="3657600" indent="0">
+              <a:buNone/>
+              <a:defRPr sz="900"/>
+            </a:lvl9pPr>
+          </a:lstStyle>
+          <a:p>
+            <a:pPr lvl="0"/>
+            <a:r>
+              <a:rPr lang="en-US" smtClean="0"/>
+              <a:t>Click to edit Master text styles</a:t>
+            </a:r>
+          </a:p>
+        </p:txBody>
+      </p:sp>
+      <p:sp>
+        <p:nvSpPr>
+          <p:cNvPr id="5" name="Text Placeholder 4"/>
+          <p:cNvSpPr>
+            <a:spLocks noGrp="1"/>
+          </p:cNvSpPr>
+          <p:nvPr>
+            <p:ph type="body" sz="quarter" idx="3"/>
+          </p:nvPr>
+        </p:nvSpPr>
+        <p:spPr>
+          <a:xfrm>
+            <a:off x="3883659" y="1981200"/>
+            <a:ext cx="2936241" cy="576262"/>
+          </a:xfrm>
+        </p:spPr>
+        <p:txBody>
+          <a:bodyPr anchor="b">
+            <a:noAutofit/>
+          </a:bodyPr>
+          <a:lstStyle>
+            <a:lvl1pPr marL="0" indent="0">
+              <a:buNone/>
+              <a:defRPr sz="2400" b="0">
+                <a:solidFill>
+                  <a:schemeClr val="bg2">
+                    <a:lumMod val="40000"/>
+                    <a:lumOff val="60000"/>
+                  </a:schemeClr>
+                </a:solidFill>
+              </a:defRPr>
+            </a:lvl1pPr>
+            <a:lvl2pPr marL="457200" indent="0">
+              <a:buNone/>
+              <a:defRPr sz="2000" b="1"/>
+            </a:lvl2pPr>
+            <a:lvl3pPr marL="914400" indent="0">
+              <a:buNone/>
+              <a:defRPr sz="1800" b="1"/>
+            </a:lvl3pPr>
+            <a:lvl4pPr marL="1371600" indent="0">
+              <a:buNone/>
+              <a:defRPr sz="1600" b="1"/>
+            </a:lvl4pPr>
+            <a:lvl5pPr marL="1828800" indent="0">
+              <a:buNone/>
+              <a:defRPr sz="1600" b="1"/>
+            </a:lvl5pPr>
+            <a:lvl6pPr marL="2286000" indent="0">
+              <a:buNone/>
+              <a:defRPr sz="1600" b="1"/>
+            </a:lvl6pPr>
+            <a:lvl7pPr marL="2743200" indent="0">
+              <a:buNone/>
+              <a:defRPr sz="1600" b="1"/>
+            </a:lvl7pPr>
+            <a:lvl8pPr marL="3200400" indent="0">
+              <a:buNone/>
+              <a:defRPr sz="1600" b="1"/>
+            </a:lvl8pPr>
+            <a:lvl9pPr marL="3657600" indent="0">
+              <a:buNone/>
+              <a:defRPr sz="1600" b="1"/>
+            </a:lvl9pPr>
+          </a:lstStyle>
+          <a:p>
+            <a:pPr lvl="0"/>
+            <a:r>
+              <a:rPr lang="en-US" smtClean="0"/>
+              <a:t>Click to edit Master text styles</a:t>
+            </a:r>
+          </a:p>
+        </p:txBody>
+      </p:sp>
+      <p:sp>
+        <p:nvSpPr>
+          <p:cNvPr id="19" name="Text Placeholder 3"/>
+          <p:cNvSpPr>
+            <a:spLocks noGrp="1"/>
+          </p:cNvSpPr>
+          <p:nvPr>
+            <p:ph type="body" sz="half" idx="16"/>
+          </p:nvPr>
+        </p:nvSpPr>
+        <p:spPr>
+          <a:xfrm>
+            <a:off x="3873106" y="2667000"/>
+            <a:ext cx="2946794" cy="3589338"/>
+          </a:xfrm>
+        </p:spPr>
+        <p:txBody>
+          <a:bodyPr anchor="t">
+            <a:normAutofit/>
+          </a:bodyPr>
+          <a:lstStyle>
+            <a:lvl1pPr marL="0" indent="0">
+              <a:buNone/>
+              <a:defRPr sz="1400"/>
+            </a:lvl1pPr>
+            <a:lvl2pPr marL="457200" indent="0">
+              <a:buNone/>
+              <a:defRPr sz="1200"/>
+            </a:lvl2pPr>
+            <a:lvl3pPr marL="914400" indent="0">
+              <a:buNone/>
+              <a:defRPr sz="1000"/>
+            </a:lvl3pPr>
+            <a:lvl4pPr marL="1371600" indent="0">
+              <a:buNone/>
+              <a:defRPr sz="900"/>
+            </a:lvl4pPr>
+            <a:lvl5pPr marL="1828800" indent="0">
+              <a:buNone/>
+              <a:defRPr sz="900"/>
+            </a:lvl5pPr>
+            <a:lvl6pPr marL="2286000" indent="0">
+              <a:buNone/>
+              <a:defRPr sz="900"/>
+            </a:lvl6pPr>
+            <a:lvl7pPr marL="2743200" indent="0">
+              <a:buNone/>
+              <a:defRPr sz="900"/>
+            </a:lvl7pPr>
+            <a:lvl8pPr marL="3200400" indent="0">
+              <a:buNone/>
+              <a:defRPr sz="900"/>
+            </a:lvl8pPr>
+            <a:lvl9pPr marL="3657600" indent="0">
+              <a:buNone/>
+              <a:defRPr sz="900"/>
+            </a:lvl9pPr>
+          </a:lstStyle>
+          <a:p>
+            <a:pPr lvl="0"/>
+            <a:r>
+              <a:rPr lang="en-US" smtClean="0"/>
+              <a:t>Click to edit Master text styles</a:t>
+            </a:r>
+          </a:p>
+        </p:txBody>
+      </p:sp>
+      <p:sp>
+        <p:nvSpPr>
+          <p:cNvPr id="14" name="Text Placeholder 4"/>
+          <p:cNvSpPr>
+            <a:spLocks noGrp="1"/>
+          </p:cNvSpPr>
+          <p:nvPr>
+            <p:ph type="body" sz="quarter" idx="13"/>
+          </p:nvPr>
+        </p:nvSpPr>
+        <p:spPr>
+          <a:xfrm>
+            <a:off x="7124700" y="1981200"/>
+            <a:ext cx="2932113" cy="576262"/>
+          </a:xfrm>
+        </p:spPr>
+        <p:txBody>
+          <a:bodyPr anchor="b">
+            <a:noAutofit/>
+          </a:bodyPr>
+          <a:lstStyle>
+            <a:lvl1pPr marL="0" indent="0">
+              <a:buNone/>
+              <a:defRPr sz="2400" b="0">
+                <a:solidFill>
+                  <a:schemeClr val="bg2">
+                    <a:lumMod val="40000"/>
+                    <a:lumOff val="60000"/>
+                  </a:schemeClr>
+                </a:solidFill>
+              </a:defRPr>
+            </a:lvl1pPr>
+            <a:lvl2pPr marL="457200" indent="0">
+              <a:buNone/>
+              <a:defRPr sz="2000" b="1"/>
+            </a:lvl2pPr>
+            <a:lvl3pPr marL="914400" indent="0">
+              <a:buNone/>
+              <a:defRPr sz="1800" b="1"/>
+            </a:lvl3pPr>
+            <a:lvl4pPr marL="1371600" indent="0">
+              <a:buNone/>
+              <a:defRPr sz="1600" b="1"/>
+            </a:lvl4pPr>
+            <a:lvl5pPr marL="1828800" indent="0">
+              <a:buNone/>
+              <a:defRPr sz="1600" b="1"/>
+            </a:lvl5pPr>
+            <a:lvl6pPr marL="2286000" indent="0">
+              <a:buNone/>
+              <a:defRPr sz="1600" b="1"/>
+            </a:lvl6pPr>
+            <a:lvl7pPr marL="2743200" indent="0">
+              <a:buNone/>
+              <a:defRPr sz="1600" b="1"/>
+            </a:lvl7pPr>
+            <a:lvl8pPr marL="3200400" indent="0">
+              <a:buNone/>
+              <a:defRPr sz="1600" b="1"/>
+            </a:lvl8pPr>
+            <a:lvl9pPr marL="3657600" indent="0">
+              <a:buNone/>
+              <a:defRPr sz="1600" b="1"/>
+            </a:lvl9pPr>
+          </a:lstStyle>
+          <a:p>
+            <a:pPr lvl="0"/>
+            <a:r>
+              <a:rPr lang="en-US" smtClean="0"/>
+              <a:t>Click to edit Master text styles</a:t>
+            </a:r>
+          </a:p>
+        </p:txBody>
+      </p:sp>
+      <p:sp>
+        <p:nvSpPr>
+          <p:cNvPr id="20" name="Text Placeholder 3"/>
+          <p:cNvSpPr>
+            <a:spLocks noGrp="1"/>
+          </p:cNvSpPr>
+          <p:nvPr>
+            <p:ph type="body" sz="half" idx="17"/>
+          </p:nvPr>
+        </p:nvSpPr>
+        <p:spPr>
+          <a:xfrm>
+            <a:off x="7124700" y="2667000"/>
+            <a:ext cx="2932113" cy="3589338"/>
+          </a:xfrm>
+        </p:spPr>
+        <p:txBody>
+          <a:bodyPr anchor="t">
+            <a:normAutofit/>
+          </a:bodyPr>
+          <a:lstStyle>
+            <a:lvl1pPr marL="0" indent="0">
+              <a:buNone/>
+              <a:defRPr sz="1400"/>
+            </a:lvl1pPr>
+            <a:lvl2pPr marL="457200" indent="0">
+              <a:buNone/>
+              <a:defRPr sz="1200"/>
+            </a:lvl2pPr>
+            <a:lvl3pPr marL="914400" indent="0">
+              <a:buNone/>
+              <a:defRPr sz="1000"/>
+            </a:lvl3pPr>
+            <a:lvl4pPr marL="1371600" indent="0">
+              <a:buNone/>
+              <a:defRPr sz="900"/>
+            </a:lvl4pPr>
+            <a:lvl5pPr marL="1828800" indent="0">
+              <a:buNone/>
+              <a:defRPr sz="900"/>
+            </a:lvl5pPr>
+            <a:lvl6pPr marL="2286000" indent="0">
+              <a:buNone/>
+              <a:defRPr sz="900"/>
+            </a:lvl6pPr>
+            <a:lvl7pPr marL="2743200" indent="0">
+              <a:buNone/>
+              <a:defRPr sz="900"/>
+            </a:lvl7pPr>
+            <a:lvl8pPr marL="3200400" indent="0">
+              <a:buNone/>
+              <a:defRPr sz="900"/>
+            </a:lvl8pPr>
+            <a:lvl9pPr marL="3657600" indent="0">
+              <a:buNone/>
+              <a:defRPr sz="900"/>
+            </a:lvl9pPr>
+          </a:lstStyle>
+          <a:p>
+            <a:pPr lvl="0"/>
+            <a:r>
+              <a:rPr lang="en-US" smtClean="0"/>
+              <a:t>Click to edit Master text styles</a:t>
+            </a:r>
+          </a:p>
+        </p:txBody>
+      </p:sp>
+      <p:cxnSp>
+        <p:nvCxnSpPr>
+          <p:cNvPr id="17" name="Straight Connector 16"/>
+          <p:cNvCxnSpPr/>
+          <p:nvPr/>
+        </p:nvCxnSpPr>
+        <p:spPr>
+          <a:xfrm>
+            <a:off x="3726142" y="2133600"/>
+            <a:ext cx="0" cy="3962400"/>
+          </a:xfrm>
+          <a:prstGeom prst="line">
+            <a:avLst/>
+          </a:prstGeom>
+          <a:ln w="12700" cmpd="sng">
+            <a:solidFill>
+              <a:schemeClr val="bg2">
+                <a:lumMod val="40000"/>
+                <a:lumOff val="60000"/>
+                <a:alpha val="40000"/>
+              </a:schemeClr>
+            </a:solidFill>
+          </a:ln>
+        </p:spPr>
+        <p:style>
+          <a:lnRef idx="2">
+            <a:schemeClr val="accent1"/>
+          </a:lnRef>
+          <a:fillRef idx="0">
+            <a:schemeClr val="accent1"/>
+          </a:fillRef>
+          <a:effectRef idx="1">
+            <a:schemeClr val="accent1"/>
+          </a:effectRef>
+          <a:fontRef idx="minor">
+            <a:schemeClr val="tx1"/>
+          </a:fontRef>
+        </p:style>
+      </p:cxnSp>
+      <p:cxnSp>
+        <p:nvCxnSpPr>
+          <p:cNvPr id="18" name="Straight Connector 17"/>
+          <p:cNvCxnSpPr/>
+          <p:nvPr/>
+        </p:nvCxnSpPr>
+        <p:spPr>
+          <a:xfrm>
+            <a:off x="6962227" y="2133600"/>
+            <a:ext cx="0" cy="3966882"/>
+          </a:xfrm>
+          <a:prstGeom prst="line">
+            <a:avLst/>
+          </a:prstGeom>
+          <a:ln w="12700" cmpd="sng">
+            <a:solidFill>
+              <a:schemeClr val="bg2">
+                <a:lumMod val="40000"/>
+                <a:lumOff val="60000"/>
+                <a:alpha val="40000"/>
+              </a:schemeClr>
+            </a:solidFill>
+          </a:ln>
+        </p:spPr>
+        <p:style>
+          <a:lnRef idx="2">
+            <a:schemeClr val="accent1"/>
+          </a:lnRef>
+          <a:fillRef idx="0">
+            <a:schemeClr val="accent1"/>
+          </a:fillRef>
+          <a:effectRef idx="1">
+            <a:schemeClr val="accent1"/>
+          </a:effectRef>
+          <a:fontRef idx="minor">
+            <a:schemeClr val="tx1"/>
+          </a:fontRef>
+        </p:style>
+      </p:cxnSp>
+      <p:sp>
+        <p:nvSpPr>
+          <p:cNvPr id="7" name="Date Placeholder 3"/>
+          <p:cNvSpPr>
+            <a:spLocks noGrp="1"/>
+          </p:cNvSpPr>
+          <p:nvPr>
+            <p:ph type="dt" sz="half" idx="10"/>
+          </p:nvPr>
+        </p:nvSpPr>
+        <p:spPr/>
+        <p:txBody>
+          <a:bodyPr/>
+          <a:lstStyle/>
+          <a:p>
+            <a:fld id="{6C29C28F-3FE5-4AC9-871C-AB4FBAE186B6}" type="datetimeFigureOut">
+              <a:rPr lang="en-US" smtClean="0"/>
+              <a:t>11/27/2015</a:t>
+            </a:fld>
+            <a:endParaRPr lang="en-US"/>
+          </a:p>
+        </p:txBody>
+      </p:sp>
+      <p:sp>
+        <p:nvSpPr>
+          <p:cNvPr id="4" name="Footer Placeholder 4"/>
+          <p:cNvSpPr>
+            <a:spLocks noGrp="1"/>
+          </p:cNvSpPr>
+          <p:nvPr>
+            <p:ph type="ftr" sz="quarter" idx="11"/>
+          </p:nvPr>
+        </p:nvSpPr>
+        <p:spPr/>
+        <p:txBody>
+          <a:bodyPr/>
+          <a:lstStyle/>
+          <a:p>
+            <a:endParaRPr lang="en-US"/>
+          </a:p>
+        </p:txBody>
+      </p:sp>
+      <p:sp>
+        <p:nvSpPr>
+          <p:cNvPr id="6" name="Slide Number Placeholder 5"/>
+          <p:cNvSpPr>
+            <a:spLocks noGrp="1"/>
+          </p:cNvSpPr>
+          <p:nvPr>
+            <p:ph type="sldNum" sz="quarter" idx="12"/>
+          </p:nvPr>
+        </p:nvSpPr>
+        <p:spPr/>
+        <p:txBody>
+          <a:bodyPr/>
+          <a:lstStyle/>
+          <a:p>
+            <a:fld id="{60FD519B-8B6B-43CB-B03D-37A175F56E23}" type="slidenum">
+              <a:rPr lang="en-US" smtClean="0"/>
+              <a:t>‹#›</a:t>
+            </a:fld>
+            <a:endParaRPr lang="en-US"/>
+          </a:p>
+        </p:txBody>
+      </p:sp>
+    </p:spTree>
+    <p:extLst>
+      <p:ext uri="{BB962C8B-B14F-4D97-AF65-F5344CB8AC3E}">
+        <p14:creationId xmlns:p14="http://schemas.microsoft.com/office/powerpoint/2010/main" val="1725107641"/>
+      </p:ext>
+    </p:extLst>
+  </p:cSld>
+  <p:clrMapOvr>
+    <a:masterClrMapping/>
+  </p:clrMapOvr>
+</p:sldLayout>
+</file>
+
+<file path=ppt/slideLayouts/slideLayout15.xml><?xml version="1.0" encoding="utf-8"?>
+<p:sldLayout xmlns:a="http://schemas.openxmlformats.org/drawingml/2006/main" xmlns:r="http://schemas.openxmlformats.org/officeDocument/2006/relationships" xmlns:p="http://schemas.openxmlformats.org/presentationml/2006/main" preserve="1">
+  <p:cSld name="3 Picture Column">
+    <p:spTree>
+      <p:nvGrpSpPr>
+        <p:cNvPr id="1" name=""/>
+        <p:cNvGrpSpPr/>
+        <p:nvPr/>
+      </p:nvGrpSpPr>
+      <p:grpSpPr>
+        <a:xfrm>
+          <a:off x="0" y="0"/>
+          <a:ext cx="0" cy="0"/>
+          <a:chOff x="0" y="0"/>
+          <a:chExt cx="0" cy="0"/>
+        </a:xfrm>
+      </p:grpSpPr>
+      <p:sp>
+        <p:nvSpPr>
+          <p:cNvPr id="2" name="Title 1"/>
+          <p:cNvSpPr>
+            <a:spLocks noGrp="1"/>
+          </p:cNvSpPr>
+          <p:nvPr>
+            <p:ph type="title"/>
+          </p:nvPr>
+        </p:nvSpPr>
+        <p:spPr/>
+        <p:txBody>
+          <a:bodyPr/>
+          <a:lstStyle>
+            <a:lvl1pPr>
+              <a:defRPr sz="4200"/>
+            </a:lvl1pPr>
+          </a:lstStyle>
+          <a:p>
+            <a:r>
+              <a:rPr lang="en-US" smtClean="0"/>
+              <a:t>Click to edit Master title style</a:t>
+            </a:r>
+            <a:endParaRPr lang="en-US" dirty="0"/>
+          </a:p>
+        </p:txBody>
+      </p:sp>
+      <p:sp>
+        <p:nvSpPr>
+          <p:cNvPr id="3" name="Text Placeholder 2"/>
+          <p:cNvSpPr>
+            <a:spLocks noGrp="1"/>
+          </p:cNvSpPr>
+          <p:nvPr>
+            <p:ph type="body" idx="1"/>
+          </p:nvPr>
+        </p:nvSpPr>
+        <p:spPr>
+          <a:xfrm>
+            <a:off x="652463" y="4250949"/>
+            <a:ext cx="2940050" cy="576262"/>
+          </a:xfrm>
+        </p:spPr>
+        <p:txBody>
+          <a:bodyPr anchor="b">
+            <a:noAutofit/>
+          </a:bodyPr>
+          <a:lstStyle>
+            <a:lvl1pPr marL="0" indent="0">
+              <a:buNone/>
+              <a:defRPr sz="2400" b="0">
+                <a:solidFill>
+                  <a:schemeClr val="bg2">
+                    <a:lumMod val="40000"/>
+                    <a:lumOff val="60000"/>
+                  </a:schemeClr>
+                </a:solidFill>
+              </a:defRPr>
+            </a:lvl1pPr>
+            <a:lvl2pPr marL="457200" indent="0">
+              <a:buNone/>
+              <a:defRPr sz="2000" b="1"/>
+            </a:lvl2pPr>
+            <a:lvl3pPr marL="914400" indent="0">
+              <a:buNone/>
+              <a:defRPr sz="1800" b="1"/>
+            </a:lvl3pPr>
+            <a:lvl4pPr marL="1371600" indent="0">
+              <a:buNone/>
+              <a:defRPr sz="1600" b="1"/>
+            </a:lvl4pPr>
+            <a:lvl5pPr marL="1828800" indent="0">
+              <a:buNone/>
+              <a:defRPr sz="1600" b="1"/>
+            </a:lvl5pPr>
+            <a:lvl6pPr marL="2286000" indent="0">
+              <a:buNone/>
+              <a:defRPr sz="1600" b="1"/>
+            </a:lvl6pPr>
+            <a:lvl7pPr marL="2743200" indent="0">
+              <a:buNone/>
+              <a:defRPr sz="1600" b="1"/>
+            </a:lvl7pPr>
+            <a:lvl8pPr marL="3200400" indent="0">
+              <a:buNone/>
+              <a:defRPr sz="1600" b="1"/>
+            </a:lvl8pPr>
+            <a:lvl9pPr marL="3657600" indent="0">
+              <a:buNone/>
+              <a:defRPr sz="1600" b="1"/>
+            </a:lvl9pPr>
+          </a:lstStyle>
+          <a:p>
+            <a:pPr lvl="0"/>
+            <a:r>
+              <a:rPr lang="en-US" smtClean="0"/>
+              <a:t>Click to edit Master text styles</a:t>
+            </a:r>
+          </a:p>
+        </p:txBody>
+      </p:sp>
+      <p:sp>
+        <p:nvSpPr>
+          <p:cNvPr id="29" name="Picture Placeholder 2"/>
+          <p:cNvSpPr>
+            <a:spLocks noGrp="1" noChangeAspect="1"/>
+          </p:cNvSpPr>
+          <p:nvPr>
+            <p:ph type="pic" idx="15"/>
+          </p:nvPr>
+        </p:nvSpPr>
+        <p:spPr>
+          <a:xfrm>
+            <a:off x="652463" y="2209800"/>
+            <a:ext cx="2940050" cy="1524000"/>
+          </a:xfrm>
+          <a:prstGeom prst="roundRect">
+            <a:avLst>
+              <a:gd name="adj" fmla="val 1858"/>
+            </a:avLst>
+          </a:prstGeom>
+          <a:effectLst>
+            <a:outerShdw blurRad="50800" dist="50800" dir="5400000" algn="tl" rotWithShape="0">
+              <a:srgbClr val="000000">
+                <a:alpha val="43000"/>
+              </a:srgbClr>
+            </a:outerShdw>
+          </a:effectLst>
+        </p:spPr>
+        <p:txBody>
+          <a:bodyPr anchor="t">
+            <a:normAutofit/>
+          </a:bodyPr>
+          <a:lstStyle>
+            <a:lvl1pPr marL="0" indent="0" algn="ctr">
+              <a:buNone/>
+              <a:defRPr sz="1600"/>
+            </a:lvl1pPr>
+            <a:lvl2pPr marL="457200" indent="0">
+              <a:buNone/>
+              <a:defRPr sz="1600"/>
+            </a:lvl2pPr>
+            <a:lvl3pPr marL="914400" indent="0">
+              <a:buNone/>
+              <a:defRPr sz="1600"/>
+            </a:lvl3pPr>
+            <a:lvl4pPr marL="1371600" indent="0">
+              <a:buNone/>
+              <a:defRPr sz="1600"/>
+            </a:lvl4pPr>
+            <a:lvl5pPr marL="1828800" indent="0">
+              <a:buNone/>
+              <a:defRPr sz="1600"/>
+            </a:lvl5pPr>
+            <a:lvl6pPr marL="2286000" indent="0">
+              <a:buNone/>
+              <a:defRPr sz="1600"/>
+            </a:lvl6pPr>
+            <a:lvl7pPr marL="2743200" indent="0">
+              <a:buNone/>
+              <a:defRPr sz="1600"/>
+            </a:lvl7pPr>
+            <a:lvl8pPr marL="3200400" indent="0">
+              <a:buNone/>
+              <a:defRPr sz="1600"/>
+            </a:lvl8pPr>
+            <a:lvl9pPr marL="3657600" indent="0">
+              <a:buNone/>
+              <a:defRPr sz="1600"/>
+            </a:lvl9pPr>
+          </a:lstStyle>
+          <a:p>
+            <a:r>
+              <a:rPr lang="en-US" smtClean="0"/>
+              <a:t>Click icon to add picture</a:t>
+            </a:r>
+            <a:endParaRPr lang="en-US"/>
+          </a:p>
+        </p:txBody>
+      </p:sp>
+      <p:sp>
+        <p:nvSpPr>
+          <p:cNvPr id="22" name="Text Placeholder 3"/>
+          <p:cNvSpPr>
+            <a:spLocks noGrp="1"/>
+          </p:cNvSpPr>
+          <p:nvPr>
+            <p:ph type="body" sz="half" idx="18"/>
+          </p:nvPr>
+        </p:nvSpPr>
+        <p:spPr>
+          <a:xfrm>
+            <a:off x="652463" y="4827211"/>
+            <a:ext cx="2940050" cy="659189"/>
+          </a:xfrm>
+        </p:spPr>
+        <p:txBody>
+          <a:bodyPr anchor="t">
+            <a:normAutofit/>
+          </a:bodyPr>
+          <a:lstStyle>
+            <a:lvl1pPr marL="0" indent="0">
+              <a:buNone/>
+              <a:defRPr sz="1400"/>
+            </a:lvl1pPr>
+            <a:lvl2pPr marL="457200" indent="0">
+              <a:buNone/>
+              <a:defRPr sz="1200"/>
+            </a:lvl2pPr>
+            <a:lvl3pPr marL="914400" indent="0">
+              <a:buNone/>
+              <a:defRPr sz="1000"/>
+            </a:lvl3pPr>
+            <a:lvl4pPr marL="1371600" indent="0">
+              <a:buNone/>
+              <a:defRPr sz="900"/>
+            </a:lvl4pPr>
+            <a:lvl5pPr marL="1828800" indent="0">
+              <a:buNone/>
+              <a:defRPr sz="900"/>
+            </a:lvl5pPr>
+            <a:lvl6pPr marL="2286000" indent="0">
+              <a:buNone/>
+              <a:defRPr sz="900"/>
+            </a:lvl6pPr>
+            <a:lvl7pPr marL="2743200" indent="0">
+              <a:buNone/>
+              <a:defRPr sz="900"/>
+            </a:lvl7pPr>
+            <a:lvl8pPr marL="3200400" indent="0">
+              <a:buNone/>
+              <a:defRPr sz="900"/>
+            </a:lvl8pPr>
+            <a:lvl9pPr marL="3657600" indent="0">
+              <a:buNone/>
+              <a:defRPr sz="900"/>
+            </a:lvl9pPr>
+          </a:lstStyle>
+          <a:p>
+            <a:pPr lvl="0"/>
+            <a:r>
+              <a:rPr lang="en-US" smtClean="0"/>
+              <a:t>Click to edit Master text styles</a:t>
+            </a:r>
+          </a:p>
+        </p:txBody>
+      </p:sp>
+      <p:sp>
+        <p:nvSpPr>
+          <p:cNvPr id="5" name="Text Placeholder 4"/>
+          <p:cNvSpPr>
+            <a:spLocks noGrp="1"/>
+          </p:cNvSpPr>
+          <p:nvPr>
+            <p:ph type="body" sz="quarter" idx="3"/>
+          </p:nvPr>
+        </p:nvSpPr>
+        <p:spPr>
+          <a:xfrm>
+            <a:off x="3889375" y="4250949"/>
+            <a:ext cx="2930525" cy="576262"/>
+          </a:xfrm>
+        </p:spPr>
+        <p:txBody>
+          <a:bodyPr anchor="b">
+            <a:noAutofit/>
+          </a:bodyPr>
+          <a:lstStyle>
+            <a:lvl1pPr marL="0" indent="0">
+              <a:buNone/>
+              <a:defRPr sz="2400" b="0">
+                <a:solidFill>
+                  <a:schemeClr val="bg2">
+                    <a:lumMod val="40000"/>
+                    <a:lumOff val="60000"/>
+                  </a:schemeClr>
+                </a:solidFill>
+              </a:defRPr>
+            </a:lvl1pPr>
+            <a:lvl2pPr marL="457200" indent="0">
+              <a:buNone/>
+              <a:defRPr sz="2000" b="1"/>
+            </a:lvl2pPr>
+            <a:lvl3pPr marL="914400" indent="0">
+              <a:buNone/>
+              <a:defRPr sz="1800" b="1"/>
+            </a:lvl3pPr>
+            <a:lvl4pPr marL="1371600" indent="0">
+              <a:buNone/>
+              <a:defRPr sz="1600" b="1"/>
+            </a:lvl4pPr>
+            <a:lvl5pPr marL="1828800" indent="0">
+              <a:buNone/>
+              <a:defRPr sz="1600" b="1"/>
+            </a:lvl5pPr>
+            <a:lvl6pPr marL="2286000" indent="0">
+              <a:buNone/>
+              <a:defRPr sz="1600" b="1"/>
+            </a:lvl6pPr>
+            <a:lvl7pPr marL="2743200" indent="0">
+              <a:buNone/>
+              <a:defRPr sz="1600" b="1"/>
+            </a:lvl7pPr>
+            <a:lvl8pPr marL="3200400" indent="0">
+              <a:buNone/>
+              <a:defRPr sz="1600" b="1"/>
+            </a:lvl8pPr>
+            <a:lvl9pPr marL="3657600" indent="0">
+              <a:buNone/>
+              <a:defRPr sz="1600" b="1"/>
+            </a:lvl9pPr>
+          </a:lstStyle>
+          <a:p>
+            <a:pPr lvl="0"/>
+            <a:r>
+              <a:rPr lang="en-US" smtClean="0"/>
+              <a:t>Click to edit Master text styles</a:t>
+            </a:r>
+          </a:p>
+        </p:txBody>
+      </p:sp>
+      <p:sp>
+        <p:nvSpPr>
+          <p:cNvPr id="30" name="Picture Placeholder 2"/>
+          <p:cNvSpPr>
+            <a:spLocks noGrp="1" noChangeAspect="1"/>
+          </p:cNvSpPr>
+          <p:nvPr>
+            <p:ph type="pic" idx="21"/>
+          </p:nvPr>
+        </p:nvSpPr>
+        <p:spPr>
+          <a:xfrm>
+            <a:off x="3889374" y="2209800"/>
+            <a:ext cx="2930525" cy="1524000"/>
+          </a:xfrm>
+          <a:prstGeom prst="roundRect">
+            <a:avLst>
+              <a:gd name="adj" fmla="val 1858"/>
+            </a:avLst>
+          </a:prstGeom>
+          <a:effectLst>
+            <a:outerShdw blurRad="50800" dist="50800" dir="5400000" algn="tl" rotWithShape="0">
+              <a:srgbClr val="000000">
+                <a:alpha val="43000"/>
+              </a:srgbClr>
+            </a:outerShdw>
+          </a:effectLst>
+        </p:spPr>
+        <p:txBody>
+          <a:bodyPr anchor="t">
+            <a:normAutofit/>
+          </a:bodyPr>
+          <a:lstStyle>
+            <a:lvl1pPr marL="0" indent="0" algn="ctr">
+              <a:buNone/>
+              <a:defRPr sz="1600"/>
+            </a:lvl1pPr>
+            <a:lvl2pPr marL="457200" indent="0">
+              <a:buNone/>
+              <a:defRPr sz="1600"/>
+            </a:lvl2pPr>
+            <a:lvl3pPr marL="914400" indent="0">
+              <a:buNone/>
+              <a:defRPr sz="1600"/>
+            </a:lvl3pPr>
+            <a:lvl4pPr marL="1371600" indent="0">
+              <a:buNone/>
+              <a:defRPr sz="1600"/>
+            </a:lvl4pPr>
+            <a:lvl5pPr marL="1828800" indent="0">
+              <a:buNone/>
+              <a:defRPr sz="1600"/>
+            </a:lvl5pPr>
+            <a:lvl6pPr marL="2286000" indent="0">
+              <a:buNone/>
+              <a:defRPr sz="1600"/>
+            </a:lvl6pPr>
+            <a:lvl7pPr marL="2743200" indent="0">
+              <a:buNone/>
+              <a:defRPr sz="1600"/>
+            </a:lvl7pPr>
+            <a:lvl8pPr marL="3200400" indent="0">
+              <a:buNone/>
+              <a:defRPr sz="1600"/>
+            </a:lvl8pPr>
+            <a:lvl9pPr marL="3657600" indent="0">
+              <a:buNone/>
+              <a:defRPr sz="1600"/>
+            </a:lvl9pPr>
+          </a:lstStyle>
+          <a:p>
+            <a:r>
+              <a:rPr lang="en-US" smtClean="0"/>
+              <a:t>Click icon to add picture</a:t>
+            </a:r>
+            <a:endParaRPr lang="en-US"/>
+          </a:p>
+        </p:txBody>
+      </p:sp>
+      <p:sp>
+        <p:nvSpPr>
+          <p:cNvPr id="23" name="Text Placeholder 3"/>
+          <p:cNvSpPr>
+            <a:spLocks noGrp="1"/>
+          </p:cNvSpPr>
+          <p:nvPr>
+            <p:ph type="body" sz="half" idx="19"/>
+          </p:nvPr>
+        </p:nvSpPr>
+        <p:spPr>
+          <a:xfrm>
+            <a:off x="3888022" y="4827210"/>
+            <a:ext cx="2934406" cy="659189"/>
+          </a:xfrm>
+        </p:spPr>
+        <p:txBody>
+          <a:bodyPr anchor="t">
+            <a:normAutofit/>
+          </a:bodyPr>
+          <a:lstStyle>
+            <a:lvl1pPr marL="0" indent="0">
+              <a:buNone/>
+              <a:defRPr sz="1400"/>
+            </a:lvl1pPr>
+            <a:lvl2pPr marL="457200" indent="0">
+              <a:buNone/>
+              <a:defRPr sz="1200"/>
+            </a:lvl2pPr>
+            <a:lvl3pPr marL="914400" indent="0">
+              <a:buNone/>
+              <a:defRPr sz="1000"/>
+            </a:lvl3pPr>
+            <a:lvl4pPr marL="1371600" indent="0">
+              <a:buNone/>
+              <a:defRPr sz="900"/>
+            </a:lvl4pPr>
+            <a:lvl5pPr marL="1828800" indent="0">
+              <a:buNone/>
+              <a:defRPr sz="900"/>
+            </a:lvl5pPr>
+            <a:lvl6pPr marL="2286000" indent="0">
+              <a:buNone/>
+              <a:defRPr sz="900"/>
+            </a:lvl6pPr>
+            <a:lvl7pPr marL="2743200" indent="0">
+              <a:buNone/>
+              <a:defRPr sz="900"/>
+            </a:lvl7pPr>
+            <a:lvl8pPr marL="3200400" indent="0">
+              <a:buNone/>
+              <a:defRPr sz="900"/>
+            </a:lvl8pPr>
+            <a:lvl9pPr marL="3657600" indent="0">
+              <a:buNone/>
+              <a:defRPr sz="900"/>
+            </a:lvl9pPr>
+          </a:lstStyle>
+          <a:p>
+            <a:pPr lvl="0"/>
+            <a:r>
+              <a:rPr lang="en-US" smtClean="0"/>
+              <a:t>Click to edit Master text styles</a:t>
+            </a:r>
+          </a:p>
+        </p:txBody>
+      </p:sp>
+      <p:sp>
+        <p:nvSpPr>
+          <p:cNvPr id="14" name="Text Placeholder 4"/>
+          <p:cNvSpPr>
+            <a:spLocks noGrp="1"/>
+          </p:cNvSpPr>
+          <p:nvPr>
+            <p:ph type="body" sz="quarter" idx="13"/>
+          </p:nvPr>
+        </p:nvSpPr>
+        <p:spPr>
+          <a:xfrm>
+            <a:off x="7124700" y="4250949"/>
+            <a:ext cx="2932113" cy="576262"/>
+          </a:xfrm>
+        </p:spPr>
+        <p:txBody>
+          <a:bodyPr anchor="b">
+            <a:noAutofit/>
+          </a:bodyPr>
+          <a:lstStyle>
+            <a:lvl1pPr marL="0" indent="0">
+              <a:buNone/>
+              <a:defRPr sz="2400" b="0">
+                <a:solidFill>
+                  <a:schemeClr val="bg2">
+                    <a:lumMod val="40000"/>
+                    <a:lumOff val="60000"/>
+                  </a:schemeClr>
+                </a:solidFill>
+              </a:defRPr>
+            </a:lvl1pPr>
+            <a:lvl2pPr marL="457200" indent="0">
+              <a:buNone/>
+              <a:defRPr sz="2000" b="1"/>
+            </a:lvl2pPr>
+            <a:lvl3pPr marL="914400" indent="0">
+              <a:buNone/>
+              <a:defRPr sz="1800" b="1"/>
+            </a:lvl3pPr>
+            <a:lvl4pPr marL="1371600" indent="0">
+              <a:buNone/>
+              <a:defRPr sz="1600" b="1"/>
+            </a:lvl4pPr>
+            <a:lvl5pPr marL="1828800" indent="0">
+              <a:buNone/>
+              <a:defRPr sz="1600" b="1"/>
+            </a:lvl5pPr>
+            <a:lvl6pPr marL="2286000" indent="0">
+              <a:buNone/>
+              <a:defRPr sz="1600" b="1"/>
+            </a:lvl6pPr>
+            <a:lvl7pPr marL="2743200" indent="0">
+              <a:buNone/>
+              <a:defRPr sz="1600" b="1"/>
+            </a:lvl7pPr>
+            <a:lvl8pPr marL="3200400" indent="0">
+              <a:buNone/>
+              <a:defRPr sz="1600" b="1"/>
+            </a:lvl8pPr>
+            <a:lvl9pPr marL="3657600" indent="0">
+              <a:buNone/>
+              <a:defRPr sz="1600" b="1"/>
+            </a:lvl9pPr>
+          </a:lstStyle>
+          <a:p>
+            <a:pPr lvl="0"/>
+            <a:r>
+              <a:rPr lang="en-US" smtClean="0"/>
+              <a:t>Click to edit Master text styles</a:t>
+            </a:r>
+          </a:p>
+        </p:txBody>
+      </p:sp>
+      <p:sp>
+        <p:nvSpPr>
+          <p:cNvPr id="31" name="Picture Placeholder 2"/>
+          <p:cNvSpPr>
+            <a:spLocks noGrp="1" noChangeAspect="1"/>
+          </p:cNvSpPr>
+          <p:nvPr>
+            <p:ph type="pic" idx="22"/>
+          </p:nvPr>
+        </p:nvSpPr>
+        <p:spPr>
+          <a:xfrm>
+            <a:off x="7124699" y="2209800"/>
+            <a:ext cx="2932113" cy="1524000"/>
+          </a:xfrm>
+          <a:prstGeom prst="roundRect">
+            <a:avLst>
+              <a:gd name="adj" fmla="val 1858"/>
+            </a:avLst>
+          </a:prstGeom>
+          <a:effectLst>
+            <a:outerShdw blurRad="50800" dist="50800" dir="5400000" algn="tl" rotWithShape="0">
+              <a:srgbClr val="000000">
+                <a:alpha val="43000"/>
+              </a:srgbClr>
+            </a:outerShdw>
+          </a:effectLst>
+        </p:spPr>
+        <p:txBody>
+          <a:bodyPr anchor="t">
+            <a:normAutofit/>
+          </a:bodyPr>
+          <a:lstStyle>
+            <a:lvl1pPr marL="0" indent="0" algn="ctr">
+              <a:buNone/>
+              <a:defRPr sz="1600"/>
+            </a:lvl1pPr>
+            <a:lvl2pPr marL="457200" indent="0">
+              <a:buNone/>
+              <a:defRPr sz="1600"/>
+            </a:lvl2pPr>
+            <a:lvl3pPr marL="914400" indent="0">
+              <a:buNone/>
+              <a:defRPr sz="1600"/>
+            </a:lvl3pPr>
+            <a:lvl4pPr marL="1371600" indent="0">
+              <a:buNone/>
+              <a:defRPr sz="1600"/>
+            </a:lvl4pPr>
+            <a:lvl5pPr marL="1828800" indent="0">
+              <a:buNone/>
+              <a:defRPr sz="1600"/>
+            </a:lvl5pPr>
+            <a:lvl6pPr marL="2286000" indent="0">
+              <a:buNone/>
+              <a:defRPr sz="1600"/>
+            </a:lvl6pPr>
+            <a:lvl7pPr marL="2743200" indent="0">
+              <a:buNone/>
+              <a:defRPr sz="1600"/>
+            </a:lvl7pPr>
+            <a:lvl8pPr marL="3200400" indent="0">
+              <a:buNone/>
+              <a:defRPr sz="1600"/>
+            </a:lvl8pPr>
+            <a:lvl9pPr marL="3657600" indent="0">
+              <a:buNone/>
+              <a:defRPr sz="1600"/>
+            </a:lvl9pPr>
+          </a:lstStyle>
+          <a:p>
+            <a:r>
+              <a:rPr lang="en-US" smtClean="0"/>
+              <a:t>Click icon to add picture</a:t>
+            </a:r>
+            <a:endParaRPr lang="en-US"/>
+          </a:p>
+        </p:txBody>
+      </p:sp>
+      <p:sp>
+        <p:nvSpPr>
+          <p:cNvPr id="24" name="Text Placeholder 3"/>
+          <p:cNvSpPr>
+            <a:spLocks noGrp="1"/>
+          </p:cNvSpPr>
+          <p:nvPr>
+            <p:ph type="body" sz="half" idx="20"/>
+          </p:nvPr>
+        </p:nvSpPr>
+        <p:spPr>
+          <a:xfrm>
+            <a:off x="7124575" y="4827208"/>
+            <a:ext cx="2935997" cy="659189"/>
+          </a:xfrm>
+        </p:spPr>
+        <p:txBody>
+          <a:bodyPr anchor="t">
+            <a:normAutofit/>
+          </a:bodyPr>
+          <a:lstStyle>
+            <a:lvl1pPr marL="0" indent="0">
+              <a:buNone/>
+              <a:defRPr sz="1400"/>
+            </a:lvl1pPr>
+            <a:lvl2pPr marL="457200" indent="0">
+              <a:buNone/>
+              <a:defRPr sz="1200"/>
+            </a:lvl2pPr>
+            <a:lvl3pPr marL="914400" indent="0">
+              <a:buNone/>
+              <a:defRPr sz="1000"/>
+            </a:lvl3pPr>
+            <a:lvl4pPr marL="1371600" indent="0">
+              <a:buNone/>
+              <a:defRPr sz="900"/>
+            </a:lvl4pPr>
+            <a:lvl5pPr marL="1828800" indent="0">
+              <a:buNone/>
+              <a:defRPr sz="900"/>
+            </a:lvl5pPr>
+            <a:lvl6pPr marL="2286000" indent="0">
+              <a:buNone/>
+              <a:defRPr sz="900"/>
+            </a:lvl6pPr>
+            <a:lvl7pPr marL="2743200" indent="0">
+              <a:buNone/>
+              <a:defRPr sz="900"/>
+            </a:lvl7pPr>
+            <a:lvl8pPr marL="3200400" indent="0">
+              <a:buNone/>
+              <a:defRPr sz="900"/>
+            </a:lvl8pPr>
+            <a:lvl9pPr marL="3657600" indent="0">
+              <a:buNone/>
+              <a:defRPr sz="900"/>
+            </a:lvl9pPr>
+          </a:lstStyle>
+          <a:p>
+            <a:pPr lvl="0"/>
+            <a:r>
+              <a:rPr lang="en-US" smtClean="0"/>
+              <a:t>Click to edit Master text styles</a:t>
+            </a:r>
+          </a:p>
+        </p:txBody>
+      </p:sp>
+      <p:cxnSp>
+        <p:nvCxnSpPr>
+          <p:cNvPr id="19" name="Straight Connector 18"/>
+          <p:cNvCxnSpPr/>
+          <p:nvPr/>
+        </p:nvCxnSpPr>
+        <p:spPr>
+          <a:xfrm>
+            <a:off x="3726142" y="2133600"/>
+            <a:ext cx="0" cy="3962400"/>
+          </a:xfrm>
+          <a:prstGeom prst="line">
+            <a:avLst/>
+          </a:prstGeom>
+          <a:ln w="12700" cmpd="sng">
+            <a:solidFill>
+              <a:schemeClr val="bg2">
+                <a:lumMod val="40000"/>
+                <a:lumOff val="60000"/>
+                <a:alpha val="40000"/>
+              </a:schemeClr>
+            </a:solidFill>
+          </a:ln>
+        </p:spPr>
+        <p:style>
+          <a:lnRef idx="2">
+            <a:schemeClr val="accent1"/>
+          </a:lnRef>
+          <a:fillRef idx="0">
+            <a:schemeClr val="accent1"/>
+          </a:fillRef>
+          <a:effectRef idx="1">
+            <a:schemeClr val="accent1"/>
+          </a:effectRef>
+          <a:fontRef idx="minor">
+            <a:schemeClr val="tx1"/>
+          </a:fontRef>
+        </p:style>
+      </p:cxnSp>
+      <p:cxnSp>
+        <p:nvCxnSpPr>
+          <p:cNvPr id="20" name="Straight Connector 19"/>
+          <p:cNvCxnSpPr/>
+          <p:nvPr/>
+        </p:nvCxnSpPr>
+        <p:spPr>
+          <a:xfrm>
+            <a:off x="6962227" y="2133600"/>
+            <a:ext cx="0" cy="3966882"/>
+          </a:xfrm>
+          <a:prstGeom prst="line">
+            <a:avLst/>
+          </a:prstGeom>
+          <a:ln w="12700" cmpd="sng">
+            <a:solidFill>
+              <a:schemeClr val="bg2">
+                <a:lumMod val="40000"/>
+                <a:lumOff val="60000"/>
+                <a:alpha val="40000"/>
+              </a:schemeClr>
+            </a:solidFill>
+          </a:ln>
+        </p:spPr>
+        <p:style>
+          <a:lnRef idx="2">
+            <a:schemeClr val="accent1"/>
+          </a:lnRef>
+          <a:fillRef idx="0">
+            <a:schemeClr val="accent1"/>
+          </a:fillRef>
+          <a:effectRef idx="1">
+            <a:schemeClr val="accent1"/>
+          </a:effectRef>
+          <a:fontRef idx="minor">
+            <a:schemeClr val="tx1"/>
+          </a:fontRef>
+        </p:style>
+      </p:cxnSp>
+      <p:sp>
+        <p:nvSpPr>
+          <p:cNvPr id="7" name="Date Placeholder 3"/>
+          <p:cNvSpPr>
+            <a:spLocks noGrp="1"/>
+          </p:cNvSpPr>
+          <p:nvPr>
+            <p:ph type="dt" sz="half" idx="10"/>
+          </p:nvPr>
+        </p:nvSpPr>
+        <p:spPr/>
+        <p:txBody>
+          <a:bodyPr/>
+          <a:lstStyle/>
+          <a:p>
+            <a:fld id="{6C29C28F-3FE5-4AC9-871C-AB4FBAE186B6}" type="datetimeFigureOut">
+              <a:rPr lang="en-US" smtClean="0"/>
+              <a:t>11/27/2015</a:t>
+            </a:fld>
+            <a:endParaRPr lang="en-US"/>
+          </a:p>
+        </p:txBody>
+      </p:sp>
+      <p:sp>
+        <p:nvSpPr>
+          <p:cNvPr id="4" name="Footer Placeholder 4"/>
+          <p:cNvSpPr>
+            <a:spLocks noGrp="1"/>
+          </p:cNvSpPr>
+          <p:nvPr>
+            <p:ph type="ftr" sz="quarter" idx="11"/>
+          </p:nvPr>
+        </p:nvSpPr>
+        <p:spPr/>
+        <p:txBody>
+          <a:bodyPr/>
+          <a:lstStyle/>
+          <a:p>
+            <a:endParaRPr lang="en-US"/>
+          </a:p>
+        </p:txBody>
+      </p:sp>
+      <p:sp>
+        <p:nvSpPr>
+          <p:cNvPr id="6" name="Slide Number Placeholder 5"/>
+          <p:cNvSpPr>
+            <a:spLocks noGrp="1"/>
+          </p:cNvSpPr>
+          <p:nvPr>
+            <p:ph type="sldNum" sz="quarter" idx="12"/>
+          </p:nvPr>
+        </p:nvSpPr>
+        <p:spPr/>
+        <p:txBody>
+          <a:bodyPr/>
+          <a:lstStyle/>
+          <a:p>
+            <a:fld id="{60FD519B-8B6B-43CB-B03D-37A175F56E23}" type="slidenum">
+              <a:rPr lang="en-US" smtClean="0"/>
+              <a:t>‹#›</a:t>
+            </a:fld>
+            <a:endParaRPr lang="en-US"/>
+          </a:p>
+        </p:txBody>
+      </p:sp>
+    </p:spTree>
+    <p:extLst>
+      <p:ext uri="{BB962C8B-B14F-4D97-AF65-F5344CB8AC3E}">
+        <p14:creationId xmlns:p14="http://schemas.microsoft.com/office/powerpoint/2010/main" val="54504217"/>
+      </p:ext>
+    </p:extLst>
+  </p:cSld>
+  <p:clrMapOvr>
+    <a:masterClrMapping/>
+  </p:clrMapOvr>
+</p:sldLayout>
+</file>
+
+<file path=ppt/slideLayouts/slideLayout16.xml><?xml version="1.0" encoding="utf-8"?>
 <p:sldLayout xmlns:a="http://schemas.openxmlformats.org/drawingml/2006/main" xmlns:r="http://schemas.openxmlformats.org/officeDocument/2006/relationships" xmlns:p="http://schemas.openxmlformats.org/presentationml/2006/main" type="vertTx" preserve="1">
   <p:cSld name="Title and Vertical Text">
     <p:spTree>
@@ -356,7 +3511,7 @@
         </p:nvSpPr>
         <p:spPr/>
         <p:txBody>
-          <a:bodyPr vert="eaVert"/>
+          <a:bodyPr vert="eaVert" anchor="t" anchorCtr="0"/>
           <a:lstStyle/>
           <a:p>
             <a:pPr lvl="0"/>
@@ -411,11 +3566,11 @@
           <a:bodyPr/>
           <a:lstStyle/>
           <a:p>
-            <a:fld id="{C764DE79-268F-4C1A-8933-263129D2AF90}" type="datetimeFigureOut">
-              <a:rPr lang="en-US" dirty="0"/>
-              <a:t>11/23/2015</a:t>
+            <a:fld id="{6C29C28F-3FE5-4AC9-871C-AB4FBAE186B6}" type="datetimeFigureOut">
+              <a:rPr lang="en-US" smtClean="0"/>
+              <a:t>11/27/2015</a:t>
             </a:fld>
-            <a:endParaRPr lang="en-US" dirty="0"/>
+            <a:endParaRPr lang="en-US"/>
           </a:p>
         </p:txBody>
       </p:sp>
@@ -434,7 +3589,7 @@
           <a:bodyPr/>
           <a:lstStyle/>
           <a:p>
-            <a:endParaRPr lang="en-US" dirty="0"/>
+            <a:endParaRPr lang="en-US"/>
           </a:p>
         </p:txBody>
       </p:sp>
@@ -453,15 +3608,20 @@
           <a:bodyPr/>
           <a:lstStyle/>
           <a:p>
-            <a:fld id="{48F63A3B-78C7-47BE-AE5E-E10140E04643}" type="slidenum">
-              <a:rPr lang="en-US" dirty="0"/>
+            <a:fld id="{60FD519B-8B6B-43CB-B03D-37A175F56E23}" type="slidenum">
+              <a:rPr lang="en-US" smtClean="0"/>
               <a:t>‹#›</a:t>
             </a:fld>
-            <a:endParaRPr lang="en-US" dirty="0"/>
+            <a:endParaRPr lang="en-US"/>
           </a:p>
         </p:txBody>
       </p:sp>
     </p:spTree>
+    <p:extLst>
+      <p:ext uri="{BB962C8B-B14F-4D97-AF65-F5344CB8AC3E}">
+        <p14:creationId xmlns:p14="http://schemas.microsoft.com/office/powerpoint/2010/main" val="4133759395"/>
+      </p:ext>
+    </p:extLst>
   </p:cSld>
   <p:clrMapOvr>
     <a:masterClrMapping/>
@@ -469,7 +3629,7 @@
 </p:sldLayout>
 </file>
 
-<file path=ppt/slideLayouts/slideLayout11.xml><?xml version="1.0" encoding="utf-8"?>
+<file path=ppt/slideLayouts/slideLayout17.xml><?xml version="1.0" encoding="utf-8"?>
 <p:sldLayout xmlns:a="http://schemas.openxmlformats.org/drawingml/2006/main" xmlns:r="http://schemas.openxmlformats.org/officeDocument/2006/relationships" xmlns:p="http://schemas.openxmlformats.org/presentationml/2006/main" type="vertTitleAndTx" preserve="1">
   <p:cSld name="Vertical Title and Text">
     <p:spTree>
@@ -498,42 +3658,42 @@
         </p:nvSpPr>
         <p:spPr>
           <a:xfrm>
-            <a:off x="8724900" y="365125"/>
-            <a:ext cx="2628900" cy="5811838"/>
+            <a:off x="8304212" y="430213"/>
+            <a:ext cx="1752601" cy="5826125"/>
           </a:xfrm>
         </p:spPr>
         <p:txBody>
+          <a:bodyPr vert="eaVert" anchor="b" anchorCtr="0"/>
+          <a:lstStyle/>
+          <a:p>
+            <a:r>
+              <a:rPr lang="en-US" smtClean="0"/>
+              <a:t>Click to edit Master title style</a:t>
+            </a:r>
+            <a:endParaRPr lang="en-US" dirty="0"/>
+          </a:p>
+        </p:txBody>
+      </p:sp>
+      <p:sp>
+        <p:nvSpPr>
+          <p:cNvPr id="3" name="Vertical Text Placeholder 2"/>
+          <p:cNvSpPr>
+            <a:spLocks noGrp="1"/>
+          </p:cNvSpPr>
+          <p:nvPr>
+            <p:ph type="body" orient="vert" idx="1"/>
+          </p:nvPr>
+        </p:nvSpPr>
+        <p:spPr>
+          <a:xfrm>
+            <a:off x="652463" y="887414"/>
+            <a:ext cx="7423149" cy="5368924"/>
+          </a:xfrm>
+        </p:spPr>
+        <p:txBody>
           <a:bodyPr vert="eaVert"/>
           <a:lstStyle/>
           <a:p>
-            <a:r>
-              <a:rPr lang="en-US" smtClean="0"/>
-              <a:t>Click to edit Master title style</a:t>
-            </a:r>
-            <a:endParaRPr lang="en-US" dirty="0"/>
-          </a:p>
-        </p:txBody>
-      </p:sp>
-      <p:sp>
-        <p:nvSpPr>
-          <p:cNvPr id="3" name="Vertical Text Placeholder 2"/>
-          <p:cNvSpPr>
-            <a:spLocks noGrp="1"/>
-          </p:cNvSpPr>
-          <p:nvPr>
-            <p:ph type="body" orient="vert" idx="1"/>
-          </p:nvPr>
-        </p:nvSpPr>
-        <p:spPr>
-          <a:xfrm>
-            <a:off x="838200" y="365125"/>
-            <a:ext cx="7734300" cy="5811838"/>
-          </a:xfrm>
-        </p:spPr>
-        <p:txBody>
-          <a:bodyPr vert="eaVert"/>
-          <a:lstStyle/>
-          <a:p>
             <a:pPr lvl="0"/>
             <a:r>
               <a:rPr lang="en-US" smtClean="0"/>
@@ -586,11 +3746,11 @@
           <a:bodyPr/>
           <a:lstStyle/>
           <a:p>
-            <a:fld id="{C764DE79-268F-4C1A-8933-263129D2AF90}" type="datetimeFigureOut">
-              <a:rPr lang="en-US" dirty="0"/>
-              <a:t>11/23/2015</a:t>
+            <a:fld id="{6C29C28F-3FE5-4AC9-871C-AB4FBAE186B6}" type="datetimeFigureOut">
+              <a:rPr lang="en-US" smtClean="0"/>
+              <a:t>11/27/2015</a:t>
             </a:fld>
-            <a:endParaRPr lang="en-US" dirty="0"/>
+            <a:endParaRPr lang="en-US"/>
           </a:p>
         </p:txBody>
       </p:sp>
@@ -609,7 +3769,7 @@
           <a:bodyPr/>
           <a:lstStyle/>
           <a:p>
-            <a:endParaRPr lang="en-US" dirty="0"/>
+            <a:endParaRPr lang="en-US"/>
           </a:p>
         </p:txBody>
       </p:sp>
@@ -628,15 +3788,20 @@
           <a:bodyPr/>
           <a:lstStyle/>
           <a:p>
-            <a:fld id="{48F63A3B-78C7-47BE-AE5E-E10140E04643}" type="slidenum">
-              <a:rPr lang="en-US" dirty="0"/>
+            <a:fld id="{60FD519B-8B6B-43CB-B03D-37A175F56E23}" type="slidenum">
+              <a:rPr lang="en-US" smtClean="0"/>
               <a:t>‹#›</a:t>
             </a:fld>
-            <a:endParaRPr lang="en-US" dirty="0"/>
+            <a:endParaRPr lang="en-US"/>
           </a:p>
         </p:txBody>
       </p:sp>
     </p:spTree>
+    <p:extLst>
+      <p:ext uri="{BB962C8B-B14F-4D97-AF65-F5344CB8AC3E}">
+        <p14:creationId xmlns:p14="http://schemas.microsoft.com/office/powerpoint/2010/main" val="276660076"/>
+      </p:ext>
+    </p:extLst>
   </p:cSld>
   <p:clrMapOvr>
     <a:masterClrMapping/>
@@ -738,7 +3903,7 @@
       </p:sp>
       <p:sp>
         <p:nvSpPr>
-          <p:cNvPr id="4" name="Date Placeholder 3"/>
+          <p:cNvPr id="7" name="Date Placeholder 3"/>
           <p:cNvSpPr>
             <a:spLocks noGrp="1"/>
           </p:cNvSpPr>
@@ -751,11 +3916,11 @@
           <a:bodyPr/>
           <a:lstStyle/>
           <a:p>
-            <a:fld id="{C764DE79-268F-4C1A-8933-263129D2AF90}" type="datetimeFigureOut">
-              <a:rPr lang="en-US" dirty="0"/>
-              <a:t>11/23/2015</a:t>
+            <a:fld id="{6C29C28F-3FE5-4AC9-871C-AB4FBAE186B6}" type="datetimeFigureOut">
+              <a:rPr lang="en-US" smtClean="0"/>
+              <a:t>11/27/2015</a:t>
             </a:fld>
-            <a:endParaRPr lang="en-US" dirty="0"/>
+            <a:endParaRPr lang="en-US"/>
           </a:p>
         </p:txBody>
       </p:sp>
@@ -774,7 +3939,7 @@
           <a:bodyPr/>
           <a:lstStyle/>
           <a:p>
-            <a:endParaRPr lang="en-US" dirty="0"/>
+            <a:endParaRPr lang="en-US"/>
           </a:p>
         </p:txBody>
       </p:sp>
@@ -793,15 +3958,20 @@
           <a:bodyPr/>
           <a:lstStyle/>
           <a:p>
-            <a:fld id="{48F63A3B-78C7-47BE-AE5E-E10140E04643}" type="slidenum">
-              <a:rPr lang="en-US" dirty="0"/>
+            <a:fld id="{60FD519B-8B6B-43CB-B03D-37A175F56E23}" type="slidenum">
+              <a:rPr lang="en-US" smtClean="0"/>
               <a:t>‹#›</a:t>
             </a:fld>
-            <a:endParaRPr lang="en-US" dirty="0"/>
+            <a:endParaRPr lang="en-US"/>
           </a:p>
         </p:txBody>
       </p:sp>
     </p:spTree>
+    <p:extLst>
+      <p:ext uri="{BB962C8B-B14F-4D97-AF65-F5344CB8AC3E}">
+        <p14:creationId xmlns:p14="http://schemas.microsoft.com/office/powerpoint/2010/main" val="1837082652"/>
+      </p:ext>
+    </p:extLst>
   </p:cSld>
   <p:clrMapOvr>
     <a:masterClrMapping/>
@@ -838,15 +4008,15 @@
         </p:nvSpPr>
         <p:spPr>
           <a:xfrm>
-            <a:off x="831850" y="1709738"/>
-            <a:ext cx="10515600" cy="2852737"/>
+            <a:off x="1154956" y="2861733"/>
+            <a:ext cx="8825657" cy="1915647"/>
           </a:xfrm>
         </p:spPr>
         <p:txBody>
           <a:bodyPr anchor="b"/>
           <a:lstStyle>
-            <a:lvl1pPr>
-              <a:defRPr sz="6000"/>
+            <a:lvl1pPr algn="l">
+              <a:defRPr sz="4000" b="0" cap="none"/>
             </a:lvl1pPr>
           </a:lstStyle>
           <a:p>
@@ -870,26 +4040,27 @@
         </p:nvSpPr>
         <p:spPr>
           <a:xfrm>
-            <a:off x="831850" y="4589463"/>
-            <a:ext cx="10515600" cy="1500187"/>
+            <a:off x="1154955" y="4777381"/>
+            <a:ext cx="8825658" cy="860400"/>
           </a:xfrm>
         </p:spPr>
         <p:txBody>
-          <a:bodyPr/>
+          <a:bodyPr anchor="t"/>
           <a:lstStyle>
-            <a:lvl1pPr marL="0" indent="0">
-              <a:buNone/>
-              <a:defRPr sz="2400">
+            <a:lvl1pPr marL="0" indent="0" algn="l">
+              <a:buNone/>
+              <a:defRPr sz="2000" cap="all">
                 <a:solidFill>
-                  <a:schemeClr val="tx1">
-                    <a:tint val="75000"/>
+                  <a:schemeClr val="bg2">
+                    <a:lumMod val="40000"/>
+                    <a:lumOff val="60000"/>
                   </a:schemeClr>
                 </a:solidFill>
               </a:defRPr>
             </a:lvl1pPr>
             <a:lvl2pPr marL="457200" indent="0">
               <a:buNone/>
-              <a:defRPr sz="2000">
+              <a:defRPr sz="1800">
                 <a:solidFill>
                   <a:schemeClr val="tx1">
                     <a:tint val="75000"/>
@@ -899,7 +4070,7 @@
             </a:lvl2pPr>
             <a:lvl3pPr marL="914400" indent="0">
               <a:buNone/>
-              <a:defRPr sz="1800">
+              <a:defRPr sz="1600">
                 <a:solidFill>
                   <a:schemeClr val="tx1">
                     <a:tint val="75000"/>
@@ -909,7 +4080,7 @@
             </a:lvl3pPr>
             <a:lvl4pPr marL="1371600" indent="0">
               <a:buNone/>
-              <a:defRPr sz="1600">
+              <a:defRPr sz="1400">
                 <a:solidFill>
                   <a:schemeClr val="tx1">
                     <a:tint val="75000"/>
@@ -919,7 +4090,7 @@
             </a:lvl4pPr>
             <a:lvl5pPr marL="1828800" indent="0">
               <a:buNone/>
-              <a:defRPr sz="1600">
+              <a:defRPr sz="1400">
                 <a:solidFill>
                   <a:schemeClr val="tx1">
                     <a:tint val="75000"/>
@@ -929,7 +4100,7 @@
             </a:lvl5pPr>
             <a:lvl6pPr marL="2286000" indent="0">
               <a:buNone/>
-              <a:defRPr sz="1600">
+              <a:defRPr sz="1400">
                 <a:solidFill>
                   <a:schemeClr val="tx1">
                     <a:tint val="75000"/>
@@ -939,7 +4110,7 @@
             </a:lvl6pPr>
             <a:lvl7pPr marL="2743200" indent="0">
               <a:buNone/>
-              <a:defRPr sz="1600">
+              <a:defRPr sz="1400">
                 <a:solidFill>
                   <a:schemeClr val="tx1">
                     <a:tint val="75000"/>
@@ -949,7 +4120,7 @@
             </a:lvl7pPr>
             <a:lvl8pPr marL="3200400" indent="0">
               <a:buNone/>
-              <a:defRPr sz="1600">
+              <a:defRPr sz="1400">
                 <a:solidFill>
                   <a:schemeClr val="tx1">
                     <a:tint val="75000"/>
@@ -959,7 +4130,7 @@
             </a:lvl8pPr>
             <a:lvl9pPr marL="3657600" indent="0">
               <a:buNone/>
-              <a:defRPr sz="1600">
+              <a:defRPr sz="1400">
                 <a:solidFill>
                   <a:schemeClr val="tx1">
                     <a:tint val="75000"/>
@@ -992,11 +4163,11 @@
           <a:bodyPr/>
           <a:lstStyle/>
           <a:p>
-            <a:fld id="{C764DE79-268F-4C1A-8933-263129D2AF90}" type="datetimeFigureOut">
-              <a:rPr lang="en-US" dirty="0"/>
-              <a:t>11/23/2015</a:t>
+            <a:fld id="{6C29C28F-3FE5-4AC9-871C-AB4FBAE186B6}" type="datetimeFigureOut">
+              <a:rPr lang="en-US" smtClean="0"/>
+              <a:t>11/27/2015</a:t>
             </a:fld>
-            <a:endParaRPr lang="en-US" dirty="0"/>
+            <a:endParaRPr lang="en-US"/>
           </a:p>
         </p:txBody>
       </p:sp>
@@ -1015,7 +4186,7 @@
           <a:bodyPr/>
           <a:lstStyle/>
           <a:p>
-            <a:endParaRPr lang="en-US" dirty="0"/>
+            <a:endParaRPr lang="en-US"/>
           </a:p>
         </p:txBody>
       </p:sp>
@@ -1034,15 +4205,20 @@
           <a:bodyPr/>
           <a:lstStyle/>
           <a:p>
-            <a:fld id="{48F63A3B-78C7-47BE-AE5E-E10140E04643}" type="slidenum">
-              <a:rPr lang="en-US" dirty="0"/>
+            <a:fld id="{60FD519B-8B6B-43CB-B03D-37A175F56E23}" type="slidenum">
+              <a:rPr lang="en-US" smtClean="0"/>
               <a:t>‹#›</a:t>
             </a:fld>
-            <a:endParaRPr lang="en-US" dirty="0"/>
+            <a:endParaRPr lang="en-US"/>
           </a:p>
         </p:txBody>
       </p:sp>
     </p:spTree>
+    <p:extLst>
+      <p:ext uri="{BB962C8B-B14F-4D97-AF65-F5344CB8AC3E}">
+        <p14:creationId xmlns:p14="http://schemas.microsoft.com/office/powerpoint/2010/main" val="502428223"/>
+      </p:ext>
+    </p:extLst>
   </p:cSld>
   <p:clrMapOvr>
     <a:masterClrMapping/>
@@ -1102,116 +4278,218 @@
         </p:nvSpPr>
         <p:spPr>
           <a:xfrm>
-            <a:off x="838200" y="1825625"/>
-            <a:ext cx="5181600" cy="4351338"/>
+            <a:off x="1103312" y="2060575"/>
+            <a:ext cx="4396339" cy="4195763"/>
           </a:xfrm>
         </p:spPr>
         <p:txBody>
+          <a:bodyPr>
+            <a:normAutofit/>
+          </a:bodyPr>
+          <a:lstStyle>
+            <a:lvl1pPr>
+              <a:defRPr sz="1800"/>
+            </a:lvl1pPr>
+            <a:lvl2pPr>
+              <a:defRPr sz="1600"/>
+            </a:lvl2pPr>
+            <a:lvl3pPr>
+              <a:defRPr sz="1400"/>
+            </a:lvl3pPr>
+            <a:lvl4pPr>
+              <a:defRPr sz="1200"/>
+            </a:lvl4pPr>
+            <a:lvl5pPr>
+              <a:defRPr sz="1200"/>
+            </a:lvl5pPr>
+            <a:lvl6pPr>
+              <a:defRPr sz="1200"/>
+            </a:lvl6pPr>
+            <a:lvl7pPr>
+              <a:defRPr sz="1200"/>
+            </a:lvl7pPr>
+            <a:lvl8pPr>
+              <a:defRPr sz="1200"/>
+            </a:lvl8pPr>
+            <a:lvl9pPr>
+              <a:defRPr sz="1200"/>
+            </a:lvl9pPr>
+          </a:lstStyle>
+          <a:p>
+            <a:pPr lvl="0"/>
+            <a:r>
+              <a:rPr lang="en-US" smtClean="0"/>
+              <a:t>Click to edit Master text styles</a:t>
+            </a:r>
+          </a:p>
+          <a:p>
+            <a:pPr lvl="1"/>
+            <a:r>
+              <a:rPr lang="en-US" smtClean="0"/>
+              <a:t>Second level</a:t>
+            </a:r>
+          </a:p>
+          <a:p>
+            <a:pPr lvl="2"/>
+            <a:r>
+              <a:rPr lang="en-US" smtClean="0"/>
+              <a:t>Third level</a:t>
+            </a:r>
+          </a:p>
+          <a:p>
+            <a:pPr lvl="3"/>
+            <a:r>
+              <a:rPr lang="en-US" smtClean="0"/>
+              <a:t>Fourth level</a:t>
+            </a:r>
+          </a:p>
+          <a:p>
+            <a:pPr lvl="4"/>
+            <a:r>
+              <a:rPr lang="en-US" smtClean="0"/>
+              <a:t>Fifth level</a:t>
+            </a:r>
+            <a:endParaRPr lang="en-US" dirty="0"/>
+          </a:p>
+        </p:txBody>
+      </p:sp>
+      <p:sp>
+        <p:nvSpPr>
+          <p:cNvPr id="4" name="Content Placeholder 3"/>
+          <p:cNvSpPr>
+            <a:spLocks noGrp="1"/>
+          </p:cNvSpPr>
+          <p:nvPr>
+            <p:ph sz="half" idx="2"/>
+          </p:nvPr>
+        </p:nvSpPr>
+        <p:spPr>
+          <a:xfrm>
+            <a:off x="5654493" y="2056092"/>
+            <a:ext cx="4396341" cy="4200245"/>
+          </a:xfrm>
+        </p:spPr>
+        <p:txBody>
+          <a:bodyPr>
+            <a:normAutofit/>
+          </a:bodyPr>
+          <a:lstStyle>
+            <a:lvl1pPr>
+              <a:defRPr sz="1800"/>
+            </a:lvl1pPr>
+            <a:lvl2pPr>
+              <a:defRPr sz="1600"/>
+            </a:lvl2pPr>
+            <a:lvl3pPr>
+              <a:defRPr sz="1400"/>
+            </a:lvl3pPr>
+            <a:lvl4pPr>
+              <a:defRPr sz="1200"/>
+            </a:lvl4pPr>
+            <a:lvl5pPr>
+              <a:defRPr sz="1200"/>
+            </a:lvl5pPr>
+            <a:lvl6pPr>
+              <a:defRPr sz="1200"/>
+            </a:lvl6pPr>
+            <a:lvl7pPr>
+              <a:defRPr sz="1200"/>
+            </a:lvl7pPr>
+            <a:lvl8pPr>
+              <a:defRPr sz="1200"/>
+            </a:lvl8pPr>
+            <a:lvl9pPr>
+              <a:defRPr sz="1200"/>
+            </a:lvl9pPr>
+          </a:lstStyle>
+          <a:p>
+            <a:pPr lvl="0"/>
+            <a:r>
+              <a:rPr lang="en-US" smtClean="0"/>
+              <a:t>Click to edit Master text styles</a:t>
+            </a:r>
+          </a:p>
+          <a:p>
+            <a:pPr lvl="1"/>
+            <a:r>
+              <a:rPr lang="en-US" smtClean="0"/>
+              <a:t>Second level</a:t>
+            </a:r>
+          </a:p>
+          <a:p>
+            <a:pPr lvl="2"/>
+            <a:r>
+              <a:rPr lang="en-US" smtClean="0"/>
+              <a:t>Third level</a:t>
+            </a:r>
+          </a:p>
+          <a:p>
+            <a:pPr lvl="3"/>
+            <a:r>
+              <a:rPr lang="en-US" smtClean="0"/>
+              <a:t>Fourth level</a:t>
+            </a:r>
+          </a:p>
+          <a:p>
+            <a:pPr lvl="4"/>
+            <a:r>
+              <a:rPr lang="en-US" smtClean="0"/>
+              <a:t>Fifth level</a:t>
+            </a:r>
+            <a:endParaRPr lang="en-US" dirty="0"/>
+          </a:p>
+        </p:txBody>
+      </p:sp>
+      <p:sp>
+        <p:nvSpPr>
+          <p:cNvPr id="5" name="Date Placeholder 4"/>
+          <p:cNvSpPr>
+            <a:spLocks noGrp="1"/>
+          </p:cNvSpPr>
+          <p:nvPr>
+            <p:ph type="dt" sz="half" idx="10"/>
+          </p:nvPr>
+        </p:nvSpPr>
+        <p:spPr/>
+        <p:txBody>
           <a:bodyPr/>
           <a:lstStyle/>
           <a:p>
-            <a:pPr lvl="0"/>
-            <a:r>
-              <a:rPr lang="en-US" smtClean="0"/>
-              <a:t>Click to edit Master text styles</a:t>
-            </a:r>
-          </a:p>
-          <a:p>
-            <a:pPr lvl="1"/>
-            <a:r>
-              <a:rPr lang="en-US" smtClean="0"/>
-              <a:t>Second level</a:t>
-            </a:r>
-          </a:p>
-          <a:p>
-            <a:pPr lvl="2"/>
-            <a:r>
-              <a:rPr lang="en-US" smtClean="0"/>
-              <a:t>Third level</a:t>
-            </a:r>
-          </a:p>
-          <a:p>
-            <a:pPr lvl="3"/>
-            <a:r>
-              <a:rPr lang="en-US" smtClean="0"/>
-              <a:t>Fourth level</a:t>
-            </a:r>
-          </a:p>
-          <a:p>
-            <a:pPr lvl="4"/>
-            <a:r>
-              <a:rPr lang="en-US" smtClean="0"/>
-              <a:t>Fifth level</a:t>
-            </a:r>
-            <a:endParaRPr lang="en-US" dirty="0"/>
-          </a:p>
-        </p:txBody>
-      </p:sp>
-      <p:sp>
-        <p:nvSpPr>
-          <p:cNvPr id="4" name="Content Placeholder 3"/>
-          <p:cNvSpPr>
-            <a:spLocks noGrp="1"/>
-          </p:cNvSpPr>
-          <p:nvPr>
-            <p:ph sz="half" idx="2"/>
-          </p:nvPr>
-        </p:nvSpPr>
-        <p:spPr>
-          <a:xfrm>
-            <a:off x="6172200" y="1825625"/>
-            <a:ext cx="5181600" cy="4351338"/>
-          </a:xfrm>
-        </p:spPr>
+            <a:fld id="{6C29C28F-3FE5-4AC9-871C-AB4FBAE186B6}" type="datetimeFigureOut">
+              <a:rPr lang="en-US" smtClean="0"/>
+              <a:t>11/27/2015</a:t>
+            </a:fld>
+            <a:endParaRPr lang="en-US"/>
+          </a:p>
+        </p:txBody>
+      </p:sp>
+      <p:sp>
+        <p:nvSpPr>
+          <p:cNvPr id="6" name="Footer Placeholder 5"/>
+          <p:cNvSpPr>
+            <a:spLocks noGrp="1"/>
+          </p:cNvSpPr>
+          <p:nvPr>
+            <p:ph type="ftr" sz="quarter" idx="11"/>
+          </p:nvPr>
+        </p:nvSpPr>
+        <p:spPr/>
         <p:txBody>
           <a:bodyPr/>
           <a:lstStyle/>
           <a:p>
-            <a:pPr lvl="0"/>
-            <a:r>
-              <a:rPr lang="en-US" smtClean="0"/>
-              <a:t>Click to edit Master text styles</a:t>
-            </a:r>
-          </a:p>
-          <a:p>
-            <a:pPr lvl="1"/>
-            <a:r>
-              <a:rPr lang="en-US" smtClean="0"/>
-              <a:t>Second level</a:t>
-            </a:r>
-          </a:p>
-          <a:p>
-            <a:pPr lvl="2"/>
-            <a:r>
-              <a:rPr lang="en-US" smtClean="0"/>
-              <a:t>Third level</a:t>
-            </a:r>
-          </a:p>
-          <a:p>
-            <a:pPr lvl="3"/>
-            <a:r>
-              <a:rPr lang="en-US" smtClean="0"/>
-              <a:t>Fourth level</a:t>
-            </a:r>
-          </a:p>
-          <a:p>
-            <a:pPr lvl="4"/>
-            <a:r>
-              <a:rPr lang="en-US" smtClean="0"/>
-              <a:t>Fifth level</a:t>
-            </a:r>
-            <a:endParaRPr lang="en-US" dirty="0"/>
-          </a:p>
-        </p:txBody>
-      </p:sp>
-      <p:sp>
-        <p:nvSpPr>
-          <p:cNvPr id="5" name="Date Placeholder 4"/>
-          <p:cNvSpPr>
-            <a:spLocks noGrp="1"/>
-          </p:cNvSpPr>
-          <p:nvPr>
-            <p:ph type="dt" sz="half" idx="10"/>
+            <a:endParaRPr lang="en-US"/>
+          </a:p>
+        </p:txBody>
+      </p:sp>
+      <p:sp>
+        <p:nvSpPr>
+          <p:cNvPr id="7" name="Slide Number Placeholder 6"/>
+          <p:cNvSpPr>
+            <a:spLocks noGrp="1"/>
+          </p:cNvSpPr>
+          <p:nvPr>
+            <p:ph type="sldNum" sz="quarter" idx="12"/>
           </p:nvPr>
         </p:nvSpPr>
         <p:spPr/>
@@ -1219,57 +4497,20 @@
           <a:bodyPr/>
           <a:lstStyle/>
           <a:p>
-            <a:fld id="{C764DE79-268F-4C1A-8933-263129D2AF90}" type="datetimeFigureOut">
-              <a:rPr lang="en-US" dirty="0"/>
-              <a:t>11/23/2015</a:t>
-            </a:fld>
-            <a:endParaRPr lang="en-US" dirty="0"/>
-          </a:p>
-        </p:txBody>
-      </p:sp>
-      <p:sp>
-        <p:nvSpPr>
-          <p:cNvPr id="6" name="Footer Placeholder 5"/>
-          <p:cNvSpPr>
-            <a:spLocks noGrp="1"/>
-          </p:cNvSpPr>
-          <p:nvPr>
-            <p:ph type="ftr" sz="quarter" idx="11"/>
-          </p:nvPr>
-        </p:nvSpPr>
-        <p:spPr/>
-        <p:txBody>
-          <a:bodyPr/>
-          <a:lstStyle/>
-          <a:p>
-            <a:endParaRPr lang="en-US" dirty="0"/>
-          </a:p>
-        </p:txBody>
-      </p:sp>
-      <p:sp>
-        <p:nvSpPr>
-          <p:cNvPr id="7" name="Slide Number Placeholder 6"/>
-          <p:cNvSpPr>
-            <a:spLocks noGrp="1"/>
-          </p:cNvSpPr>
-          <p:nvPr>
-            <p:ph type="sldNum" sz="quarter" idx="12"/>
-          </p:nvPr>
-        </p:nvSpPr>
-        <p:spPr/>
-        <p:txBody>
-          <a:bodyPr/>
-          <a:lstStyle/>
-          <a:p>
-            <a:fld id="{48F63A3B-78C7-47BE-AE5E-E10140E04643}" type="slidenum">
-              <a:rPr lang="en-US" dirty="0"/>
+            <a:fld id="{60FD519B-8B6B-43CB-B03D-37A175F56E23}" type="slidenum">
+              <a:rPr lang="en-US" smtClean="0"/>
               <a:t>‹#›</a:t>
             </a:fld>
-            <a:endParaRPr lang="en-US" dirty="0"/>
+            <a:endParaRPr lang="en-US"/>
           </a:p>
         </p:txBody>
       </p:sp>
     </p:spTree>
+    <p:extLst>
+      <p:ext uri="{BB962C8B-B14F-4D97-AF65-F5344CB8AC3E}">
+        <p14:creationId xmlns:p14="http://schemas.microsoft.com/office/powerpoint/2010/main" val="625988535"/>
+      </p:ext>
+    </p:extLst>
   </p:cSld>
   <p:clrMapOvr>
     <a:masterClrMapping/>
@@ -1304,46 +4545,54 @@
             <p:ph type="title"/>
           </p:nvPr>
         </p:nvSpPr>
+        <p:spPr/>
+        <p:txBody>
+          <a:bodyPr/>
+          <a:lstStyle>
+            <a:lvl1pPr>
+              <a:defRPr/>
+            </a:lvl1pPr>
+          </a:lstStyle>
+          <a:p>
+            <a:r>
+              <a:rPr lang="en-US" smtClean="0"/>
+              <a:t>Click to edit Master title style</a:t>
+            </a:r>
+            <a:endParaRPr lang="en-US" dirty="0"/>
+          </a:p>
+        </p:txBody>
+      </p:sp>
+      <p:sp>
+        <p:nvSpPr>
+          <p:cNvPr id="3" name="Text Placeholder 2"/>
+          <p:cNvSpPr>
+            <a:spLocks noGrp="1"/>
+          </p:cNvSpPr>
+          <p:nvPr>
+            <p:ph type="body" idx="1"/>
+          </p:nvPr>
+        </p:nvSpPr>
         <p:spPr>
           <a:xfrm>
-            <a:off x="839788" y="365125"/>
-            <a:ext cx="10515600" cy="1325563"/>
+            <a:off x="1103313" y="1905000"/>
+            <a:ext cx="4396338" cy="576262"/>
           </a:xfrm>
         </p:spPr>
         <p:txBody>
-          <a:bodyPr/>
-          <a:lstStyle/>
-          <a:p>
-            <a:r>
-              <a:rPr lang="en-US" smtClean="0"/>
-              <a:t>Click to edit Master title style</a:t>
-            </a:r>
-            <a:endParaRPr lang="en-US" dirty="0"/>
-          </a:p>
-        </p:txBody>
-      </p:sp>
-      <p:sp>
-        <p:nvSpPr>
-          <p:cNvPr id="3" name="Text Placeholder 2"/>
-          <p:cNvSpPr>
-            <a:spLocks noGrp="1"/>
-          </p:cNvSpPr>
-          <p:nvPr>
-            <p:ph type="body" idx="1"/>
-          </p:nvPr>
-        </p:nvSpPr>
-        <p:spPr>
-          <a:xfrm>
-            <a:off x="839788" y="1681163"/>
-            <a:ext cx="5157787" cy="823912"/>
-          </a:xfrm>
-        </p:spPr>
-        <p:txBody>
-          <a:bodyPr anchor="b"/>
+          <a:bodyPr anchor="b">
+            <a:noAutofit/>
+          </a:bodyPr>
           <a:lstStyle>
             <a:lvl1pPr marL="0" indent="0">
               <a:buNone/>
-              <a:defRPr sz="2400" b="1"/>
+              <a:defRPr sz="2400" b="0">
+                <a:solidFill>
+                  <a:schemeClr val="bg2">
+                    <a:lumMod val="40000"/>
+                    <a:lumOff val="60000"/>
+                  </a:schemeClr>
+                </a:solidFill>
+              </a:defRPr>
             </a:lvl1pPr>
             <a:lvl2pPr marL="457200" indent="0">
               <a:buNone/>
@@ -1399,13 +4648,43 @@
         </p:nvSpPr>
         <p:spPr>
           <a:xfrm>
-            <a:off x="839788" y="2505075"/>
-            <a:ext cx="5157787" cy="3684588"/>
+            <a:off x="1103312" y="2514600"/>
+            <a:ext cx="4396339" cy="3741738"/>
           </a:xfrm>
         </p:spPr>
         <p:txBody>
-          <a:bodyPr/>
-          <a:lstStyle/>
+          <a:bodyPr>
+            <a:normAutofit/>
+          </a:bodyPr>
+          <a:lstStyle>
+            <a:lvl1pPr>
+              <a:defRPr sz="1800"/>
+            </a:lvl1pPr>
+            <a:lvl2pPr>
+              <a:defRPr sz="1600"/>
+            </a:lvl2pPr>
+            <a:lvl3pPr>
+              <a:defRPr sz="1400"/>
+            </a:lvl3pPr>
+            <a:lvl4pPr>
+              <a:defRPr sz="1200"/>
+            </a:lvl4pPr>
+            <a:lvl5pPr>
+              <a:defRPr sz="1200"/>
+            </a:lvl5pPr>
+            <a:lvl6pPr>
+              <a:defRPr sz="1200"/>
+            </a:lvl6pPr>
+            <a:lvl7pPr>
+              <a:defRPr sz="1200"/>
+            </a:lvl7pPr>
+            <a:lvl8pPr>
+              <a:defRPr sz="1200"/>
+            </a:lvl8pPr>
+            <a:lvl9pPr>
+              <a:defRPr sz="1200"/>
+            </a:lvl9pPr>
+          </a:lstStyle>
           <a:p>
             <a:pPr lvl="0"/>
             <a:r>
@@ -1456,16 +4735,25 @@
         </p:nvSpPr>
         <p:spPr>
           <a:xfrm>
-            <a:off x="6172200" y="1681163"/>
-            <a:ext cx="5183188" cy="823912"/>
+            <a:off x="5654495" y="1905000"/>
+            <a:ext cx="4396339" cy="576262"/>
           </a:xfrm>
         </p:spPr>
         <p:txBody>
-          <a:bodyPr anchor="b"/>
+          <a:bodyPr anchor="b">
+            <a:noAutofit/>
+          </a:bodyPr>
           <a:lstStyle>
             <a:lvl1pPr marL="0" indent="0">
               <a:buNone/>
-              <a:defRPr sz="2400" b="1"/>
+              <a:defRPr sz="2400" b="0">
+                <a:solidFill>
+                  <a:schemeClr val="bg2">
+                    <a:lumMod val="40000"/>
+                    <a:lumOff val="60000"/>
+                  </a:schemeClr>
+                </a:solidFill>
+              </a:defRPr>
             </a:lvl1pPr>
             <a:lvl2pPr marL="457200" indent="0">
               <a:buNone/>
@@ -1521,59 +4809,112 @@
         </p:nvSpPr>
         <p:spPr>
           <a:xfrm>
-            <a:off x="6172200" y="2505075"/>
-            <a:ext cx="5183188" cy="3684588"/>
+            <a:off x="5654495" y="2514600"/>
+            <a:ext cx="4396339" cy="3741738"/>
           </a:xfrm>
         </p:spPr>
         <p:txBody>
+          <a:bodyPr>
+            <a:normAutofit/>
+          </a:bodyPr>
+          <a:lstStyle>
+            <a:lvl1pPr>
+              <a:defRPr sz="1800"/>
+            </a:lvl1pPr>
+            <a:lvl2pPr>
+              <a:defRPr sz="1600"/>
+            </a:lvl2pPr>
+            <a:lvl3pPr>
+              <a:defRPr sz="1400"/>
+            </a:lvl3pPr>
+            <a:lvl4pPr>
+              <a:defRPr sz="1200"/>
+            </a:lvl4pPr>
+            <a:lvl5pPr>
+              <a:defRPr sz="1200"/>
+            </a:lvl5pPr>
+            <a:lvl6pPr>
+              <a:defRPr sz="1200"/>
+            </a:lvl6pPr>
+            <a:lvl7pPr>
+              <a:defRPr sz="1200"/>
+            </a:lvl7pPr>
+            <a:lvl8pPr>
+              <a:defRPr sz="1200"/>
+            </a:lvl8pPr>
+            <a:lvl9pPr>
+              <a:defRPr sz="1200"/>
+            </a:lvl9pPr>
+          </a:lstStyle>
+          <a:p>
+            <a:pPr lvl="0"/>
+            <a:r>
+              <a:rPr lang="en-US" smtClean="0"/>
+              <a:t>Click to edit Master text styles</a:t>
+            </a:r>
+          </a:p>
+          <a:p>
+            <a:pPr lvl="1"/>
+            <a:r>
+              <a:rPr lang="en-US" smtClean="0"/>
+              <a:t>Second level</a:t>
+            </a:r>
+          </a:p>
+          <a:p>
+            <a:pPr lvl="2"/>
+            <a:r>
+              <a:rPr lang="en-US" smtClean="0"/>
+              <a:t>Third level</a:t>
+            </a:r>
+          </a:p>
+          <a:p>
+            <a:pPr lvl="3"/>
+            <a:r>
+              <a:rPr lang="en-US" smtClean="0"/>
+              <a:t>Fourth level</a:t>
+            </a:r>
+          </a:p>
+          <a:p>
+            <a:pPr lvl="4"/>
+            <a:r>
+              <a:rPr lang="en-US" smtClean="0"/>
+              <a:t>Fifth level</a:t>
+            </a:r>
+            <a:endParaRPr lang="en-US" dirty="0"/>
+          </a:p>
+        </p:txBody>
+      </p:sp>
+      <p:sp>
+        <p:nvSpPr>
+          <p:cNvPr id="7" name="Date Placeholder 6"/>
+          <p:cNvSpPr>
+            <a:spLocks noGrp="1"/>
+          </p:cNvSpPr>
+          <p:nvPr>
+            <p:ph type="dt" sz="half" idx="10"/>
+          </p:nvPr>
+        </p:nvSpPr>
+        <p:spPr/>
+        <p:txBody>
           <a:bodyPr/>
           <a:lstStyle/>
           <a:p>
-            <a:pPr lvl="0"/>
-            <a:r>
-              <a:rPr lang="en-US" smtClean="0"/>
-              <a:t>Click to edit Master text styles</a:t>
-            </a:r>
-          </a:p>
-          <a:p>
-            <a:pPr lvl="1"/>
-            <a:r>
-              <a:rPr lang="en-US" smtClean="0"/>
-              <a:t>Second level</a:t>
-            </a:r>
-          </a:p>
-          <a:p>
-            <a:pPr lvl="2"/>
-            <a:r>
-              <a:rPr lang="en-US" smtClean="0"/>
-              <a:t>Third level</a:t>
-            </a:r>
-          </a:p>
-          <a:p>
-            <a:pPr lvl="3"/>
-            <a:r>
-              <a:rPr lang="en-US" smtClean="0"/>
-              <a:t>Fourth level</a:t>
-            </a:r>
-          </a:p>
-          <a:p>
-            <a:pPr lvl="4"/>
-            <a:r>
-              <a:rPr lang="en-US" smtClean="0"/>
-              <a:t>Fifth level</a:t>
-            </a:r>
-            <a:endParaRPr lang="en-US" dirty="0"/>
-          </a:p>
-        </p:txBody>
-      </p:sp>
-      <p:sp>
-        <p:nvSpPr>
-          <p:cNvPr id="7" name="Date Placeholder 6"/>
-          <p:cNvSpPr>
-            <a:spLocks noGrp="1"/>
-          </p:cNvSpPr>
-          <p:nvPr>
-            <p:ph type="dt" sz="half" idx="10"/>
+            <a:fld id="{6C29C28F-3FE5-4AC9-871C-AB4FBAE186B6}" type="datetimeFigureOut">
+              <a:rPr lang="en-US" smtClean="0"/>
+              <a:t>11/27/2015</a:t>
+            </a:fld>
+            <a:endParaRPr lang="en-US"/>
+          </a:p>
+        </p:txBody>
+      </p:sp>
+      <p:sp>
+        <p:nvSpPr>
+          <p:cNvPr id="8" name="Footer Placeholder 7"/>
+          <p:cNvSpPr>
+            <a:spLocks noGrp="1"/>
+          </p:cNvSpPr>
+          <p:nvPr>
+            <p:ph type="ftr" sz="quarter" idx="11"/>
           </p:nvPr>
         </p:nvSpPr>
         <p:spPr/>
@@ -1581,22 +4922,18 @@
           <a:bodyPr/>
           <a:lstStyle/>
           <a:p>
-            <a:fld id="{C764DE79-268F-4C1A-8933-263129D2AF90}" type="datetimeFigureOut">
-              <a:rPr lang="en-US" dirty="0"/>
-              <a:t>11/23/2015</a:t>
-            </a:fld>
-            <a:endParaRPr lang="en-US" dirty="0"/>
-          </a:p>
-        </p:txBody>
-      </p:sp>
-      <p:sp>
-        <p:nvSpPr>
-          <p:cNvPr id="8" name="Footer Placeholder 7"/>
-          <p:cNvSpPr>
-            <a:spLocks noGrp="1"/>
-          </p:cNvSpPr>
-          <p:nvPr>
-            <p:ph type="ftr" sz="quarter" idx="11"/>
+            <a:endParaRPr lang="en-US"/>
+          </a:p>
+        </p:txBody>
+      </p:sp>
+      <p:sp>
+        <p:nvSpPr>
+          <p:cNvPr id="9" name="Slide Number Placeholder 8"/>
+          <p:cNvSpPr>
+            <a:spLocks noGrp="1"/>
+          </p:cNvSpPr>
+          <p:nvPr>
+            <p:ph type="sldNum" sz="quarter" idx="12"/>
           </p:nvPr>
         </p:nvSpPr>
         <p:spPr/>
@@ -1604,34 +4941,20 @@
           <a:bodyPr/>
           <a:lstStyle/>
           <a:p>
-            <a:endParaRPr lang="en-US" dirty="0"/>
-          </a:p>
-        </p:txBody>
-      </p:sp>
-      <p:sp>
-        <p:nvSpPr>
-          <p:cNvPr id="9" name="Slide Number Placeholder 8"/>
-          <p:cNvSpPr>
-            <a:spLocks noGrp="1"/>
-          </p:cNvSpPr>
-          <p:nvPr>
-            <p:ph type="sldNum" sz="quarter" idx="12"/>
-          </p:nvPr>
-        </p:nvSpPr>
-        <p:spPr/>
-        <p:txBody>
-          <a:bodyPr/>
-          <a:lstStyle/>
-          <a:p>
-            <a:fld id="{48F63A3B-78C7-47BE-AE5E-E10140E04643}" type="slidenum">
-              <a:rPr lang="en-US" dirty="0"/>
+            <a:fld id="{60FD519B-8B6B-43CB-B03D-37A175F56E23}" type="slidenum">
+              <a:rPr lang="en-US" smtClean="0"/>
               <a:t>‹#›</a:t>
             </a:fld>
-            <a:endParaRPr lang="en-US" dirty="0"/>
+            <a:endParaRPr lang="en-US"/>
           </a:p>
         </p:txBody>
       </p:sp>
     </p:spTree>
+    <p:extLst>
+      <p:ext uri="{BB962C8B-B14F-4D97-AF65-F5344CB8AC3E}">
+        <p14:creationId xmlns:p14="http://schemas.microsoft.com/office/powerpoint/2010/main" val="3328045692"/>
+      </p:ext>
+    </p:extLst>
   </p:cSld>
   <p:clrMapOvr>
     <a:masterClrMapping/>
@@ -1681,7 +5004,7 @@
       </p:sp>
       <p:sp>
         <p:nvSpPr>
-          <p:cNvPr id="3" name="Date Placeholder 2"/>
+          <p:cNvPr id="7" name="Date Placeholder 2"/>
           <p:cNvSpPr>
             <a:spLocks noGrp="1"/>
           </p:cNvSpPr>
@@ -1694,17 +5017,17 @@
           <a:bodyPr/>
           <a:lstStyle/>
           <a:p>
-            <a:fld id="{C764DE79-268F-4C1A-8933-263129D2AF90}" type="datetimeFigureOut">
-              <a:rPr lang="en-US" dirty="0"/>
-              <a:t>11/23/2015</a:t>
+            <a:fld id="{6C29C28F-3FE5-4AC9-871C-AB4FBAE186B6}" type="datetimeFigureOut">
+              <a:rPr lang="en-US" smtClean="0"/>
+              <a:t>11/27/2015</a:t>
             </a:fld>
-            <a:endParaRPr lang="en-US" dirty="0"/>
-          </a:p>
-        </p:txBody>
-      </p:sp>
-      <p:sp>
-        <p:nvSpPr>
-          <p:cNvPr id="4" name="Footer Placeholder 3"/>
+            <a:endParaRPr lang="en-US"/>
+          </a:p>
+        </p:txBody>
+      </p:sp>
+      <p:sp>
+        <p:nvSpPr>
+          <p:cNvPr id="5" name="Footer Placeholder 3"/>
           <p:cNvSpPr>
             <a:spLocks noGrp="1"/>
           </p:cNvSpPr>
@@ -1717,13 +5040,13 @@
           <a:bodyPr/>
           <a:lstStyle/>
           <a:p>
-            <a:endParaRPr lang="en-US" dirty="0"/>
-          </a:p>
-        </p:txBody>
-      </p:sp>
-      <p:sp>
-        <p:nvSpPr>
-          <p:cNvPr id="5" name="Slide Number Placeholder 4"/>
+            <a:endParaRPr lang="en-US"/>
+          </a:p>
+        </p:txBody>
+      </p:sp>
+      <p:sp>
+        <p:nvSpPr>
+          <p:cNvPr id="6" name="Slide Number Placeholder 4"/>
           <p:cNvSpPr>
             <a:spLocks noGrp="1"/>
           </p:cNvSpPr>
@@ -1736,15 +5059,20 @@
           <a:bodyPr/>
           <a:lstStyle/>
           <a:p>
-            <a:fld id="{48F63A3B-78C7-47BE-AE5E-E10140E04643}" type="slidenum">
-              <a:rPr lang="en-US" dirty="0"/>
+            <a:fld id="{60FD519B-8B6B-43CB-B03D-37A175F56E23}" type="slidenum">
+              <a:rPr lang="en-US" smtClean="0"/>
               <a:t>‹#›</a:t>
             </a:fld>
-            <a:endParaRPr lang="en-US" dirty="0"/>
+            <a:endParaRPr lang="en-US"/>
           </a:p>
         </p:txBody>
       </p:sp>
     </p:spTree>
+    <p:extLst>
+      <p:ext uri="{BB962C8B-B14F-4D97-AF65-F5344CB8AC3E}">
+        <p14:creationId xmlns:p14="http://schemas.microsoft.com/office/powerpoint/2010/main" val="2369722217"/>
+      </p:ext>
+    </p:extLst>
   </p:cSld>
   <p:clrMapOvr>
     <a:masterClrMapping/>
@@ -1771,7 +5099,7 @@
       </p:grpSpPr>
       <p:sp>
         <p:nvSpPr>
-          <p:cNvPr id="2" name="Date Placeholder 1"/>
+          <p:cNvPr id="7" name="Date Placeholder 1"/>
           <p:cNvSpPr>
             <a:spLocks noGrp="1"/>
           </p:cNvSpPr>
@@ -1784,17 +5112,17 @@
           <a:bodyPr/>
           <a:lstStyle/>
           <a:p>
-            <a:fld id="{C764DE79-268F-4C1A-8933-263129D2AF90}" type="datetimeFigureOut">
-              <a:rPr lang="en-US" dirty="0"/>
-              <a:t>11/23/2015</a:t>
+            <a:fld id="{6C29C28F-3FE5-4AC9-871C-AB4FBAE186B6}" type="datetimeFigureOut">
+              <a:rPr lang="en-US" smtClean="0"/>
+              <a:t>11/27/2015</a:t>
             </a:fld>
-            <a:endParaRPr lang="en-US" dirty="0"/>
-          </a:p>
-        </p:txBody>
-      </p:sp>
-      <p:sp>
-        <p:nvSpPr>
-          <p:cNvPr id="3" name="Footer Placeholder 2"/>
+            <a:endParaRPr lang="en-US"/>
+          </a:p>
+        </p:txBody>
+      </p:sp>
+      <p:sp>
+        <p:nvSpPr>
+          <p:cNvPr id="5" name="Footer Placeholder 2"/>
           <p:cNvSpPr>
             <a:spLocks noGrp="1"/>
           </p:cNvSpPr>
@@ -1807,13 +5135,13 @@
           <a:bodyPr/>
           <a:lstStyle/>
           <a:p>
-            <a:endParaRPr lang="en-US" dirty="0"/>
-          </a:p>
-        </p:txBody>
-      </p:sp>
-      <p:sp>
-        <p:nvSpPr>
-          <p:cNvPr id="4" name="Slide Number Placeholder 3"/>
+            <a:endParaRPr lang="en-US"/>
+          </a:p>
+        </p:txBody>
+      </p:sp>
+      <p:sp>
+        <p:nvSpPr>
+          <p:cNvPr id="6" name="Slide Number Placeholder 3"/>
           <p:cNvSpPr>
             <a:spLocks noGrp="1"/>
           </p:cNvSpPr>
@@ -1826,15 +5154,20 @@
           <a:bodyPr/>
           <a:lstStyle/>
           <a:p>
-            <a:fld id="{48F63A3B-78C7-47BE-AE5E-E10140E04643}" type="slidenum">
-              <a:rPr lang="en-US" dirty="0"/>
+            <a:fld id="{60FD519B-8B6B-43CB-B03D-37A175F56E23}" type="slidenum">
+              <a:rPr lang="en-US" smtClean="0"/>
               <a:t>‹#›</a:t>
             </a:fld>
-            <a:endParaRPr lang="en-US" dirty="0"/>
+            <a:endParaRPr lang="en-US"/>
           </a:p>
         </p:txBody>
       </p:sp>
     </p:spTree>
+    <p:extLst>
+      <p:ext uri="{BB962C8B-B14F-4D97-AF65-F5344CB8AC3E}">
+        <p14:creationId xmlns:p14="http://schemas.microsoft.com/office/powerpoint/2010/main" val="1044057971"/>
+      </p:ext>
+    </p:extLst>
   </p:cSld>
   <p:clrMapOvr>
     <a:masterClrMapping/>
@@ -1871,15 +5204,15 @@
         </p:nvSpPr>
         <p:spPr>
           <a:xfrm>
-            <a:off x="839788" y="457200"/>
-            <a:ext cx="3932237" cy="1600200"/>
+            <a:off x="1154953" y="1447800"/>
+            <a:ext cx="3401064" cy="1447800"/>
           </a:xfrm>
         </p:spPr>
         <p:txBody>
           <a:bodyPr anchor="b"/>
           <a:lstStyle>
-            <a:lvl1pPr>
-              <a:defRPr sz="3200"/>
+            <a:lvl1pPr algn="l">
+              <a:defRPr sz="2400" b="0"/>
             </a:lvl1pPr>
           </a:lstStyle>
           <a:p>
@@ -1903,39 +5236,41 @@
         </p:nvSpPr>
         <p:spPr>
           <a:xfrm>
-            <a:off x="5183188" y="987425"/>
-            <a:ext cx="6172200" cy="4873625"/>
+            <a:off x="4784616" y="1447800"/>
+            <a:ext cx="5195997" cy="4572000"/>
           </a:xfrm>
         </p:spPr>
         <p:txBody>
-          <a:bodyPr/>
+          <a:bodyPr anchor="ctr">
+            <a:normAutofit/>
+          </a:bodyPr>
           <a:lstStyle>
             <a:lvl1pPr>
-              <a:defRPr sz="3200"/>
+              <a:defRPr sz="2000"/>
             </a:lvl1pPr>
             <a:lvl2pPr>
-              <a:defRPr sz="2800"/>
+              <a:defRPr sz="1800"/>
             </a:lvl2pPr>
             <a:lvl3pPr>
-              <a:defRPr sz="2400"/>
+              <a:defRPr sz="1600"/>
             </a:lvl3pPr>
             <a:lvl4pPr>
-              <a:defRPr sz="2000"/>
+              <a:defRPr sz="1400"/>
             </a:lvl4pPr>
             <a:lvl5pPr>
-              <a:defRPr sz="2000"/>
+              <a:defRPr sz="1400"/>
             </a:lvl5pPr>
             <a:lvl6pPr>
-              <a:defRPr sz="2000"/>
+              <a:defRPr sz="1400"/>
             </a:lvl6pPr>
             <a:lvl7pPr>
-              <a:defRPr sz="2000"/>
+              <a:defRPr sz="1400"/>
             </a:lvl7pPr>
             <a:lvl8pPr>
-              <a:defRPr sz="2000"/>
+              <a:defRPr sz="1400"/>
             </a:lvl8pPr>
             <a:lvl9pPr>
-              <a:defRPr sz="2000"/>
+              <a:defRPr sz="1400"/>
             </a:lvl9pPr>
           </a:lstStyle>
           <a:p>
@@ -1988,8 +5323,8 @@
         </p:nvSpPr>
         <p:spPr>
           <a:xfrm>
-            <a:off x="839788" y="2057400"/>
-            <a:ext cx="3932237" cy="3811588"/>
+            <a:off x="1154953" y="3129280"/>
+            <a:ext cx="3401063" cy="2895599"/>
           </a:xfrm>
         </p:spPr>
         <p:txBody>
@@ -1997,39 +5332,39 @@
           <a:lstStyle>
             <a:lvl1pPr marL="0" indent="0">
               <a:buNone/>
-              <a:defRPr sz="1600"/>
+              <a:defRPr sz="1400"/>
             </a:lvl1pPr>
             <a:lvl2pPr marL="457200" indent="0">
               <a:buNone/>
-              <a:defRPr sz="1400"/>
+              <a:defRPr sz="1200"/>
             </a:lvl2pPr>
             <a:lvl3pPr marL="914400" indent="0">
               <a:buNone/>
-              <a:defRPr sz="1200"/>
+              <a:defRPr sz="1000"/>
             </a:lvl3pPr>
             <a:lvl4pPr marL="1371600" indent="0">
               <a:buNone/>
-              <a:defRPr sz="1000"/>
+              <a:defRPr sz="900"/>
             </a:lvl4pPr>
             <a:lvl5pPr marL="1828800" indent="0">
               <a:buNone/>
-              <a:defRPr sz="1000"/>
+              <a:defRPr sz="900"/>
             </a:lvl5pPr>
             <a:lvl6pPr marL="2286000" indent="0">
               <a:buNone/>
-              <a:defRPr sz="1000"/>
+              <a:defRPr sz="900"/>
             </a:lvl6pPr>
             <a:lvl7pPr marL="2743200" indent="0">
               <a:buNone/>
-              <a:defRPr sz="1000"/>
+              <a:defRPr sz="900"/>
             </a:lvl7pPr>
             <a:lvl8pPr marL="3200400" indent="0">
               <a:buNone/>
-              <a:defRPr sz="1000"/>
+              <a:defRPr sz="900"/>
             </a:lvl8pPr>
             <a:lvl9pPr marL="3657600" indent="0">
               <a:buNone/>
-              <a:defRPr sz="1000"/>
+              <a:defRPr sz="900"/>
             </a:lvl9pPr>
           </a:lstStyle>
           <a:p>
@@ -2043,7 +5378,7 @@
       </p:sp>
       <p:sp>
         <p:nvSpPr>
-          <p:cNvPr id="5" name="Date Placeholder 4"/>
+          <p:cNvPr id="7" name="Date Placeholder 4"/>
           <p:cNvSpPr>
             <a:spLocks noGrp="1"/>
           </p:cNvSpPr>
@@ -2056,17 +5391,17 @@
           <a:bodyPr/>
           <a:lstStyle/>
           <a:p>
-            <a:fld id="{C764DE79-268F-4C1A-8933-263129D2AF90}" type="datetimeFigureOut">
-              <a:rPr lang="en-US" dirty="0"/>
-              <a:t>11/23/2015</a:t>
+            <a:fld id="{6C29C28F-3FE5-4AC9-871C-AB4FBAE186B6}" type="datetimeFigureOut">
+              <a:rPr lang="en-US" smtClean="0"/>
+              <a:t>11/27/2015</a:t>
             </a:fld>
-            <a:endParaRPr lang="en-US" dirty="0"/>
-          </a:p>
-        </p:txBody>
-      </p:sp>
-      <p:sp>
-        <p:nvSpPr>
-          <p:cNvPr id="6" name="Footer Placeholder 5"/>
+            <a:endParaRPr lang="en-US"/>
+          </a:p>
+        </p:txBody>
+      </p:sp>
+      <p:sp>
+        <p:nvSpPr>
+          <p:cNvPr id="5" name="Footer Placeholder 5"/>
           <p:cNvSpPr>
             <a:spLocks noGrp="1"/>
           </p:cNvSpPr>
@@ -2079,13 +5414,13 @@
           <a:bodyPr/>
           <a:lstStyle/>
           <a:p>
-            <a:endParaRPr lang="en-US" dirty="0"/>
-          </a:p>
-        </p:txBody>
-      </p:sp>
-      <p:sp>
-        <p:nvSpPr>
-          <p:cNvPr id="7" name="Slide Number Placeholder 6"/>
+            <a:endParaRPr lang="en-US"/>
+          </a:p>
+        </p:txBody>
+      </p:sp>
+      <p:sp>
+        <p:nvSpPr>
+          <p:cNvPr id="6" name="Slide Number Placeholder 6"/>
           <p:cNvSpPr>
             <a:spLocks noGrp="1"/>
           </p:cNvSpPr>
@@ -2098,15 +5433,20 @@
           <a:bodyPr/>
           <a:lstStyle/>
           <a:p>
-            <a:fld id="{48F63A3B-78C7-47BE-AE5E-E10140E04643}" type="slidenum">
-              <a:rPr lang="en-US" dirty="0"/>
+            <a:fld id="{60FD519B-8B6B-43CB-B03D-37A175F56E23}" type="slidenum">
+              <a:rPr lang="en-US" smtClean="0"/>
               <a:t>‹#›</a:t>
             </a:fld>
-            <a:endParaRPr lang="en-US" dirty="0"/>
+            <a:endParaRPr lang="en-US"/>
           </a:p>
         </p:txBody>
       </p:sp>
     </p:spTree>
+    <p:extLst>
+      <p:ext uri="{BB962C8B-B14F-4D97-AF65-F5344CB8AC3E}">
+        <p14:creationId xmlns:p14="http://schemas.microsoft.com/office/powerpoint/2010/main" val="2048247387"/>
+      </p:ext>
+    </p:extLst>
   </p:cSld>
   <p:clrMapOvr>
     <a:masterClrMapping/>
@@ -2143,15 +5483,17 @@
         </p:nvSpPr>
         <p:spPr>
           <a:xfrm>
-            <a:off x="839788" y="457200"/>
-            <a:ext cx="3932237" cy="1600200"/>
+            <a:off x="1153907" y="1854192"/>
+            <a:ext cx="5092906" cy="1574808"/>
           </a:xfrm>
         </p:spPr>
         <p:txBody>
-          <a:bodyPr anchor="b"/>
+          <a:bodyPr anchor="b">
+            <a:normAutofit/>
+          </a:bodyPr>
           <a:lstStyle>
-            <a:lvl1pPr>
-              <a:defRPr sz="3200"/>
+            <a:lvl1pPr algn="l">
+              <a:defRPr sz="3600" b="0"/>
             </a:lvl1pPr>
           </a:lstStyle>
           <a:p>
@@ -2175,116 +5517,132 @@
         </p:nvSpPr>
         <p:spPr>
           <a:xfrm>
-            <a:off x="5183188" y="987425"/>
-            <a:ext cx="6172200" cy="4873625"/>
+            <a:off x="6949546" y="1143000"/>
+            <a:ext cx="3200400" cy="4572000"/>
           </a:xfrm>
+          <a:prstGeom prst="roundRect">
+            <a:avLst>
+              <a:gd name="adj" fmla="val 1858"/>
+            </a:avLst>
+          </a:prstGeom>
+          <a:effectLst>
+            <a:outerShdw blurRad="50800" dist="50800" dir="5400000" algn="tl" rotWithShape="0">
+              <a:srgbClr val="000000">
+                <a:alpha val="43000"/>
+              </a:srgbClr>
+            </a:outerShdw>
+          </a:effectLst>
         </p:spPr>
         <p:txBody>
-          <a:bodyPr anchor="t"/>
+          <a:bodyPr anchor="t">
+            <a:normAutofit/>
+          </a:bodyPr>
           <a:lstStyle>
-            <a:lvl1pPr marL="0" indent="0">
-              <a:buNone/>
-              <a:defRPr sz="3200"/>
-            </a:lvl1pPr>
-            <a:lvl2pPr marL="457200" indent="0">
-              <a:buNone/>
-              <a:defRPr sz="2800"/>
-            </a:lvl2pPr>
-            <a:lvl3pPr marL="914400" indent="0">
-              <a:buNone/>
-              <a:defRPr sz="2400"/>
-            </a:lvl3pPr>
-            <a:lvl4pPr marL="1371600" indent="0">
-              <a:buNone/>
-              <a:defRPr sz="2000"/>
-            </a:lvl4pPr>
-            <a:lvl5pPr marL="1828800" indent="0">
-              <a:buNone/>
-              <a:defRPr sz="2000"/>
-            </a:lvl5pPr>
-            <a:lvl6pPr marL="2286000" indent="0">
-              <a:buNone/>
-              <a:defRPr sz="2000"/>
-            </a:lvl6pPr>
-            <a:lvl7pPr marL="2743200" indent="0">
-              <a:buNone/>
-              <a:defRPr sz="2000"/>
-            </a:lvl7pPr>
-            <a:lvl8pPr marL="3200400" indent="0">
-              <a:buNone/>
-              <a:defRPr sz="2000"/>
-            </a:lvl8pPr>
-            <a:lvl9pPr marL="3657600" indent="0">
-              <a:buNone/>
-              <a:defRPr sz="2000"/>
-            </a:lvl9pPr>
-          </a:lstStyle>
-          <a:p>
-            <a:r>
-              <a:rPr lang="en-US" smtClean="0"/>
-              <a:t>Click icon to add picture</a:t>
-            </a:r>
-            <a:endParaRPr lang="en-US" dirty="0"/>
-          </a:p>
-        </p:txBody>
-      </p:sp>
-      <p:sp>
-        <p:nvSpPr>
-          <p:cNvPr id="4" name="Text Placeholder 3"/>
-          <p:cNvSpPr>
-            <a:spLocks noGrp="1"/>
-          </p:cNvSpPr>
-          <p:nvPr>
-            <p:ph type="body" sz="half" idx="2"/>
-          </p:nvPr>
-        </p:nvSpPr>
-        <p:spPr>
-          <a:xfrm>
-            <a:off x="839788" y="2057400"/>
-            <a:ext cx="3932237" cy="3811588"/>
-          </a:xfrm>
-        </p:spPr>
-        <p:txBody>
-          <a:bodyPr/>
-          <a:lstStyle>
-            <a:lvl1pPr marL="0" indent="0">
+            <a:lvl1pPr marL="0" indent="0" algn="ctr">
               <a:buNone/>
               <a:defRPr sz="1600"/>
             </a:lvl1pPr>
             <a:lvl2pPr marL="457200" indent="0">
               <a:buNone/>
-              <a:defRPr sz="1400"/>
+              <a:defRPr sz="1600"/>
             </a:lvl2pPr>
             <a:lvl3pPr marL="914400" indent="0">
               <a:buNone/>
-              <a:defRPr sz="1200"/>
+              <a:defRPr sz="1600"/>
             </a:lvl3pPr>
             <a:lvl4pPr marL="1371600" indent="0">
               <a:buNone/>
-              <a:defRPr sz="1000"/>
+              <a:defRPr sz="1600"/>
             </a:lvl4pPr>
             <a:lvl5pPr marL="1828800" indent="0">
               <a:buNone/>
-              <a:defRPr sz="1000"/>
+              <a:defRPr sz="1600"/>
             </a:lvl5pPr>
             <a:lvl6pPr marL="2286000" indent="0">
               <a:buNone/>
-              <a:defRPr sz="1000"/>
+              <a:defRPr sz="1600"/>
             </a:lvl6pPr>
             <a:lvl7pPr marL="2743200" indent="0">
               <a:buNone/>
-              <a:defRPr sz="1000"/>
+              <a:defRPr sz="1600"/>
             </a:lvl7pPr>
             <a:lvl8pPr marL="3200400" indent="0">
               <a:buNone/>
-              <a:defRPr sz="1000"/>
+              <a:defRPr sz="1600"/>
             </a:lvl8pPr>
             <a:lvl9pPr marL="3657600" indent="0">
               <a:buNone/>
-              <a:defRPr sz="1000"/>
+              <a:defRPr sz="1600"/>
             </a:lvl9pPr>
           </a:lstStyle>
           <a:p>
+            <a:r>
+              <a:rPr lang="en-US" smtClean="0"/>
+              <a:t>Click icon to add picture</a:t>
+            </a:r>
+            <a:endParaRPr lang="en-US"/>
+          </a:p>
+        </p:txBody>
+      </p:sp>
+      <p:sp>
+        <p:nvSpPr>
+          <p:cNvPr id="4" name="Text Placeholder 3"/>
+          <p:cNvSpPr>
+            <a:spLocks noGrp="1"/>
+          </p:cNvSpPr>
+          <p:nvPr>
+            <p:ph type="body" sz="half" idx="2"/>
+          </p:nvPr>
+        </p:nvSpPr>
+        <p:spPr>
+          <a:xfrm>
+            <a:off x="1154954" y="3657600"/>
+            <a:ext cx="5084979" cy="1371600"/>
+          </a:xfrm>
+        </p:spPr>
+        <p:txBody>
+          <a:bodyPr>
+            <a:normAutofit/>
+          </a:bodyPr>
+          <a:lstStyle>
+            <a:lvl1pPr marL="0" indent="0">
+              <a:buNone/>
+              <a:defRPr sz="1400"/>
+            </a:lvl1pPr>
+            <a:lvl2pPr marL="457200" indent="0">
+              <a:buNone/>
+              <a:defRPr sz="1200"/>
+            </a:lvl2pPr>
+            <a:lvl3pPr marL="914400" indent="0">
+              <a:buNone/>
+              <a:defRPr sz="1000"/>
+            </a:lvl3pPr>
+            <a:lvl4pPr marL="1371600" indent="0">
+              <a:buNone/>
+              <a:defRPr sz="900"/>
+            </a:lvl4pPr>
+            <a:lvl5pPr marL="1828800" indent="0">
+              <a:buNone/>
+              <a:defRPr sz="900"/>
+            </a:lvl5pPr>
+            <a:lvl6pPr marL="2286000" indent="0">
+              <a:buNone/>
+              <a:defRPr sz="900"/>
+            </a:lvl6pPr>
+            <a:lvl7pPr marL="2743200" indent="0">
+              <a:buNone/>
+              <a:defRPr sz="900"/>
+            </a:lvl7pPr>
+            <a:lvl8pPr marL="3200400" indent="0">
+              <a:buNone/>
+              <a:defRPr sz="900"/>
+            </a:lvl8pPr>
+            <a:lvl9pPr marL="3657600" indent="0">
+              <a:buNone/>
+              <a:defRPr sz="900"/>
+            </a:lvl9pPr>
+          </a:lstStyle>
+          <a:p>
             <a:pPr lvl="0"/>
             <a:r>
               <a:rPr lang="en-US" smtClean="0"/>
@@ -2308,11 +5666,11 @@
           <a:bodyPr/>
           <a:lstStyle/>
           <a:p>
-            <a:fld id="{C764DE79-268F-4C1A-8933-263129D2AF90}" type="datetimeFigureOut">
-              <a:rPr lang="en-US" dirty="0"/>
-              <a:t>11/23/2015</a:t>
+            <a:fld id="{6C29C28F-3FE5-4AC9-871C-AB4FBAE186B6}" type="datetimeFigureOut">
+              <a:rPr lang="en-US" smtClean="0"/>
+              <a:t>11/27/2015</a:t>
             </a:fld>
-            <a:endParaRPr lang="en-US" dirty="0"/>
+            <a:endParaRPr lang="en-US"/>
           </a:p>
         </p:txBody>
       </p:sp>
@@ -2331,7 +5689,7 @@
           <a:bodyPr/>
           <a:lstStyle/>
           <a:p>
-            <a:endParaRPr lang="en-US" dirty="0"/>
+            <a:endParaRPr lang="en-US"/>
           </a:p>
         </p:txBody>
       </p:sp>
@@ -2350,15 +5708,20 @@
           <a:bodyPr/>
           <a:lstStyle/>
           <a:p>
-            <a:fld id="{48F63A3B-78C7-47BE-AE5E-E10140E04643}" type="slidenum">
-              <a:rPr lang="en-US" dirty="0"/>
+            <a:fld id="{60FD519B-8B6B-43CB-B03D-37A175F56E23}" type="slidenum">
+              <a:rPr lang="en-US" smtClean="0"/>
               <a:t>‹#›</a:t>
             </a:fld>
-            <a:endParaRPr lang="en-US" dirty="0"/>
+            <a:endParaRPr lang="en-US"/>
           </a:p>
         </p:txBody>
       </p:sp>
     </p:spTree>
+    <p:extLst>
+      <p:ext uri="{BB962C8B-B14F-4D97-AF65-F5344CB8AC3E}">
+        <p14:creationId xmlns:p14="http://schemas.microsoft.com/office/powerpoint/2010/main" val="2514367978"/>
+      </p:ext>
+    </p:extLst>
   </p:cSld>
   <p:clrMapOvr>
     <a:masterClrMapping/>
@@ -2370,8 +5733,8 @@
 <p:sldMaster xmlns:a="http://schemas.openxmlformats.org/drawingml/2006/main" xmlns:r="http://schemas.openxmlformats.org/officeDocument/2006/relationships" xmlns:p="http://schemas.openxmlformats.org/presentationml/2006/main">
   <p:cSld>
     <p:bg>
-      <p:bgRef idx="1001">
-        <a:schemeClr val="bg1"/>
+      <p:bgRef idx="1003">
+        <a:schemeClr val="bg2"/>
       </p:bgRef>
     </p:bg>
     <p:spTree>
@@ -2390,123 +5753,452 @@
       </p:grpSpPr>
       <p:sp>
         <p:nvSpPr>
-          <p:cNvPr id="2" name="Title Placeholder 1"/>
-          <p:cNvSpPr>
-            <a:spLocks noGrp="1"/>
-          </p:cNvSpPr>
-          <p:nvPr>
-            <p:ph type="title"/>
-          </p:nvPr>
+          <p:cNvPr id="11" name="Flowchart: Punched Tape 10"/>
+          <p:cNvSpPr/>
+          <p:nvPr userDrawn="1"/>
         </p:nvSpPr>
         <p:spPr>
           <a:xfrm>
-            <a:off x="838200" y="365125"/>
-            <a:ext cx="10515600" cy="1325563"/>
+            <a:off x="0" y="0"/>
+            <a:ext cx="12192000" cy="6858000"/>
+          </a:xfrm>
+          <a:prstGeom prst="flowChartPunchedTape">
+            <a:avLst/>
+          </a:prstGeom>
+          <a:pattFill prst="pct5">
+            <a:fgClr>
+              <a:schemeClr val="accent6"/>
+            </a:fgClr>
+            <a:bgClr>
+              <a:schemeClr val="bg1"/>
+            </a:bgClr>
+          </a:pattFill>
+          <a:ln>
+            <a:noFill/>
+          </a:ln>
+          <a:effectLst>
+            <a:glow>
+              <a:schemeClr val="accent1"/>
+            </a:glow>
+            <a:softEdge rad="241300"/>
+          </a:effectLst>
+          <a:scene3d>
+            <a:camera prst="orthographicFront"/>
+            <a:lightRig rig="threePt" dir="t"/>
+          </a:scene3d>
+          <a:sp3d extrusionH="317500">
+            <a:bevelT w="152400" h="50800" prst="softRound"/>
+            <a:bevelB w="152400" h="50800" prst="softRound"/>
+            <a:extrusionClr>
+              <a:schemeClr val="tx2">
+                <a:lumMod val="90000"/>
+              </a:schemeClr>
+            </a:extrusionClr>
+          </a:sp3d>
+        </p:spPr>
+        <p:style>
+          <a:lnRef idx="2">
+            <a:schemeClr val="accent1">
+              <a:shade val="50000"/>
+            </a:schemeClr>
+          </a:lnRef>
+          <a:fillRef idx="1">
+            <a:schemeClr val="accent1"/>
+          </a:fillRef>
+          <a:effectRef idx="0">
+            <a:schemeClr val="accent1"/>
+          </a:effectRef>
+          <a:fontRef idx="minor">
+            <a:schemeClr val="lt1"/>
+          </a:fontRef>
+        </p:style>
+        <p:txBody>
+          <a:bodyPr rtlCol="0" anchor="ctr"/>
+          <a:lstStyle/>
+          <a:p>
+            <a:pPr algn="ctr"/>
+            <a:endParaRPr lang="en-US"/>
+          </a:p>
+        </p:txBody>
+      </p:sp>
+      <p:pic>
+        <p:nvPicPr>
+          <p:cNvPr id="8" name="Picture 7"/>
+          <p:cNvPicPr>
+            <a:picLocks noChangeAspect="1"/>
+          </p:cNvPicPr>
+          <p:nvPr/>
+        </p:nvPicPr>
+        <p:blipFill rotWithShape="1">
+          <a:blip r:embed="rId19">
+            <a:extLst>
+              <a:ext uri="{28A0092B-C50C-407E-A947-70E740481C1C}">
+                <a14:useLocalDpi xmlns:a14="http://schemas.microsoft.com/office/drawing/2010/main" val="0"/>
+              </a:ext>
+            </a:extLst>
+          </a:blip>
+          <a:srcRect l="3613"/>
+          <a:stretch/>
+        </p:blipFill>
+        <p:spPr>
+          <a:xfrm>
+            <a:off x="0" y="2669685"/>
+            <a:ext cx="4037012" cy="4188315"/>
           </a:xfrm>
           <a:prstGeom prst="rect">
             <a:avLst/>
           </a:prstGeom>
         </p:spPr>
-        <p:txBody>
-          <a:bodyPr vert="horz" lIns="91440" tIns="45720" rIns="91440" bIns="45720" rtlCol="0" anchor="ctr">
-            <a:normAutofit/>
-          </a:bodyPr>
-          <a:lstStyle/>
-          <a:p>
-            <a:r>
-              <a:rPr lang="en-US" smtClean="0"/>
-              <a:t>Click to edit Master title style</a:t>
-            </a:r>
-            <a:endParaRPr lang="en-US" dirty="0"/>
-          </a:p>
-        </p:txBody>
-      </p:sp>
-      <p:sp>
-        <p:nvSpPr>
-          <p:cNvPr id="3" name="Text Placeholder 2"/>
-          <p:cNvSpPr>
-            <a:spLocks noGrp="1"/>
-          </p:cNvSpPr>
-          <p:nvPr>
-            <p:ph type="body" idx="1"/>
-          </p:nvPr>
-        </p:nvSpPr>
+      </p:pic>
+      <p:pic>
+        <p:nvPicPr>
+          <p:cNvPr id="7" name="Picture 6"/>
+          <p:cNvPicPr>
+            <a:picLocks noChangeAspect="1"/>
+          </p:cNvPicPr>
+          <p:nvPr/>
+        </p:nvPicPr>
+        <p:blipFill rotWithShape="1">
+          <a:blip r:embed="rId20">
+            <a:extLst>
+              <a:ext uri="{28A0092B-C50C-407E-A947-70E740481C1C}">
+                <a14:useLocalDpi xmlns:a14="http://schemas.microsoft.com/office/drawing/2010/main" val="0"/>
+              </a:ext>
+            </a:extLst>
+          </a:blip>
+          <a:srcRect l="35640"/>
+          <a:stretch/>
+        </p:blipFill>
         <p:spPr>
           <a:xfrm>
-            <a:off x="838200" y="1825625"/>
-            <a:ext cx="10515600" cy="4351338"/>
+            <a:off x="0" y="2892347"/>
+            <a:ext cx="1522412" cy="2365453"/>
           </a:xfrm>
           <a:prstGeom prst="rect">
             <a:avLst/>
           </a:prstGeom>
         </p:spPr>
-        <p:txBody>
-          <a:bodyPr vert="horz" lIns="91440" tIns="45720" rIns="91440" bIns="45720" rtlCol="0">
-            <a:normAutofit/>
-          </a:bodyPr>
-          <a:lstStyle/>
-          <a:p>
-            <a:pPr lvl="0"/>
-            <a:r>
-              <a:rPr lang="en-US" smtClean="0"/>
-              <a:t>Click to edit Master text styles</a:t>
-            </a:r>
-          </a:p>
-          <a:p>
-            <a:pPr lvl="1"/>
-            <a:r>
-              <a:rPr lang="en-US" smtClean="0"/>
-              <a:t>Second level</a:t>
-            </a:r>
-          </a:p>
-          <a:p>
-            <a:pPr lvl="2"/>
-            <a:r>
-              <a:rPr lang="en-US" smtClean="0"/>
-              <a:t>Third level</a:t>
-            </a:r>
-          </a:p>
-          <a:p>
-            <a:pPr lvl="3"/>
-            <a:r>
-              <a:rPr lang="en-US" smtClean="0"/>
-              <a:t>Fourth level</a:t>
-            </a:r>
-          </a:p>
-          <a:p>
-            <a:pPr lvl="4"/>
-            <a:r>
-              <a:rPr lang="en-US" smtClean="0"/>
-              <a:t>Fifth level</a:t>
-            </a:r>
-            <a:endParaRPr lang="en-US" dirty="0"/>
-          </a:p>
-        </p:txBody>
-      </p:sp>
-      <p:sp>
-        <p:nvSpPr>
-          <p:cNvPr id="4" name="Date Placeholder 3"/>
-          <p:cNvSpPr>
-            <a:spLocks noGrp="1"/>
-          </p:cNvSpPr>
-          <p:nvPr>
-            <p:ph type="dt" sz="half" idx="2"/>
-          </p:nvPr>
+      </p:pic>
+      <p:sp>
+        <p:nvSpPr>
+          <p:cNvPr id="16" name="Oval 15"/>
+          <p:cNvSpPr/>
+          <p:nvPr/>
         </p:nvSpPr>
         <p:spPr>
           <a:xfrm>
-            <a:off x="838200" y="6356350"/>
-            <a:ext cx="2743200" cy="365125"/>
+            <a:off x="8609012" y="1676400"/>
+            <a:ext cx="2819400" cy="2819400"/>
+          </a:xfrm>
+          <a:prstGeom prst="ellipse">
+            <a:avLst/>
+          </a:prstGeom>
+          <a:gradFill flip="none" rotWithShape="1">
+            <a:gsLst>
+              <a:gs pos="0">
+                <a:schemeClr val="bg2">
+                  <a:lumMod val="60000"/>
+                  <a:lumOff val="40000"/>
+                  <a:alpha val="7000"/>
+                </a:schemeClr>
+              </a:gs>
+              <a:gs pos="69000">
+                <a:schemeClr val="bg2">
+                  <a:lumMod val="60000"/>
+                  <a:lumOff val="40000"/>
+                  <a:alpha val="0"/>
+                </a:schemeClr>
+              </a:gs>
+              <a:gs pos="36000">
+                <a:schemeClr val="bg2">
+                  <a:lumMod val="60000"/>
+                  <a:lumOff val="40000"/>
+                  <a:alpha val="6000"/>
+                </a:schemeClr>
+              </a:gs>
+            </a:gsLst>
+            <a:path path="circle">
+              <a:fillToRect l="50000" t="50000" r="50000" b="50000"/>
+            </a:path>
+            <a:tileRect/>
+          </a:gradFill>
+          <a:ln>
+            <a:noFill/>
+          </a:ln>
+          <a:effectLst/>
+        </p:spPr>
+        <p:style>
+          <a:lnRef idx="1">
+            <a:schemeClr val="accent1"/>
+          </a:lnRef>
+          <a:fillRef idx="3">
+            <a:schemeClr val="accent1"/>
+          </a:fillRef>
+          <a:effectRef idx="2">
+            <a:schemeClr val="accent1"/>
+          </a:effectRef>
+          <a:fontRef idx="minor">
+            <a:schemeClr val="lt1"/>
+          </a:fontRef>
+        </p:style>
+      </p:sp>
+      <p:pic>
+        <p:nvPicPr>
+          <p:cNvPr id="9" name="Picture 8"/>
+          <p:cNvPicPr>
+            <a:picLocks noChangeAspect="1"/>
+          </p:cNvPicPr>
+          <p:nvPr/>
+        </p:nvPicPr>
+        <p:blipFill rotWithShape="1">
+          <a:blip r:embed="rId21">
+            <a:extLst>
+              <a:ext uri="{28A0092B-C50C-407E-A947-70E740481C1C}">
+                <a14:useLocalDpi xmlns:a14="http://schemas.microsoft.com/office/drawing/2010/main" val="0"/>
+              </a:ext>
+            </a:extLst>
+          </a:blip>
+          <a:srcRect t="28813"/>
+          <a:stretch/>
+        </p:blipFill>
+        <p:spPr>
+          <a:xfrm>
+            <a:off x="7999412" y="0"/>
+            <a:ext cx="1603387" cy="1141407"/>
           </a:xfrm>
           <a:prstGeom prst="rect">
             <a:avLst/>
           </a:prstGeom>
         </p:spPr>
-        <p:txBody>
-          <a:bodyPr vert="horz" lIns="91440" tIns="45720" rIns="91440" bIns="45720" rtlCol="0" anchor="ctr"/>
+      </p:pic>
+      <p:pic>
+        <p:nvPicPr>
+          <p:cNvPr id="10" name="Picture 9"/>
+          <p:cNvPicPr>
+            <a:picLocks noChangeAspect="1"/>
+          </p:cNvPicPr>
+          <p:nvPr/>
+        </p:nvPicPr>
+        <p:blipFill rotWithShape="1">
+          <a:blip r:embed="rId22">
+            <a:extLst>
+              <a:ext uri="{28A0092B-C50C-407E-A947-70E740481C1C}">
+                <a14:useLocalDpi xmlns:a14="http://schemas.microsoft.com/office/drawing/2010/main" val="0"/>
+              </a:ext>
+            </a:extLst>
+          </a:blip>
+          <a:srcRect b="23320"/>
+          <a:stretch/>
+        </p:blipFill>
+        <p:spPr>
+          <a:xfrm>
+            <a:off x="8605878" y="6096000"/>
+            <a:ext cx="993734" cy="762000"/>
+          </a:xfrm>
+          <a:prstGeom prst="rect">
+            <a:avLst/>
+          </a:prstGeom>
+        </p:spPr>
+      </p:pic>
+      <p:sp>
+        <p:nvSpPr>
+          <p:cNvPr id="2" name="Title Placeholder 1"/>
+          <p:cNvSpPr>
+            <a:spLocks noGrp="1"/>
+          </p:cNvSpPr>
+          <p:nvPr>
+            <p:ph type="title"/>
+          </p:nvPr>
+        </p:nvSpPr>
+        <p:spPr>
+          <a:xfrm>
+            <a:off x="646111" y="452718"/>
+            <a:ext cx="9404723" cy="1400530"/>
+          </a:xfrm>
+          <a:prstGeom prst="rect">
+            <a:avLst/>
+          </a:prstGeom>
+        </p:spPr>
+        <p:txBody>
+          <a:bodyPr vert="horz" lIns="91440" tIns="45720" rIns="91440" bIns="45720" rtlCol="0" anchor="t">
+            <a:noAutofit/>
+          </a:bodyPr>
+          <a:lstStyle/>
+          <a:p>
+            <a:r>
+              <a:rPr lang="en-US" dirty="0" smtClean="0"/>
+              <a:t>Click to edit Master title style</a:t>
+            </a:r>
+            <a:endParaRPr lang="en-US" dirty="0"/>
+          </a:p>
+        </p:txBody>
+      </p:sp>
+      <p:sp>
+        <p:nvSpPr>
+          <p:cNvPr id="3" name="Text Placeholder 2"/>
+          <p:cNvSpPr>
+            <a:spLocks noGrp="1"/>
+          </p:cNvSpPr>
+          <p:nvPr>
+            <p:ph type="body" idx="1"/>
+          </p:nvPr>
+        </p:nvSpPr>
+        <p:spPr>
+          <a:xfrm>
+            <a:off x="816430" y="2305966"/>
+            <a:ext cx="9233424" cy="3942433"/>
+          </a:xfrm>
+          <a:prstGeom prst="rect">
+            <a:avLst/>
+          </a:prstGeom>
+        </p:spPr>
+        <p:txBody>
+          <a:bodyPr vert="horz" lIns="91440" tIns="45720" rIns="91440" bIns="45720" rtlCol="0">
+            <a:normAutofit/>
+          </a:bodyPr>
+          <a:lstStyle/>
+          <a:p>
+            <a:pPr lvl="0"/>
+            <a:r>
+              <a:rPr lang="en-US" dirty="0" smtClean="0"/>
+              <a:t>Click to edit Master text styles</a:t>
+            </a:r>
+          </a:p>
+          <a:p>
+            <a:pPr lvl="1"/>
+            <a:r>
+              <a:rPr lang="en-US" dirty="0" smtClean="0"/>
+              <a:t>Second level</a:t>
+            </a:r>
+          </a:p>
+          <a:p>
+            <a:pPr lvl="2"/>
+            <a:r>
+              <a:rPr lang="en-US" dirty="0" smtClean="0"/>
+              <a:t>Third level</a:t>
+            </a:r>
+          </a:p>
+          <a:p>
+            <a:pPr lvl="3"/>
+            <a:r>
+              <a:rPr lang="en-US" dirty="0" smtClean="0"/>
+              <a:t>Fourth level</a:t>
+            </a:r>
+          </a:p>
+          <a:p>
+            <a:pPr lvl="4"/>
+            <a:r>
+              <a:rPr lang="en-US" dirty="0" smtClean="0"/>
+              <a:t>Fifth level</a:t>
+            </a:r>
+            <a:endParaRPr lang="en-US" dirty="0"/>
+          </a:p>
+        </p:txBody>
+      </p:sp>
+      <p:sp>
+        <p:nvSpPr>
+          <p:cNvPr id="4" name="Date Placeholder 3"/>
+          <p:cNvSpPr>
+            <a:spLocks noGrp="1"/>
+          </p:cNvSpPr>
+          <p:nvPr>
+            <p:ph type="dt" sz="half" idx="2"/>
+          </p:nvPr>
+        </p:nvSpPr>
+        <p:spPr>
+          <a:xfrm rot="5400000">
+            <a:off x="10155639" y="1790701"/>
+            <a:ext cx="990599" cy="304799"/>
+          </a:xfrm>
+          <a:prstGeom prst="rect">
+            <a:avLst/>
+          </a:prstGeom>
+        </p:spPr>
+        <p:txBody>
+          <a:bodyPr vert="horz" lIns="91440" tIns="45720" rIns="91440" bIns="45720" rtlCol="0" anchor="t"/>
           <a:lstStyle>
             <a:lvl1pPr algn="l">
-              <a:defRPr sz="1200">
+              <a:defRPr sz="1100" b="0" i="0">
+                <a:solidFill>
+                  <a:schemeClr val="tx1">
+                    <a:tint val="75000"/>
+                    <a:alpha val="60000"/>
+                  </a:schemeClr>
+                </a:solidFill>
+              </a:defRPr>
+            </a:lvl1pPr>
+          </a:lstStyle>
+          <a:p>
+            <a:fld id="{6C29C28F-3FE5-4AC9-871C-AB4FBAE186B6}" type="datetimeFigureOut">
+              <a:rPr lang="en-US" smtClean="0"/>
+              <a:t>11/27/2015</a:t>
+            </a:fld>
+            <a:endParaRPr lang="en-US"/>
+          </a:p>
+        </p:txBody>
+      </p:sp>
+      <p:sp>
+        <p:nvSpPr>
+          <p:cNvPr id="5" name="Footer Placeholder 4"/>
+          <p:cNvSpPr>
+            <a:spLocks noGrp="1"/>
+          </p:cNvSpPr>
+          <p:nvPr>
+            <p:ph type="ftr" sz="quarter" idx="3"/>
+          </p:nvPr>
+        </p:nvSpPr>
+        <p:spPr>
+          <a:xfrm rot="5400000">
+            <a:off x="8951573" y="3225297"/>
+            <a:ext cx="3859795" cy="304801"/>
+          </a:xfrm>
+          <a:prstGeom prst="rect">
+            <a:avLst/>
+          </a:prstGeom>
+        </p:spPr>
+        <p:txBody>
+          <a:bodyPr vert="horz" lIns="91440" tIns="45720" rIns="91440" bIns="45720" rtlCol="0" anchor="b"/>
+          <a:lstStyle>
+            <a:lvl1pPr algn="l">
+              <a:defRPr sz="1100" b="0" i="0">
+                <a:solidFill>
+                  <a:schemeClr val="tx1">
+                    <a:tint val="75000"/>
+                    <a:alpha val="60000"/>
+                  </a:schemeClr>
+                </a:solidFill>
+              </a:defRPr>
+            </a:lvl1pPr>
+          </a:lstStyle>
+          <a:p>
+            <a:endParaRPr lang="en-US"/>
+          </a:p>
+        </p:txBody>
+      </p:sp>
+      <p:sp>
+        <p:nvSpPr>
+          <p:cNvPr id="6" name="Slide Number Placeholder 5"/>
+          <p:cNvSpPr>
+            <a:spLocks noGrp="1"/>
+          </p:cNvSpPr>
+          <p:nvPr>
+            <p:ph type="sldNum" sz="quarter" idx="4"/>
+          </p:nvPr>
+        </p:nvSpPr>
+        <p:spPr bwMode="gray">
+          <a:xfrm>
+            <a:off x="11109570" y="397367"/>
+            <a:ext cx="838199" cy="767687"/>
+          </a:xfrm>
+          <a:prstGeom prst="rect">
+            <a:avLst/>
+          </a:prstGeom>
+        </p:spPr>
+        <p:txBody>
+          <a:bodyPr vert="horz" lIns="91440" tIns="45720" rIns="91440" bIns="45720" rtlCol="0" anchor="b"/>
+          <a:lstStyle>
+            <a:lvl1pPr algn="ctr">
+              <a:defRPr sz="2800" b="0" i="0">
                 <a:solidFill>
                   <a:schemeClr val="tx1">
                     <a:tint val="75000"/>
@@ -2516,119 +6208,305 @@
             </a:lvl1pPr>
           </a:lstStyle>
           <a:p>
-            <a:fld id="{C764DE79-268F-4C1A-8933-263129D2AF90}" type="datetimeFigureOut">
-              <a:rPr lang="en-US" dirty="0"/>
-              <a:t>11/23/2015</a:t>
+            <a:fld id="{60FD519B-8B6B-43CB-B03D-37A175F56E23}" type="slidenum">
+              <a:rPr lang="en-US" smtClean="0"/>
+              <a:t>‹#›</a:t>
             </a:fld>
-            <a:endParaRPr lang="en-US" dirty="0"/>
-          </a:p>
-        </p:txBody>
-      </p:sp>
-      <p:sp>
-        <p:nvSpPr>
-          <p:cNvPr id="5" name="Footer Placeholder 4"/>
-          <p:cNvSpPr>
-            <a:spLocks noGrp="1"/>
-          </p:cNvSpPr>
-          <p:nvPr>
-            <p:ph type="ftr" sz="quarter" idx="3"/>
-          </p:nvPr>
-        </p:nvSpPr>
+            <a:endParaRPr lang="en-US"/>
+          </a:p>
+        </p:txBody>
+      </p:sp>
+      <p:pic>
+        <p:nvPicPr>
+          <p:cNvPr id="13" name="Picture 12"/>
+          <p:cNvPicPr>
+            <a:picLocks noChangeAspect="1"/>
+          </p:cNvPicPr>
+          <p:nvPr userDrawn="1"/>
+        </p:nvPicPr>
+        <p:blipFill>
+          <a:blip r:embed="rId23">
+            <a:extLst>
+              <a:ext uri="{28A0092B-C50C-407E-A947-70E740481C1C}">
+                <a14:useLocalDpi xmlns:a14="http://schemas.microsoft.com/office/drawing/2010/main" val="0"/>
+              </a:ext>
+            </a:extLst>
+          </a:blip>
+          <a:stretch>
+            <a:fillRect/>
+          </a:stretch>
+        </p:blipFill>
         <p:spPr>
           <a:xfrm>
-            <a:off x="4038600" y="6356350"/>
-            <a:ext cx="4114800" cy="365125"/>
+            <a:off x="186612" y="4304160"/>
+            <a:ext cx="2132790" cy="2117146"/>
           </a:xfrm>
           <a:prstGeom prst="rect">
             <a:avLst/>
           </a:prstGeom>
+          <a:effectLst>
+            <a:glow rad="63500">
+              <a:schemeClr val="accent2">
+                <a:satMod val="175000"/>
+                <a:alpha val="32000"/>
+              </a:schemeClr>
+            </a:glow>
+            <a:outerShdw blurRad="50800" dist="127000" dir="18900000" algn="bl" rotWithShape="0">
+              <a:prstClr val="black">
+                <a:alpha val="40000"/>
+              </a:prstClr>
+            </a:outerShdw>
+          </a:effectLst>
+          <a:scene3d>
+            <a:camera prst="orthographicFront"/>
+            <a:lightRig rig="threePt" dir="t"/>
+          </a:scene3d>
+          <a:sp3d extrusionH="127000"/>
         </p:spPr>
-        <p:txBody>
-          <a:bodyPr vert="horz" lIns="91440" tIns="45720" rIns="91440" bIns="45720" rtlCol="0" anchor="ctr"/>
-          <a:lstStyle>
-            <a:lvl1pPr algn="ctr">
-              <a:defRPr sz="1200">
-                <a:solidFill>
-                  <a:schemeClr val="tx1">
-                    <a:tint val="75000"/>
-                  </a:schemeClr>
-                </a:solidFill>
-              </a:defRPr>
-            </a:lvl1pPr>
-          </a:lstStyle>
-          <a:p>
-            <a:endParaRPr lang="en-US" dirty="0"/>
-          </a:p>
-        </p:txBody>
-      </p:sp>
-      <p:sp>
-        <p:nvSpPr>
-          <p:cNvPr id="6" name="Slide Number Placeholder 5"/>
-          <p:cNvSpPr>
-            <a:spLocks noGrp="1"/>
-          </p:cNvSpPr>
-          <p:nvPr>
-            <p:ph type="sldNum" sz="quarter" idx="4"/>
-          </p:nvPr>
-        </p:nvSpPr>
-        <p:spPr>
-          <a:xfrm>
-            <a:off x="8610600" y="6356350"/>
-            <a:ext cx="2743200" cy="365125"/>
-          </a:xfrm>
-          <a:prstGeom prst="rect">
-            <a:avLst/>
-          </a:prstGeom>
-        </p:spPr>
-        <p:txBody>
-          <a:bodyPr vert="horz" lIns="91440" tIns="45720" rIns="91440" bIns="45720" rtlCol="0" anchor="ctr"/>
-          <a:lstStyle>
-            <a:lvl1pPr algn="r">
-              <a:defRPr sz="1200">
-                <a:solidFill>
-                  <a:schemeClr val="tx1">
-                    <a:tint val="75000"/>
-                  </a:schemeClr>
-                </a:solidFill>
-              </a:defRPr>
-            </a:lvl1pPr>
-          </a:lstStyle>
-          <a:p>
-            <a:fld id="{48F63A3B-78C7-47BE-AE5E-E10140E04643}" type="slidenum">
-              <a:rPr lang="en-US" dirty="0"/>
-              <a:t>‹#›</a:t>
-            </a:fld>
-            <a:endParaRPr lang="en-US" dirty="0"/>
-          </a:p>
-        </p:txBody>
-      </p:sp>
+      </p:pic>
     </p:spTree>
+    <p:extLst>
+      <p:ext uri="{BB962C8B-B14F-4D97-AF65-F5344CB8AC3E}">
+        <p14:creationId xmlns:p14="http://schemas.microsoft.com/office/powerpoint/2010/main" val="446153235"/>
+      </p:ext>
+    </p:extLst>
   </p:cSld>
-  <p:clrMap bg1="lt1" tx1="dk1" bg2="lt2" tx2="dk2" accent1="accent1" accent2="accent2" accent3="accent3" accent4="accent4" accent5="accent5" accent6="accent6" hlink="hlink" folHlink="folHlink"/>
+  <p:clrMap bg1="dk1" tx1="lt1" bg2="dk2" tx2="lt2" accent1="accent1" accent2="accent2" accent3="accent3" accent4="accent4" accent5="accent5" accent6="accent6" hlink="hlink" folHlink="folHlink"/>
   <p:sldLayoutIdLst>
-    <p:sldLayoutId id="2147483649" r:id="rId1"/>
-    <p:sldLayoutId id="2147483650" r:id="rId2"/>
-    <p:sldLayoutId id="2147483651" r:id="rId3"/>
-    <p:sldLayoutId id="2147483652" r:id="rId4"/>
-    <p:sldLayoutId id="2147483653" r:id="rId5"/>
-    <p:sldLayoutId id="2147483654" r:id="rId6"/>
-    <p:sldLayoutId id="2147483655" r:id="rId7"/>
-    <p:sldLayoutId id="2147483656" r:id="rId8"/>
-    <p:sldLayoutId id="2147483657" r:id="rId9"/>
-    <p:sldLayoutId id="2147483658" r:id="rId10"/>
-    <p:sldLayoutId id="2147483659" r:id="rId11"/>
+    <p:sldLayoutId id="2147483661" r:id="rId1"/>
+    <p:sldLayoutId id="2147483662" r:id="rId2"/>
+    <p:sldLayoutId id="2147483663" r:id="rId3"/>
+    <p:sldLayoutId id="2147483664" r:id="rId4"/>
+    <p:sldLayoutId id="2147483665" r:id="rId5"/>
+    <p:sldLayoutId id="2147483666" r:id="rId6"/>
+    <p:sldLayoutId id="2147483667" r:id="rId7"/>
+    <p:sldLayoutId id="2147483668" r:id="rId8"/>
+    <p:sldLayoutId id="2147483669" r:id="rId9"/>
+    <p:sldLayoutId id="2147483670" r:id="rId10"/>
+    <p:sldLayoutId id="2147483671" r:id="rId11"/>
+    <p:sldLayoutId id="2147483672" r:id="rId12"/>
+    <p:sldLayoutId id="2147483673" r:id="rId13"/>
+    <p:sldLayoutId id="2147483674" r:id="rId14"/>
+    <p:sldLayoutId id="2147483675" r:id="rId15"/>
+    <p:sldLayoutId id="2147483676" r:id="rId16"/>
+    <p:sldLayoutId id="2147483677" r:id="rId17"/>
   </p:sldLayoutIdLst>
   <p:txStyles>
     <p:titleStyle>
-      <a:lvl1pPr algn="l" defTabSz="914400" rtl="0" eaLnBrk="1" latinLnBrk="0" hangingPunct="1">
-        <a:lnSpc>
-          <a:spcPct val="90000"/>
-        </a:lnSpc>
+      <a:lvl1pPr algn="l" defTabSz="457200" rtl="0" eaLnBrk="1" latinLnBrk="0" hangingPunct="1">
         <a:spcBef>
           <a:spcPct val="0"/>
         </a:spcBef>
         <a:buNone/>
-        <a:defRPr sz="4400" kern="1200">
+        <a:defRPr sz="4200" b="0" i="0" kern="1200">
+          <a:solidFill>
+            <a:srgbClr val="C7F5D4"/>
+          </a:solidFill>
+          <a:latin typeface="+mj-lt"/>
+          <a:ea typeface="+mj-ea"/>
+          <a:cs typeface="+mj-cs"/>
+        </a:defRPr>
+      </a:lvl1pPr>
+      <a:lvl2pPr eaLnBrk="1" hangingPunct="1">
+        <a:defRPr>
+          <a:solidFill>
+            <a:schemeClr val="tx2"/>
+          </a:solidFill>
+        </a:defRPr>
+      </a:lvl2pPr>
+      <a:lvl3pPr eaLnBrk="1" hangingPunct="1">
+        <a:defRPr>
+          <a:solidFill>
+            <a:schemeClr val="tx2"/>
+          </a:solidFill>
+        </a:defRPr>
+      </a:lvl3pPr>
+      <a:lvl4pPr eaLnBrk="1" hangingPunct="1">
+        <a:defRPr>
+          <a:solidFill>
+            <a:schemeClr val="tx2"/>
+          </a:solidFill>
+        </a:defRPr>
+      </a:lvl4pPr>
+      <a:lvl5pPr eaLnBrk="1" hangingPunct="1">
+        <a:defRPr>
+          <a:solidFill>
+            <a:schemeClr val="tx2"/>
+          </a:solidFill>
+        </a:defRPr>
+      </a:lvl5pPr>
+      <a:lvl6pPr eaLnBrk="1" hangingPunct="1">
+        <a:defRPr>
+          <a:solidFill>
+            <a:schemeClr val="tx2"/>
+          </a:solidFill>
+        </a:defRPr>
+      </a:lvl6pPr>
+      <a:lvl7pPr eaLnBrk="1" hangingPunct="1">
+        <a:defRPr>
+          <a:solidFill>
+            <a:schemeClr val="tx2"/>
+          </a:solidFill>
+        </a:defRPr>
+      </a:lvl7pPr>
+      <a:lvl8pPr eaLnBrk="1" hangingPunct="1">
+        <a:defRPr>
+          <a:solidFill>
+            <a:schemeClr val="tx2"/>
+          </a:solidFill>
+        </a:defRPr>
+      </a:lvl8pPr>
+      <a:lvl9pPr eaLnBrk="1" hangingPunct="1">
+        <a:defRPr>
+          <a:solidFill>
+            <a:schemeClr val="tx2"/>
+          </a:solidFill>
+        </a:defRPr>
+      </a:lvl9pPr>
+    </p:titleStyle>
+    <p:bodyStyle>
+      <a:lvl1pPr marL="342900" indent="-342900" algn="l" defTabSz="457200" rtl="0" eaLnBrk="1" latinLnBrk="0" hangingPunct="1">
+        <a:spcBef>
+          <a:spcPts val="1000"/>
+        </a:spcBef>
+        <a:spcAft>
+          <a:spcPts val="0"/>
+        </a:spcAft>
+        <a:buClr>
+          <a:schemeClr val="bg2">
+            <a:lumMod val="40000"/>
+            <a:lumOff val="60000"/>
+          </a:schemeClr>
+        </a:buClr>
+        <a:buSzPct val="80000"/>
+        <a:buFont typeface="Wingdings 3" charset="2"/>
+        <a:buChar char=""/>
+        <a:defRPr sz="2000" b="0" i="0" kern="1200">
+          <a:solidFill>
+            <a:srgbClr val="DBF9E5"/>
+          </a:solidFill>
+          <a:latin typeface="+mj-lt"/>
+          <a:ea typeface="+mj-ea"/>
+          <a:cs typeface="+mj-cs"/>
+        </a:defRPr>
+      </a:lvl1pPr>
+      <a:lvl2pPr marL="742950" indent="-285750" algn="l" defTabSz="457200" rtl="0" eaLnBrk="1" latinLnBrk="0" hangingPunct="1">
+        <a:spcBef>
+          <a:spcPts val="1000"/>
+        </a:spcBef>
+        <a:spcAft>
+          <a:spcPts val="0"/>
+        </a:spcAft>
+        <a:buClr>
+          <a:schemeClr val="bg2">
+            <a:lumMod val="40000"/>
+            <a:lumOff val="60000"/>
+          </a:schemeClr>
+        </a:buClr>
+        <a:buSzPct val="80000"/>
+        <a:buFont typeface="Wingdings 3" charset="2"/>
+        <a:buChar char=""/>
+        <a:defRPr sz="1800" b="0" i="0" kern="1200">
+          <a:solidFill>
+            <a:srgbClr val="DBF9E5"/>
+          </a:solidFill>
+          <a:latin typeface="+mj-lt"/>
+          <a:ea typeface="+mj-ea"/>
+          <a:cs typeface="+mj-cs"/>
+        </a:defRPr>
+      </a:lvl2pPr>
+      <a:lvl3pPr marL="1143000" indent="-228600" algn="l" defTabSz="457200" rtl="0" eaLnBrk="1" latinLnBrk="0" hangingPunct="1">
+        <a:spcBef>
+          <a:spcPts val="1000"/>
+        </a:spcBef>
+        <a:spcAft>
+          <a:spcPts val="0"/>
+        </a:spcAft>
+        <a:buClr>
+          <a:schemeClr val="bg2">
+            <a:lumMod val="40000"/>
+            <a:lumOff val="60000"/>
+          </a:schemeClr>
+        </a:buClr>
+        <a:buSzPct val="80000"/>
+        <a:buFont typeface="Wingdings 3" charset="2"/>
+        <a:buChar char=""/>
+        <a:defRPr sz="1600" b="0" i="0" kern="1200">
+          <a:solidFill>
+            <a:srgbClr val="DBF9E5"/>
+          </a:solidFill>
+          <a:latin typeface="+mj-lt"/>
+          <a:ea typeface="+mj-ea"/>
+          <a:cs typeface="+mj-cs"/>
+        </a:defRPr>
+      </a:lvl3pPr>
+      <a:lvl4pPr marL="1600200" indent="-228600" algn="l" defTabSz="457200" rtl="0" eaLnBrk="1" latinLnBrk="0" hangingPunct="1">
+        <a:spcBef>
+          <a:spcPts val="1000"/>
+        </a:spcBef>
+        <a:spcAft>
+          <a:spcPts val="0"/>
+        </a:spcAft>
+        <a:buClr>
+          <a:schemeClr val="bg2">
+            <a:lumMod val="40000"/>
+            <a:lumOff val="60000"/>
+          </a:schemeClr>
+        </a:buClr>
+        <a:buSzPct val="80000"/>
+        <a:buFont typeface="Wingdings 3" charset="2"/>
+        <a:buChar char=""/>
+        <a:defRPr sz="1400" b="0" i="0" kern="1200">
+          <a:solidFill>
+            <a:srgbClr val="DBF9E5"/>
+          </a:solidFill>
+          <a:latin typeface="+mj-lt"/>
+          <a:ea typeface="+mj-ea"/>
+          <a:cs typeface="+mj-cs"/>
+        </a:defRPr>
+      </a:lvl4pPr>
+      <a:lvl5pPr marL="2057400" indent="-228600" algn="l" defTabSz="457200" rtl="0" eaLnBrk="1" latinLnBrk="0" hangingPunct="1">
+        <a:spcBef>
+          <a:spcPts val="1000"/>
+        </a:spcBef>
+        <a:spcAft>
+          <a:spcPts val="0"/>
+        </a:spcAft>
+        <a:buClr>
+          <a:schemeClr val="bg2">
+            <a:lumMod val="40000"/>
+            <a:lumOff val="60000"/>
+          </a:schemeClr>
+        </a:buClr>
+        <a:buSzPct val="80000"/>
+        <a:buFont typeface="Wingdings 3" charset="2"/>
+        <a:buChar char=""/>
+        <a:defRPr sz="1400" b="0" i="0" kern="1200">
+          <a:solidFill>
+            <a:srgbClr val="DBF9E5"/>
+          </a:solidFill>
+          <a:latin typeface="+mj-lt"/>
+          <a:ea typeface="+mj-ea"/>
+          <a:cs typeface="+mj-cs"/>
+        </a:defRPr>
+      </a:lvl5pPr>
+      <a:lvl6pPr marL="2506000" indent="-228600" algn="l" defTabSz="457200" rtl="0" eaLnBrk="1" latinLnBrk="0" hangingPunct="1">
+        <a:spcBef>
+          <a:spcPts val="1000"/>
+        </a:spcBef>
+        <a:spcAft>
+          <a:spcPts val="0"/>
+        </a:spcAft>
+        <a:buClr>
+          <a:schemeClr val="bg2">
+            <a:lumMod val="40000"/>
+            <a:lumOff val="60000"/>
+          </a:schemeClr>
+        </a:buClr>
+        <a:buSzPct val="80000"/>
+        <a:buFont typeface="Wingdings 3" charset="2"/>
+        <a:buChar char=""/>
+        <a:defRPr sz="1400" b="0" i="0" kern="1200">
           <a:solidFill>
             <a:schemeClr val="tx1"/>
           </a:solidFill>
@@ -2636,19 +6514,89 @@
           <a:ea typeface="+mj-ea"/>
           <a:cs typeface="+mj-cs"/>
         </a:defRPr>
-      </a:lvl1pPr>
-    </p:titleStyle>
-    <p:bodyStyle>
-      <a:lvl1pPr marL="228600" indent="-228600" algn="l" defTabSz="914400" rtl="0" eaLnBrk="1" latinLnBrk="0" hangingPunct="1">
-        <a:lnSpc>
-          <a:spcPct val="90000"/>
-        </a:lnSpc>
+      </a:lvl6pPr>
+      <a:lvl7pPr marL="2971800" indent="-228600" algn="l" defTabSz="457200" rtl="0" eaLnBrk="1" latinLnBrk="0" hangingPunct="1">
         <a:spcBef>
           <a:spcPts val="1000"/>
         </a:spcBef>
-        <a:buFont typeface="Arial" panose="020B0604020202020204" pitchFamily="34" charset="0"/>
-        <a:buChar char="•"/>
-        <a:defRPr sz="2800" kern="1200">
+        <a:spcAft>
+          <a:spcPts val="0"/>
+        </a:spcAft>
+        <a:buClr>
+          <a:schemeClr val="bg2">
+            <a:lumMod val="40000"/>
+            <a:lumOff val="60000"/>
+          </a:schemeClr>
+        </a:buClr>
+        <a:buSzPct val="80000"/>
+        <a:buFont typeface="Wingdings 3" charset="2"/>
+        <a:buChar char=""/>
+        <a:defRPr sz="1400" b="0" i="0" kern="1200">
+          <a:solidFill>
+            <a:schemeClr val="tx1"/>
+          </a:solidFill>
+          <a:latin typeface="+mj-lt"/>
+          <a:ea typeface="+mj-ea"/>
+          <a:cs typeface="+mj-cs"/>
+        </a:defRPr>
+      </a:lvl7pPr>
+      <a:lvl8pPr marL="3429000" indent="-228600" algn="l" defTabSz="457200" rtl="0" eaLnBrk="1" latinLnBrk="0" hangingPunct="1">
+        <a:spcBef>
+          <a:spcPts val="1000"/>
+        </a:spcBef>
+        <a:spcAft>
+          <a:spcPts val="0"/>
+        </a:spcAft>
+        <a:buClr>
+          <a:schemeClr val="bg2">
+            <a:lumMod val="40000"/>
+            <a:lumOff val="60000"/>
+          </a:schemeClr>
+        </a:buClr>
+        <a:buSzPct val="80000"/>
+        <a:buFont typeface="Wingdings 3" charset="2"/>
+        <a:buChar char=""/>
+        <a:defRPr sz="1400" b="0" i="0" kern="1200">
+          <a:solidFill>
+            <a:schemeClr val="tx1"/>
+          </a:solidFill>
+          <a:latin typeface="+mj-lt"/>
+          <a:ea typeface="+mj-ea"/>
+          <a:cs typeface="+mj-cs"/>
+        </a:defRPr>
+      </a:lvl8pPr>
+      <a:lvl9pPr marL="3886200" indent="-228600" algn="l" defTabSz="457200" rtl="0" eaLnBrk="1" latinLnBrk="0" hangingPunct="1">
+        <a:spcBef>
+          <a:spcPts val="1000"/>
+        </a:spcBef>
+        <a:spcAft>
+          <a:spcPts val="0"/>
+        </a:spcAft>
+        <a:buClr>
+          <a:schemeClr val="bg2">
+            <a:lumMod val="40000"/>
+            <a:lumOff val="60000"/>
+          </a:schemeClr>
+        </a:buClr>
+        <a:buSzPct val="80000"/>
+        <a:buFont typeface="Wingdings 3" charset="2"/>
+        <a:buChar char=""/>
+        <a:defRPr sz="1400" b="0" i="0" kern="1200">
+          <a:solidFill>
+            <a:schemeClr val="tx1"/>
+          </a:solidFill>
+          <a:latin typeface="+mj-lt"/>
+          <a:ea typeface="+mj-ea"/>
+          <a:cs typeface="+mj-cs"/>
+        </a:defRPr>
+      </a:lvl9pPr>
+    </p:bodyStyle>
+    <p:otherStyle>
+      <a:defPPr>
+        <a:defRPr lang="en-US"/>
+      </a:defPPr>
+      <a:lvl1pPr marL="0" algn="l" defTabSz="457200" rtl="0" eaLnBrk="1" latinLnBrk="0" hangingPunct="1">
+        <a:defRPr sz="1800" kern="1200">
           <a:solidFill>
             <a:schemeClr val="tx1"/>
           </a:solidFill>
@@ -2657,16 +6605,8 @@
           <a:cs typeface="+mn-cs"/>
         </a:defRPr>
       </a:lvl1pPr>
-      <a:lvl2pPr marL="685800" indent="-228600" algn="l" defTabSz="914400" rtl="0" eaLnBrk="1" latinLnBrk="0" hangingPunct="1">
-        <a:lnSpc>
-          <a:spcPct val="90000"/>
-        </a:lnSpc>
-        <a:spcBef>
-          <a:spcPts val="500"/>
-        </a:spcBef>
-        <a:buFont typeface="Arial" panose="020B0604020202020204" pitchFamily="34" charset="0"/>
-        <a:buChar char="•"/>
-        <a:defRPr sz="2400" kern="1200">
+      <a:lvl2pPr marL="457200" algn="l" defTabSz="457200" rtl="0" eaLnBrk="1" latinLnBrk="0" hangingPunct="1">
+        <a:defRPr sz="1800" kern="1200">
           <a:solidFill>
             <a:schemeClr val="tx1"/>
           </a:solidFill>
@@ -2675,16 +6615,8 @@
           <a:cs typeface="+mn-cs"/>
         </a:defRPr>
       </a:lvl2pPr>
-      <a:lvl3pPr marL="1143000" indent="-228600" algn="l" defTabSz="914400" rtl="0" eaLnBrk="1" latinLnBrk="0" hangingPunct="1">
-        <a:lnSpc>
-          <a:spcPct val="90000"/>
-        </a:lnSpc>
-        <a:spcBef>
-          <a:spcPts val="500"/>
-        </a:spcBef>
-        <a:buFont typeface="Arial" panose="020B0604020202020204" pitchFamily="34" charset="0"/>
-        <a:buChar char="•"/>
-        <a:defRPr sz="2000" kern="1200">
+      <a:lvl3pPr marL="914400" algn="l" defTabSz="457200" rtl="0" eaLnBrk="1" latinLnBrk="0" hangingPunct="1">
+        <a:defRPr sz="1800" kern="1200">
           <a:solidFill>
             <a:schemeClr val="tx1"/>
           </a:solidFill>
@@ -2693,15 +6625,7 @@
           <a:cs typeface="+mn-cs"/>
         </a:defRPr>
       </a:lvl3pPr>
-      <a:lvl4pPr marL="1600200" indent="-228600" algn="l" defTabSz="914400" rtl="0" eaLnBrk="1" latinLnBrk="0" hangingPunct="1">
-        <a:lnSpc>
-          <a:spcPct val="90000"/>
-        </a:lnSpc>
-        <a:spcBef>
-          <a:spcPts val="500"/>
-        </a:spcBef>
-        <a:buFont typeface="Arial" panose="020B0604020202020204" pitchFamily="34" charset="0"/>
-        <a:buChar char="•"/>
+      <a:lvl4pPr marL="1371600" algn="l" defTabSz="457200" rtl="0" eaLnBrk="1" latinLnBrk="0" hangingPunct="1">
         <a:defRPr sz="1800" kern="1200">
           <a:solidFill>
             <a:schemeClr val="tx1"/>
@@ -2711,15 +6635,7 @@
           <a:cs typeface="+mn-cs"/>
         </a:defRPr>
       </a:lvl4pPr>
-      <a:lvl5pPr marL="2057400" indent="-228600" algn="l" defTabSz="914400" rtl="0" eaLnBrk="1" latinLnBrk="0" hangingPunct="1">
-        <a:lnSpc>
-          <a:spcPct val="90000"/>
-        </a:lnSpc>
-        <a:spcBef>
-          <a:spcPts val="500"/>
-        </a:spcBef>
-        <a:buFont typeface="Arial" panose="020B0604020202020204" pitchFamily="34" charset="0"/>
-        <a:buChar char="•"/>
+      <a:lvl5pPr marL="1828800" algn="l" defTabSz="457200" rtl="0" eaLnBrk="1" latinLnBrk="0" hangingPunct="1">
         <a:defRPr sz="1800" kern="1200">
           <a:solidFill>
             <a:schemeClr val="tx1"/>
@@ -2729,15 +6645,7 @@
           <a:cs typeface="+mn-cs"/>
         </a:defRPr>
       </a:lvl5pPr>
-      <a:lvl6pPr marL="2514600" indent="-228600" algn="l" defTabSz="914400" rtl="0" eaLnBrk="1" latinLnBrk="0" hangingPunct="1">
-        <a:lnSpc>
-          <a:spcPct val="90000"/>
-        </a:lnSpc>
-        <a:spcBef>
-          <a:spcPts val="500"/>
-        </a:spcBef>
-        <a:buFont typeface="Arial" panose="020B0604020202020204" pitchFamily="34" charset="0"/>
-        <a:buChar char="•"/>
+      <a:lvl6pPr marL="2286000" algn="l" defTabSz="457200" rtl="0" eaLnBrk="1" latinLnBrk="0" hangingPunct="1">
         <a:defRPr sz="1800" kern="1200">
           <a:solidFill>
             <a:schemeClr val="tx1"/>
@@ -2747,15 +6655,7 @@
           <a:cs typeface="+mn-cs"/>
         </a:defRPr>
       </a:lvl6pPr>
-      <a:lvl7pPr marL="2971800" indent="-228600" algn="l" defTabSz="914400" rtl="0" eaLnBrk="1" latinLnBrk="0" hangingPunct="1">
-        <a:lnSpc>
-          <a:spcPct val="90000"/>
-        </a:lnSpc>
-        <a:spcBef>
-          <a:spcPts val="500"/>
-        </a:spcBef>
-        <a:buFont typeface="Arial" panose="020B0604020202020204" pitchFamily="34" charset="0"/>
-        <a:buChar char="•"/>
+      <a:lvl7pPr marL="2743200" algn="l" defTabSz="457200" rtl="0" eaLnBrk="1" latinLnBrk="0" hangingPunct="1">
         <a:defRPr sz="1800" kern="1200">
           <a:solidFill>
             <a:schemeClr val="tx1"/>
@@ -2765,15 +6665,7 @@
           <a:cs typeface="+mn-cs"/>
         </a:defRPr>
       </a:lvl7pPr>
-      <a:lvl8pPr marL="3429000" indent="-228600" algn="l" defTabSz="914400" rtl="0" eaLnBrk="1" latinLnBrk="0" hangingPunct="1">
-        <a:lnSpc>
-          <a:spcPct val="90000"/>
-        </a:lnSpc>
-        <a:spcBef>
-          <a:spcPts val="500"/>
-        </a:spcBef>
-        <a:buFont typeface="Arial" panose="020B0604020202020204" pitchFamily="34" charset="0"/>
-        <a:buChar char="•"/>
+      <a:lvl8pPr marL="3200400" algn="l" defTabSz="457200" rtl="0" eaLnBrk="1" latinLnBrk="0" hangingPunct="1">
         <a:defRPr sz="1800" kern="1200">
           <a:solidFill>
             <a:schemeClr val="tx1"/>
@@ -2783,110 +6675,7 @@
           <a:cs typeface="+mn-cs"/>
         </a:defRPr>
       </a:lvl8pPr>
-      <a:lvl9pPr marL="3886200" indent="-228600" algn="l" defTabSz="914400" rtl="0" eaLnBrk="1" latinLnBrk="0" hangingPunct="1">
-        <a:lnSpc>
-          <a:spcPct val="90000"/>
-        </a:lnSpc>
-        <a:spcBef>
-          <a:spcPts val="500"/>
-        </a:spcBef>
-        <a:buFont typeface="Arial" panose="020B0604020202020204" pitchFamily="34" charset="0"/>
-        <a:buChar char="•"/>
-        <a:defRPr sz="1800" kern="1200">
-          <a:solidFill>
-            <a:schemeClr val="tx1"/>
-          </a:solidFill>
-          <a:latin typeface="+mn-lt"/>
-          <a:ea typeface="+mn-ea"/>
-          <a:cs typeface="+mn-cs"/>
-        </a:defRPr>
-      </a:lvl9pPr>
-    </p:bodyStyle>
-    <p:otherStyle>
-      <a:defPPr>
-        <a:defRPr lang="en-US"/>
-      </a:defPPr>
-      <a:lvl1pPr marL="0" algn="l" defTabSz="914400" rtl="0" eaLnBrk="1" latinLnBrk="0" hangingPunct="1">
-        <a:defRPr sz="1800" kern="1200">
-          <a:solidFill>
-            <a:schemeClr val="tx1"/>
-          </a:solidFill>
-          <a:latin typeface="+mn-lt"/>
-          <a:ea typeface="+mn-ea"/>
-          <a:cs typeface="+mn-cs"/>
-        </a:defRPr>
-      </a:lvl1pPr>
-      <a:lvl2pPr marL="457200" algn="l" defTabSz="914400" rtl="0" eaLnBrk="1" latinLnBrk="0" hangingPunct="1">
-        <a:defRPr sz="1800" kern="1200">
-          <a:solidFill>
-            <a:schemeClr val="tx1"/>
-          </a:solidFill>
-          <a:latin typeface="+mn-lt"/>
-          <a:ea typeface="+mn-ea"/>
-          <a:cs typeface="+mn-cs"/>
-        </a:defRPr>
-      </a:lvl2pPr>
-      <a:lvl3pPr marL="914400" algn="l" defTabSz="914400" rtl="0" eaLnBrk="1" latinLnBrk="0" hangingPunct="1">
-        <a:defRPr sz="1800" kern="1200">
-          <a:solidFill>
-            <a:schemeClr val="tx1"/>
-          </a:solidFill>
-          <a:latin typeface="+mn-lt"/>
-          <a:ea typeface="+mn-ea"/>
-          <a:cs typeface="+mn-cs"/>
-        </a:defRPr>
-      </a:lvl3pPr>
-      <a:lvl4pPr marL="1371600" algn="l" defTabSz="914400" rtl="0" eaLnBrk="1" latinLnBrk="0" hangingPunct="1">
-        <a:defRPr sz="1800" kern="1200">
-          <a:solidFill>
-            <a:schemeClr val="tx1"/>
-          </a:solidFill>
-          <a:latin typeface="+mn-lt"/>
-          <a:ea typeface="+mn-ea"/>
-          <a:cs typeface="+mn-cs"/>
-        </a:defRPr>
-      </a:lvl4pPr>
-      <a:lvl5pPr marL="1828800" algn="l" defTabSz="914400" rtl="0" eaLnBrk="1" latinLnBrk="0" hangingPunct="1">
-        <a:defRPr sz="1800" kern="1200">
-          <a:solidFill>
-            <a:schemeClr val="tx1"/>
-          </a:solidFill>
-          <a:latin typeface="+mn-lt"/>
-          <a:ea typeface="+mn-ea"/>
-          <a:cs typeface="+mn-cs"/>
-        </a:defRPr>
-      </a:lvl5pPr>
-      <a:lvl6pPr marL="2286000" algn="l" defTabSz="914400" rtl="0" eaLnBrk="1" latinLnBrk="0" hangingPunct="1">
-        <a:defRPr sz="1800" kern="1200">
-          <a:solidFill>
-            <a:schemeClr val="tx1"/>
-          </a:solidFill>
-          <a:latin typeface="+mn-lt"/>
-          <a:ea typeface="+mn-ea"/>
-          <a:cs typeface="+mn-cs"/>
-        </a:defRPr>
-      </a:lvl6pPr>
-      <a:lvl7pPr marL="2743200" algn="l" defTabSz="914400" rtl="0" eaLnBrk="1" latinLnBrk="0" hangingPunct="1">
-        <a:defRPr sz="1800" kern="1200">
-          <a:solidFill>
-            <a:schemeClr val="tx1"/>
-          </a:solidFill>
-          <a:latin typeface="+mn-lt"/>
-          <a:ea typeface="+mn-ea"/>
-          <a:cs typeface="+mn-cs"/>
-        </a:defRPr>
-      </a:lvl7pPr>
-      <a:lvl8pPr marL="3200400" algn="l" defTabSz="914400" rtl="0" eaLnBrk="1" latinLnBrk="0" hangingPunct="1">
-        <a:defRPr sz="1800" kern="1200">
-          <a:solidFill>
-            <a:schemeClr val="tx1"/>
-          </a:solidFill>
-          <a:latin typeface="+mn-lt"/>
-          <a:ea typeface="+mn-ea"/>
-          <a:cs typeface="+mn-cs"/>
-        </a:defRPr>
-      </a:lvl8pPr>
-      <a:lvl9pPr marL="3657600" algn="l" defTabSz="914400" rtl="0" eaLnBrk="1" latinLnBrk="0" hangingPunct="1">
+      <a:lvl9pPr marL="3657600" algn="l" defTabSz="457200" rtl="0" eaLnBrk="1" latinLnBrk="0" hangingPunct="1">
         <a:defRPr sz="1800" kern="1200">
           <a:solidFill>
             <a:schemeClr val="tx1"/>
@@ -2928,7 +6717,12 @@
             <p:ph type="ctrTitle"/>
           </p:nvPr>
         </p:nvSpPr>
-        <p:spPr/>
+        <p:spPr>
+          <a:xfrm>
+            <a:off x="2219665" y="2379945"/>
+            <a:ext cx="8825658" cy="1533140"/>
+          </a:xfrm>
+        </p:spPr>
         <p:txBody>
           <a:bodyPr/>
           <a:lstStyle/>
@@ -2960,10 +6754,56 @@
           </a:p>
         </p:txBody>
       </p:sp>
+      <p:pic>
+        <p:nvPicPr>
+          <p:cNvPr id="1026" name="Picture 2" descr="http://www.st3pp.com/wp-content/uploads/2013/08/Qualitycenter.png"/>
+          <p:cNvPicPr>
+            <a:picLocks noChangeAspect="1" noChangeArrowheads="1"/>
+          </p:cNvPicPr>
+          <p:nvPr/>
+        </p:nvPicPr>
+        <p:blipFill>
+          <a:blip r:embed="rId2" cstate="print">
+            <a:extLst>
+              <a:ext uri="{28A0092B-C50C-407E-A947-70E740481C1C}">
+                <a14:useLocalDpi xmlns:a14="http://schemas.microsoft.com/office/drawing/2010/main" val="0"/>
+              </a:ext>
+            </a:extLst>
+          </a:blip>
+          <a:srcRect/>
+          <a:stretch>
+            <a:fillRect/>
+          </a:stretch>
+        </p:blipFill>
+        <p:spPr bwMode="auto">
+          <a:xfrm>
+            <a:off x="9111248" y="165967"/>
+            <a:ext cx="3080752" cy="1747383"/>
+          </a:xfrm>
+          <a:prstGeom prst="rect">
+            <a:avLst/>
+          </a:prstGeom>
+          <a:ln>
+            <a:noFill/>
+          </a:ln>
+          <a:effectLst>
+            <a:softEdge rad="112500"/>
+          </a:effectLst>
+          <a:extLst>
+            <a:ext uri="{909E8E84-426E-40DD-AFC4-6F175D3DCCD1}">
+              <a14:hiddenFill xmlns:a14="http://schemas.microsoft.com/office/drawing/2010/main">
+                <a:solidFill>
+                  <a:srgbClr val="FFFFFF"/>
+                </a:solidFill>
+              </a14:hiddenFill>
+            </a:ext>
+          </a:extLst>
+        </p:spPr>
+      </p:pic>
     </p:spTree>
     <p:extLst>
       <p:ext uri="{BB962C8B-B14F-4D97-AF65-F5344CB8AC3E}">
-        <p14:creationId xmlns:p14="http://schemas.microsoft.com/office/powerpoint/2010/main" val="2280584692"/>
+        <p14:creationId xmlns:p14="http://schemas.microsoft.com/office/powerpoint/2010/main" val="3680437579"/>
       </p:ext>
     </p:extLst>
   </p:cSld>
@@ -3006,10 +6846,10 @@
           <a:lstStyle/>
           <a:p>
             <a:r>
-              <a:rPr lang="en-US" dirty="0" smtClean="0"/>
+              <a:rPr lang="en-US" b="1" dirty="0" smtClean="0"/>
               <a:t>Defect management</a:t>
             </a:r>
-            <a:endParaRPr lang="bg-BG" dirty="0"/>
+            <a:endParaRPr lang="bg-BG" b="1" dirty="0"/>
           </a:p>
         </p:txBody>
       </p:sp>
@@ -3023,41 +6863,142 @@
             <p:ph idx="1"/>
           </p:nvPr>
         </p:nvSpPr>
-        <p:spPr/>
-        <p:txBody>
-          <a:bodyPr/>
+        <p:spPr>
+          <a:xfrm>
+            <a:off x="2357132" y="1917659"/>
+            <a:ext cx="9233424" cy="3942433"/>
+          </a:xfrm>
+        </p:spPr>
+        <p:txBody>
+          <a:bodyPr>
+            <a:normAutofit/>
+          </a:bodyPr>
           <a:lstStyle/>
           <a:p>
             <a:r>
-              <a:rPr lang="en-US" dirty="0"/>
+              <a:rPr lang="en-US" sz="2800" b="1" dirty="0">
+                <a:effectLst>
+                  <a:outerShdw blurRad="38100" dist="38100" dir="2700000" algn="tl">
+                    <a:srgbClr val="000000">
+                      <a:alpha val="43137"/>
+                    </a:srgbClr>
+                  </a:outerShdw>
+                </a:effectLst>
+              </a:rPr>
               <a:t>Testers can create functional, performance, and application security defects manually or directly from the execution of manual and automated </a:t>
             </a:r>
             <a:r>
-              <a:rPr lang="en-US" dirty="0" smtClean="0"/>
+              <a:rPr lang="en-US" sz="2800" b="1" dirty="0" smtClean="0">
+                <a:effectLst>
+                  <a:outerShdw blurRad="38100" dist="38100" dir="2700000" algn="tl">
+                    <a:srgbClr val="000000">
+                      <a:alpha val="43137"/>
+                    </a:srgbClr>
+                  </a:outerShdw>
+                </a:effectLst>
+              </a:rPr>
               <a:t>tests</a:t>
             </a:r>
           </a:p>
           <a:p>
             <a:r>
-              <a:rPr lang="en-US" dirty="0"/>
+              <a:rPr lang="en-US" sz="2800" b="1" dirty="0">
+                <a:effectLst>
+                  <a:outerShdw blurRad="38100" dist="38100" dir="2700000" algn="tl">
+                    <a:srgbClr val="000000">
+                      <a:alpha val="43137"/>
+                    </a:srgbClr>
+                  </a:outerShdw>
+                </a:effectLst>
+              </a:rPr>
               <a:t>Testers can communicate </a:t>
             </a:r>
             <a:r>
-              <a:rPr lang="en-US" dirty="0" smtClean="0"/>
+              <a:rPr lang="en-US" sz="2800" b="1" dirty="0" smtClean="0">
+                <a:effectLst>
+                  <a:outerShdw blurRad="38100" dist="38100" dir="2700000" algn="tl">
+                    <a:srgbClr val="000000">
+                      <a:alpha val="43137"/>
+                    </a:srgbClr>
+                  </a:outerShdw>
+                </a:effectLst>
+              </a:rPr>
               <a:t>defects to </a:t>
             </a:r>
             <a:r>
-              <a:rPr lang="en-US" dirty="0"/>
+              <a:rPr lang="en-US" sz="2800" b="1" dirty="0">
+                <a:effectLst>
+                  <a:outerShdw blurRad="38100" dist="38100" dir="2700000" algn="tl">
+                    <a:srgbClr val="000000">
+                      <a:alpha val="43137"/>
+                    </a:srgbClr>
+                  </a:outerShdw>
+                </a:effectLst>
+              </a:rPr>
               <a:t>developers with context from linked requirements and test execution results</a:t>
             </a:r>
-            <a:endParaRPr lang="bg-BG" dirty="0"/>
-          </a:p>
-        </p:txBody>
-      </p:sp>
+            <a:endParaRPr lang="bg-BG" sz="2800" b="1" dirty="0">
+              <a:effectLst>
+                <a:outerShdw blurRad="38100" dist="38100" dir="2700000" algn="tl">
+                  <a:srgbClr val="000000">
+                    <a:alpha val="43137"/>
+                  </a:srgbClr>
+                </a:outerShdw>
+              </a:effectLst>
+            </a:endParaRPr>
+          </a:p>
+        </p:txBody>
+      </p:sp>
+      <p:pic>
+        <p:nvPicPr>
+          <p:cNvPr id="4" name="Picture 2" descr="http://www.st3pp.com/wp-content/uploads/2013/08/Qualitycenter.png"/>
+          <p:cNvPicPr>
+            <a:picLocks noChangeAspect="1" noChangeArrowheads="1"/>
+          </p:cNvPicPr>
+          <p:nvPr/>
+        </p:nvPicPr>
+        <p:blipFill>
+          <a:blip r:embed="rId2" cstate="print">
+            <a:extLst>
+              <a:ext uri="{28A0092B-C50C-407E-A947-70E740481C1C}">
+                <a14:useLocalDpi xmlns:a14="http://schemas.microsoft.com/office/drawing/2010/main" val="0"/>
+              </a:ext>
+            </a:extLst>
+          </a:blip>
+          <a:srcRect/>
+          <a:stretch>
+            <a:fillRect/>
+          </a:stretch>
+        </p:blipFill>
+        <p:spPr bwMode="auto">
+          <a:xfrm>
+            <a:off x="9111248" y="165967"/>
+            <a:ext cx="3080752" cy="1747383"/>
+          </a:xfrm>
+          <a:prstGeom prst="rect">
+            <a:avLst/>
+          </a:prstGeom>
+          <a:ln>
+            <a:noFill/>
+          </a:ln>
+          <a:effectLst>
+            <a:softEdge rad="112500"/>
+          </a:effectLst>
+          <a:extLst>
+            <a:ext uri="{909E8E84-426E-40DD-AFC4-6F175D3DCCD1}">
+              <a14:hiddenFill xmlns:a14="http://schemas.microsoft.com/office/drawing/2010/main">
+                <a:solidFill>
+                  <a:srgbClr val="FFFFFF"/>
+                </a:solidFill>
+              </a14:hiddenFill>
+            </a:ext>
+          </a:extLst>
+        </p:spPr>
+      </p:pic>
     </p:spTree>
     <p:extLst>
       <p:ext uri="{BB962C8B-B14F-4D97-AF65-F5344CB8AC3E}">
-        <p14:creationId xmlns:p14="http://schemas.microsoft.com/office/powerpoint/2010/main" val="2529221182"/>
+        <p14:creationId xmlns:p14="http://schemas.microsoft.com/office/powerpoint/2010/main" val="3070323729"/>
       </p:ext>
     </p:extLst>
   </p:cSld>
@@ -3100,10 +7041,10 @@
           <a:lstStyle/>
           <a:p>
             <a:r>
-              <a:rPr lang="en-US" dirty="0" smtClean="0"/>
-              <a:t>Reporting and graphing</a:t>
-            </a:r>
-            <a:endParaRPr lang="bg-BG" dirty="0"/>
+              <a:rPr lang="en-US" b="1" dirty="0" smtClean="0"/>
+              <a:t>Reporting</a:t>
+            </a:r>
+            <a:endParaRPr lang="bg-BG" b="1" dirty="0"/>
           </a:p>
         </p:txBody>
       </p:sp>
@@ -3117,51 +7058,192 @@
             <p:ph idx="1"/>
           </p:nvPr>
         </p:nvSpPr>
-        <p:spPr/>
-        <p:txBody>
-          <a:bodyPr/>
+        <p:spPr>
+          <a:xfrm>
+            <a:off x="2307027" y="1967764"/>
+            <a:ext cx="9233424" cy="3942433"/>
+          </a:xfrm>
+        </p:spPr>
+        <p:txBody>
+          <a:bodyPr>
+            <a:normAutofit/>
+          </a:bodyPr>
           <a:lstStyle/>
           <a:p>
             <a:r>
-              <a:rPr lang="en-US" dirty="0" smtClean="0"/>
+              <a:rPr lang="en-US" sz="2800" b="1" dirty="0" smtClean="0">
+                <a:effectLst>
+                  <a:outerShdw blurRad="38100" dist="38100" dir="2700000" algn="tl">
+                    <a:srgbClr val="000000">
+                      <a:alpha val="43137"/>
+                    </a:srgbClr>
+                  </a:outerShdw>
+                </a:effectLst>
+              </a:rPr>
               <a:t>Integrated </a:t>
             </a:r>
             <a:r>
-              <a:rPr lang="en-US" dirty="0"/>
+              <a:rPr lang="en-US" sz="2800" b="1" dirty="0">
+                <a:effectLst>
+                  <a:outerShdw blurRad="38100" dist="38100" dir="2700000" algn="tl">
+                    <a:srgbClr val="000000">
+                      <a:alpha val="43137"/>
+                    </a:srgbClr>
+                  </a:outerShdw>
+                </a:effectLst>
+              </a:rPr>
               <a:t>dashboard </a:t>
             </a:r>
             <a:r>
-              <a:rPr lang="en-US" dirty="0" smtClean="0"/>
+              <a:rPr lang="en-US" sz="2800" b="1" dirty="0" smtClean="0">
+                <a:effectLst>
+                  <a:outerShdw blurRad="38100" dist="38100" dir="2700000" algn="tl">
+                    <a:srgbClr val="000000">
+                      <a:alpha val="43137"/>
+                    </a:srgbClr>
+                  </a:outerShdw>
+                </a:effectLst>
+              </a:rPr>
               <a:t>module for management reporting</a:t>
             </a:r>
           </a:p>
           <a:p>
             <a:r>
-              <a:rPr lang="en-US" dirty="0" smtClean="0"/>
+              <a:rPr lang="en-US" sz="2800" b="1" dirty="0" smtClean="0">
+                <a:effectLst>
+                  <a:outerShdw blurRad="38100" dist="38100" dir="2700000" algn="tl">
+                    <a:srgbClr val="000000">
+                      <a:alpha val="43137"/>
+                    </a:srgbClr>
+                  </a:outerShdw>
+                </a:effectLst>
+              </a:rPr>
               <a:t>Export </a:t>
             </a:r>
             <a:r>
-              <a:rPr lang="en-US" dirty="0"/>
+              <a:rPr lang="en-US" sz="2800" b="1" dirty="0">
+                <a:effectLst>
+                  <a:outerShdw blurRad="38100" dist="38100" dir="2700000" algn="tl">
+                    <a:srgbClr val="000000">
+                      <a:alpha val="43137"/>
+                    </a:srgbClr>
+                  </a:outerShdw>
+                </a:effectLst>
+              </a:rPr>
               <a:t>a report source into Microsoft </a:t>
             </a:r>
             <a:r>
-              <a:rPr lang="en-US" dirty="0" smtClean="0"/>
+              <a:rPr lang="en-US" sz="2800" b="1" dirty="0" smtClean="0">
+                <a:effectLst>
+                  <a:outerShdw blurRad="38100" dist="38100" dir="2700000" algn="tl">
+                    <a:srgbClr val="000000">
+                      <a:alpha val="43137"/>
+                    </a:srgbClr>
+                  </a:outerShdw>
+                </a:effectLst>
+              </a:rPr>
               <a:t>Excel</a:t>
             </a:r>
           </a:p>
           <a:p>
             <a:r>
-              <a:rPr lang="en-US" dirty="0"/>
-              <a:t>Build-in document generator allows you to push requirements, tests, defects, and their associated data to a Microsoft Word document</a:t>
-            </a:r>
-            <a:endParaRPr lang="bg-BG" dirty="0"/>
-          </a:p>
-        </p:txBody>
-      </p:sp>
+              <a:rPr lang="en-US" sz="2800" b="1" dirty="0">
+                <a:effectLst>
+                  <a:outerShdw blurRad="38100" dist="38100" dir="2700000" algn="tl">
+                    <a:srgbClr val="000000">
+                      <a:alpha val="43137"/>
+                    </a:srgbClr>
+                  </a:outerShdw>
+                </a:effectLst>
+              </a:rPr>
+              <a:t>Build-in document generator allows </a:t>
+            </a:r>
+            <a:r>
+              <a:rPr lang="en-US" sz="2800" b="1" dirty="0" smtClean="0">
+                <a:effectLst>
+                  <a:outerShdw blurRad="38100" dist="38100" dir="2700000" algn="tl">
+                    <a:srgbClr val="000000">
+                      <a:alpha val="43137"/>
+                    </a:srgbClr>
+                  </a:outerShdw>
+                </a:effectLst>
+              </a:rPr>
+              <a:t>pushing </a:t>
+            </a:r>
+            <a:r>
+              <a:rPr lang="en-US" sz="2800" b="1" dirty="0">
+                <a:effectLst>
+                  <a:outerShdw blurRad="38100" dist="38100" dir="2700000" algn="tl">
+                    <a:srgbClr val="000000">
+                      <a:alpha val="43137"/>
+                    </a:srgbClr>
+                  </a:outerShdw>
+                </a:effectLst>
+              </a:rPr>
+              <a:t>requirements, tests, defects, and their associated data to a Microsoft Word document</a:t>
+            </a:r>
+            <a:endParaRPr lang="bg-BG" sz="2800" b="1" dirty="0">
+              <a:effectLst>
+                <a:outerShdw blurRad="38100" dist="38100" dir="2700000" algn="tl">
+                  <a:srgbClr val="000000">
+                    <a:alpha val="43137"/>
+                  </a:srgbClr>
+                </a:outerShdw>
+              </a:effectLst>
+            </a:endParaRPr>
+          </a:p>
+        </p:txBody>
+      </p:sp>
+      <p:pic>
+        <p:nvPicPr>
+          <p:cNvPr id="4" name="Picture 2" descr="http://www.st3pp.com/wp-content/uploads/2013/08/Qualitycenter.png"/>
+          <p:cNvPicPr>
+            <a:picLocks noChangeAspect="1" noChangeArrowheads="1"/>
+          </p:cNvPicPr>
+          <p:nvPr/>
+        </p:nvPicPr>
+        <p:blipFill>
+          <a:blip r:embed="rId2" cstate="print">
+            <a:extLst>
+              <a:ext uri="{28A0092B-C50C-407E-A947-70E740481C1C}">
+                <a14:useLocalDpi xmlns:a14="http://schemas.microsoft.com/office/drawing/2010/main" val="0"/>
+              </a:ext>
+            </a:extLst>
+          </a:blip>
+          <a:srcRect/>
+          <a:stretch>
+            <a:fillRect/>
+          </a:stretch>
+        </p:blipFill>
+        <p:spPr bwMode="auto">
+          <a:xfrm>
+            <a:off x="9111248" y="165967"/>
+            <a:ext cx="3080752" cy="1747383"/>
+          </a:xfrm>
+          <a:prstGeom prst="rect">
+            <a:avLst/>
+          </a:prstGeom>
+          <a:ln>
+            <a:noFill/>
+          </a:ln>
+          <a:effectLst>
+            <a:softEdge rad="112500"/>
+          </a:effectLst>
+          <a:extLst>
+            <a:ext uri="{909E8E84-426E-40DD-AFC4-6F175D3DCCD1}">
+              <a14:hiddenFill xmlns:a14="http://schemas.microsoft.com/office/drawing/2010/main">
+                <a:solidFill>
+                  <a:srgbClr val="FFFFFF"/>
+                </a:solidFill>
+              </a14:hiddenFill>
+            </a:ext>
+          </a:extLst>
+        </p:spPr>
+      </p:pic>
     </p:spTree>
     <p:extLst>
       <p:ext uri="{BB962C8B-B14F-4D97-AF65-F5344CB8AC3E}">
-        <p14:creationId xmlns:p14="http://schemas.microsoft.com/office/powerpoint/2010/main" val="2175898645"/>
+        <p14:creationId xmlns:p14="http://schemas.microsoft.com/office/powerpoint/2010/main" val="1801310745"/>
       </p:ext>
     </p:extLst>
   </p:cSld>
@@ -3205,9 +7287,13 @@
           <a:p>
             <a:r>
               <a:rPr lang="en-US" dirty="0" smtClean="0"/>
-              <a:t>1. Overview</a:t>
-            </a:r>
-            <a:endParaRPr lang="bg-BG" dirty="0"/>
+              <a:t> </a:t>
+            </a:r>
+            <a:r>
+              <a:rPr lang="en-US" b="1" dirty="0" smtClean="0"/>
+              <a:t>Overview</a:t>
+            </a:r>
+            <a:endParaRPr lang="bg-BG" b="1" dirty="0"/>
           </a:p>
         </p:txBody>
       </p:sp>
@@ -3221,56 +7307,203 @@
             <p:ph idx="1"/>
           </p:nvPr>
         </p:nvSpPr>
-        <p:spPr/>
-        <p:txBody>
-          <a:bodyPr/>
+        <p:spPr>
+          <a:xfrm>
+            <a:off x="2256921" y="1804925"/>
+            <a:ext cx="9233424" cy="4320303"/>
+          </a:xfrm>
+        </p:spPr>
+        <p:txBody>
+          <a:bodyPr>
+            <a:noAutofit/>
+          </a:bodyPr>
           <a:lstStyle/>
           <a:p>
-            <a:pPr marL="0" indent="0">
-              <a:buNone/>
-            </a:pPr>
-            <a:r>
-              <a:rPr lang="en-US" dirty="0" smtClean="0"/>
-              <a:t>Proprietary quality assurance software available both as desktop and web application</a:t>
-            </a:r>
-          </a:p>
-          <a:p>
-            <a:pPr marL="0" indent="0">
-              <a:buNone/>
-            </a:pPr>
-            <a:endParaRPr lang="en-US" dirty="0" smtClean="0"/>
-          </a:p>
-          <a:p>
-            <a:pPr marL="0" indent="0">
-              <a:buNone/>
-            </a:pPr>
-            <a:r>
-              <a:rPr lang="en-US" dirty="0" smtClean="0"/>
-              <a:t>Developed by Hewlett Packard in collaboration with Mercury Interactive</a:t>
-            </a:r>
-          </a:p>
-          <a:p>
-            <a:pPr marL="0" indent="0">
-              <a:buNone/>
-            </a:pPr>
-            <a:endParaRPr lang="en-US" dirty="0" smtClean="0"/>
-          </a:p>
-          <a:p>
-            <a:pPr marL="0" indent="0">
-              <a:buNone/>
-            </a:pPr>
-            <a:r>
-              <a:rPr lang="en-US" dirty="0" smtClean="0"/>
-              <a:t>Unified, scalable platform that drives collaboration between business analysts </a:t>
-            </a:r>
-            <a:endParaRPr lang="en-US" dirty="0"/>
-          </a:p>
-        </p:txBody>
-      </p:sp>
+            <a:r>
+              <a:rPr lang="en-US" sz="2800" b="1" dirty="0" smtClean="0">
+                <a:effectLst>
+                  <a:outerShdw blurRad="38100" dist="38100" dir="2700000" algn="tl">
+                    <a:srgbClr val="000000">
+                      <a:alpha val="43137"/>
+                    </a:srgbClr>
+                  </a:outerShdw>
+                </a:effectLst>
+              </a:rPr>
+              <a:t>Quality </a:t>
+            </a:r>
+            <a:r>
+              <a:rPr lang="en-US" sz="2800" b="1" dirty="0">
+                <a:effectLst>
+                  <a:outerShdw blurRad="38100" dist="38100" dir="2700000" algn="tl">
+                    <a:srgbClr val="000000">
+                      <a:alpha val="43137"/>
+                    </a:srgbClr>
+                  </a:outerShdw>
+                </a:effectLst>
+              </a:rPr>
+              <a:t>Center is a test management software </a:t>
+            </a:r>
+            <a:r>
+              <a:rPr lang="en-US" sz="2800" b="1" dirty="0" smtClean="0">
+                <a:effectLst>
+                  <a:outerShdw blurRad="38100" dist="38100" dir="2700000" algn="tl">
+                    <a:srgbClr val="000000">
+                      <a:alpha val="43137"/>
+                    </a:srgbClr>
+                  </a:outerShdw>
+                </a:effectLst>
+              </a:rPr>
+              <a:t>available both as desktop and web application</a:t>
+            </a:r>
+          </a:p>
+          <a:p>
+            <a:r>
+              <a:rPr lang="en-US" sz="2800" b="1" dirty="0" smtClean="0">
+                <a:effectLst>
+                  <a:outerShdw blurRad="38100" dist="38100" dir="2700000" algn="tl">
+                    <a:srgbClr val="000000">
+                      <a:alpha val="43137"/>
+                    </a:srgbClr>
+                  </a:outerShdw>
+                </a:effectLst>
+              </a:rPr>
+              <a:t>Developed </a:t>
+            </a:r>
+            <a:r>
+              <a:rPr lang="en-US" sz="2800" b="1" dirty="0" smtClean="0">
+                <a:effectLst>
+                  <a:outerShdw blurRad="38100" dist="38100" dir="2700000" algn="tl">
+                    <a:srgbClr val="000000">
+                      <a:alpha val="43137"/>
+                    </a:srgbClr>
+                  </a:outerShdw>
+                </a:effectLst>
+              </a:rPr>
+              <a:t>by Hewlett Packard in collaboration with Mercury Interactive</a:t>
+            </a:r>
+          </a:p>
+          <a:p>
+            <a:r>
+              <a:rPr lang="en-US" sz="2800" b="1" dirty="0" smtClean="0">
+                <a:effectLst>
+                  <a:outerShdw blurRad="38100" dist="38100" dir="2700000" algn="tl">
+                    <a:srgbClr val="000000">
+                      <a:alpha val="43137"/>
+                    </a:srgbClr>
+                  </a:outerShdw>
+                </a:effectLst>
+              </a:rPr>
+              <a:t>Offers </a:t>
+            </a:r>
+            <a:r>
+              <a:rPr lang="en-US" sz="2800" b="1" dirty="0">
+                <a:effectLst>
+                  <a:outerShdw blurRad="38100" dist="38100" dir="2700000" algn="tl">
+                    <a:srgbClr val="000000">
+                      <a:alpha val="43137"/>
+                    </a:srgbClr>
+                  </a:outerShdw>
+                </a:effectLst>
+              </a:rPr>
+              <a:t>an organized framework for testing </a:t>
+            </a:r>
+            <a:r>
+              <a:rPr lang="en-US" sz="2800" b="1" dirty="0" smtClean="0">
+                <a:effectLst>
+                  <a:outerShdw blurRad="38100" dist="38100" dir="2700000" algn="tl">
+                    <a:srgbClr val="000000">
+                      <a:alpha val="43137"/>
+                    </a:srgbClr>
+                  </a:outerShdw>
+                </a:effectLst>
+              </a:rPr>
+              <a:t>applications</a:t>
+            </a:r>
+            <a:endParaRPr lang="en-US" sz="2800" b="1" dirty="0" smtClean="0">
+              <a:effectLst>
+                <a:outerShdw blurRad="38100" dist="38100" dir="2700000" algn="tl">
+                  <a:srgbClr val="000000">
+                    <a:alpha val="43137"/>
+                  </a:srgbClr>
+                </a:outerShdw>
+              </a:effectLst>
+            </a:endParaRPr>
+          </a:p>
+          <a:p>
+            <a:r>
+              <a:rPr lang="en-US" sz="2800" b="1" dirty="0" smtClean="0">
+                <a:effectLst>
+                  <a:outerShdw blurRad="38100" dist="38100" dir="2700000" algn="tl">
+                    <a:srgbClr val="000000">
+                      <a:alpha val="43137"/>
+                    </a:srgbClr>
+                  </a:outerShdw>
+                </a:effectLst>
+              </a:rPr>
+              <a:t>Helps managing the whole testing process and maintaining a project database of tests that cover all aspects of application’s functionality</a:t>
+            </a:r>
+            <a:endParaRPr lang="en-US" sz="2800" b="1" dirty="0">
+              <a:effectLst>
+                <a:outerShdw blurRad="38100" dist="38100" dir="2700000" algn="tl">
+                  <a:srgbClr val="000000">
+                    <a:alpha val="43137"/>
+                  </a:srgbClr>
+                </a:outerShdw>
+              </a:effectLst>
+            </a:endParaRPr>
+          </a:p>
+        </p:txBody>
+      </p:sp>
+      <p:pic>
+        <p:nvPicPr>
+          <p:cNvPr id="4" name="Picture 2" descr="http://www.st3pp.com/wp-content/uploads/2013/08/Qualitycenter.png"/>
+          <p:cNvPicPr>
+            <a:picLocks noChangeAspect="1" noChangeArrowheads="1"/>
+          </p:cNvPicPr>
+          <p:nvPr/>
+        </p:nvPicPr>
+        <p:blipFill>
+          <a:blip r:embed="rId2" cstate="print">
+            <a:extLst>
+              <a:ext uri="{28A0092B-C50C-407E-A947-70E740481C1C}">
+                <a14:useLocalDpi xmlns:a14="http://schemas.microsoft.com/office/drawing/2010/main" val="0"/>
+              </a:ext>
+            </a:extLst>
+          </a:blip>
+          <a:srcRect/>
+          <a:stretch>
+            <a:fillRect/>
+          </a:stretch>
+        </p:blipFill>
+        <p:spPr bwMode="auto">
+          <a:xfrm>
+            <a:off x="9111248" y="165967"/>
+            <a:ext cx="3080752" cy="1747383"/>
+          </a:xfrm>
+          <a:prstGeom prst="rect">
+            <a:avLst/>
+          </a:prstGeom>
+          <a:ln>
+            <a:noFill/>
+          </a:ln>
+          <a:effectLst>
+            <a:softEdge rad="112500"/>
+          </a:effectLst>
+          <a:extLst>
+            <a:ext uri="{909E8E84-426E-40DD-AFC4-6F175D3DCCD1}">
+              <a14:hiddenFill xmlns:a14="http://schemas.microsoft.com/office/drawing/2010/main">
+                <a:solidFill>
+                  <a:srgbClr val="FFFFFF"/>
+                </a:solidFill>
+              </a14:hiddenFill>
+            </a:ext>
+          </a:extLst>
+        </p:spPr>
+      </p:pic>
     </p:spTree>
     <p:extLst>
       <p:ext uri="{BB962C8B-B14F-4D97-AF65-F5344CB8AC3E}">
-        <p14:creationId xmlns:p14="http://schemas.microsoft.com/office/powerpoint/2010/main" val="3540308935"/>
+        <p14:creationId xmlns:p14="http://schemas.microsoft.com/office/powerpoint/2010/main" val="2139458275"/>
       </p:ext>
     </p:extLst>
   </p:cSld>
@@ -3307,16 +7540,25 @@
             <p:ph type="title"/>
           </p:nvPr>
         </p:nvSpPr>
-        <p:spPr/>
+        <p:spPr>
+          <a:xfrm>
+            <a:off x="733794" y="490296"/>
+            <a:ext cx="9404723" cy="1400530"/>
+          </a:xfrm>
+        </p:spPr>
         <p:txBody>
           <a:bodyPr/>
           <a:lstStyle/>
           <a:p>
             <a:r>
-              <a:rPr lang="en-US" dirty="0" smtClean="0"/>
-              <a:t>2. Key features</a:t>
-            </a:r>
-            <a:endParaRPr lang="bg-BG" dirty="0"/>
+              <a:rPr lang="en-US" b="1" dirty="0" smtClean="0"/>
+              <a:t>Key </a:t>
+            </a:r>
+            <a:r>
+              <a:rPr lang="en-US" b="1" dirty="0" smtClean="0"/>
+              <a:t>features</a:t>
+            </a:r>
+            <a:endParaRPr lang="bg-BG" b="1" dirty="0"/>
           </a:p>
         </p:txBody>
       </p:sp>
@@ -3330,65 +7572,190 @@
             <p:ph idx="1"/>
           </p:nvPr>
         </p:nvSpPr>
-        <p:spPr/>
-        <p:txBody>
-          <a:bodyPr/>
+        <p:spPr>
+          <a:xfrm>
+            <a:off x="2394708" y="1629561"/>
+            <a:ext cx="9233424" cy="3942433"/>
+          </a:xfrm>
+        </p:spPr>
+        <p:txBody>
+          <a:bodyPr>
+            <a:noAutofit/>
+          </a:bodyPr>
           <a:lstStyle/>
           <a:p>
             <a:r>
-              <a:rPr lang="en-US" dirty="0" smtClean="0"/>
+              <a:rPr lang="en-US" sz="2800" b="1" dirty="0" smtClean="0">
+                <a:effectLst>
+                  <a:outerShdw blurRad="38100" dist="38100" dir="2700000" algn="tl">
+                    <a:srgbClr val="000000">
+                      <a:alpha val="43137"/>
+                    </a:srgbClr>
+                  </a:outerShdw>
+                </a:effectLst>
+              </a:rPr>
               <a:t>Requirements management</a:t>
             </a:r>
           </a:p>
           <a:p>
             <a:r>
-              <a:rPr lang="en-US" dirty="0" smtClean="0"/>
+              <a:rPr lang="en-US" sz="2800" b="1" dirty="0" smtClean="0">
+                <a:effectLst>
+                  <a:outerShdw blurRad="38100" dist="38100" dir="2700000" algn="tl">
+                    <a:srgbClr val="000000">
+                      <a:alpha val="43137"/>
+                    </a:srgbClr>
+                  </a:outerShdw>
+                </a:effectLst>
+              </a:rPr>
               <a:t>Risk based test planning and management</a:t>
             </a:r>
           </a:p>
           <a:p>
             <a:r>
-              <a:rPr lang="en-US" dirty="0" smtClean="0"/>
+              <a:rPr lang="en-US" sz="2800" b="1" dirty="0" smtClean="0">
+                <a:effectLst>
+                  <a:outerShdw blurRad="38100" dist="38100" dir="2700000" algn="tl">
+                    <a:srgbClr val="000000">
+                      <a:alpha val="43137"/>
+                    </a:srgbClr>
+                  </a:outerShdw>
+                </a:effectLst>
+              </a:rPr>
               <a:t>Quality release and cycle management</a:t>
             </a:r>
           </a:p>
           <a:p>
             <a:r>
-              <a:rPr lang="en-US" dirty="0" smtClean="0"/>
+              <a:rPr lang="en-US" sz="2800" b="1" dirty="0" smtClean="0">
+                <a:effectLst>
+                  <a:outerShdw blurRad="38100" dist="38100" dir="2700000" algn="tl">
+                    <a:srgbClr val="000000">
+                      <a:alpha val="43137"/>
+                    </a:srgbClr>
+                  </a:outerShdw>
+                </a:effectLst>
+              </a:rPr>
               <a:t>Version control</a:t>
             </a:r>
           </a:p>
           <a:p>
             <a:r>
-              <a:rPr lang="en-US" dirty="0" smtClean="0"/>
+              <a:rPr lang="en-US" sz="2800" b="1" dirty="0" smtClean="0">
+                <a:effectLst>
+                  <a:outerShdw blurRad="38100" dist="38100" dir="2700000" algn="tl">
+                    <a:srgbClr val="000000">
+                      <a:alpha val="43137"/>
+                    </a:srgbClr>
+                  </a:outerShdw>
+                </a:effectLst>
+              </a:rPr>
               <a:t>Test scheduling and execution</a:t>
             </a:r>
           </a:p>
           <a:p>
             <a:r>
-              <a:rPr lang="en-US" dirty="0" smtClean="0"/>
+              <a:rPr lang="en-US" sz="2800" b="1" dirty="0" smtClean="0">
+                <a:effectLst>
+                  <a:outerShdw blurRad="38100" dist="38100" dir="2700000" algn="tl">
+                    <a:srgbClr val="000000">
+                      <a:alpha val="43137"/>
+                    </a:srgbClr>
+                  </a:outerShdw>
+                </a:effectLst>
+              </a:rPr>
               <a:t>HPE Sprinter – integrated manual testing</a:t>
             </a:r>
           </a:p>
           <a:p>
             <a:r>
-              <a:rPr lang="en-US" dirty="0" smtClean="0"/>
+              <a:rPr lang="en-US" sz="2800" b="1" dirty="0" smtClean="0">
+                <a:effectLst>
+                  <a:outerShdw blurRad="38100" dist="38100" dir="2700000" algn="tl">
+                    <a:srgbClr val="000000">
+                      <a:alpha val="43137"/>
+                    </a:srgbClr>
+                  </a:outerShdw>
+                </a:effectLst>
+              </a:rPr>
               <a:t>Defect management</a:t>
             </a:r>
           </a:p>
           <a:p>
             <a:r>
-              <a:rPr lang="en-US" dirty="0" smtClean="0"/>
+              <a:rPr lang="en-US" sz="2800" b="1" dirty="0" smtClean="0">
+                <a:effectLst>
+                  <a:outerShdw blurRad="38100" dist="38100" dir="2700000" algn="tl">
+                    <a:srgbClr val="000000">
+                      <a:alpha val="43137"/>
+                    </a:srgbClr>
+                  </a:outerShdw>
+                </a:effectLst>
+              </a:rPr>
               <a:t>Reporting and graphing</a:t>
             </a:r>
-            <a:endParaRPr lang="bg-BG" dirty="0"/>
-          </a:p>
-        </p:txBody>
-      </p:sp>
+            <a:endParaRPr lang="bg-BG" sz="2800" b="1" dirty="0">
+              <a:effectLst>
+                <a:outerShdw blurRad="38100" dist="38100" dir="2700000" algn="tl">
+                  <a:srgbClr val="000000">
+                    <a:alpha val="43137"/>
+                  </a:srgbClr>
+                </a:outerShdw>
+              </a:effectLst>
+            </a:endParaRPr>
+          </a:p>
+        </p:txBody>
+      </p:sp>
+      <p:pic>
+        <p:nvPicPr>
+          <p:cNvPr id="4" name="Picture 2" descr="http://www.st3pp.com/wp-content/uploads/2013/08/Qualitycenter.png"/>
+          <p:cNvPicPr>
+            <a:picLocks noChangeAspect="1" noChangeArrowheads="1"/>
+          </p:cNvPicPr>
+          <p:nvPr/>
+        </p:nvPicPr>
+        <p:blipFill>
+          <a:blip r:embed="rId2" cstate="print">
+            <a:extLst>
+              <a:ext uri="{28A0092B-C50C-407E-A947-70E740481C1C}">
+                <a14:useLocalDpi xmlns:a14="http://schemas.microsoft.com/office/drawing/2010/main" val="0"/>
+              </a:ext>
+            </a:extLst>
+          </a:blip>
+          <a:srcRect/>
+          <a:stretch>
+            <a:fillRect/>
+          </a:stretch>
+        </p:blipFill>
+        <p:spPr bwMode="auto">
+          <a:xfrm>
+            <a:off x="9111248" y="165967"/>
+            <a:ext cx="3080752" cy="1747383"/>
+          </a:xfrm>
+          <a:prstGeom prst="rect">
+            <a:avLst/>
+          </a:prstGeom>
+          <a:ln>
+            <a:noFill/>
+          </a:ln>
+          <a:effectLst>
+            <a:softEdge rad="112500"/>
+          </a:effectLst>
+          <a:extLst>
+            <a:ext uri="{909E8E84-426E-40DD-AFC4-6F175D3DCCD1}">
+              <a14:hiddenFill xmlns:a14="http://schemas.microsoft.com/office/drawing/2010/main">
+                <a:solidFill>
+                  <a:srgbClr val="FFFFFF"/>
+                </a:solidFill>
+              </a14:hiddenFill>
+            </a:ext>
+          </a:extLst>
+        </p:spPr>
+      </p:pic>
     </p:spTree>
     <p:extLst>
       <p:ext uri="{BB962C8B-B14F-4D97-AF65-F5344CB8AC3E}">
-        <p14:creationId xmlns:p14="http://schemas.microsoft.com/office/powerpoint/2010/main" val="2990579973"/>
+        <p14:creationId xmlns:p14="http://schemas.microsoft.com/office/powerpoint/2010/main" val="986302957"/>
       </p:ext>
     </p:extLst>
   </p:cSld>
@@ -3431,10 +7798,18 @@
           <a:lstStyle/>
           <a:p>
             <a:r>
+              <a:rPr lang="en-US" b="1" dirty="0" smtClean="0"/>
+              <a:t>Requirements</a:t>
+            </a:r>
+            <a:r>
               <a:rPr lang="en-US" dirty="0" smtClean="0"/>
-              <a:t>Requirements Management</a:t>
-            </a:r>
-            <a:endParaRPr lang="bg-BG" dirty="0"/>
+              <a:t> </a:t>
+            </a:r>
+            <a:r>
+              <a:rPr lang="en-US" b="1" dirty="0" smtClean="0"/>
+              <a:t>Management</a:t>
+            </a:r>
+            <a:endParaRPr lang="bg-BG" b="1" dirty="0"/>
           </a:p>
         </p:txBody>
       </p:sp>
@@ -3448,57 +7823,203 @@
             <p:ph idx="1"/>
           </p:nvPr>
         </p:nvSpPr>
-        <p:spPr/>
-        <p:txBody>
-          <a:bodyPr/>
+        <p:spPr>
+          <a:xfrm>
+            <a:off x="2319553" y="1804925"/>
+            <a:ext cx="9233424" cy="3942433"/>
+          </a:xfrm>
+        </p:spPr>
+        <p:txBody>
+          <a:bodyPr>
+            <a:normAutofit lnSpcReduction="10000"/>
+          </a:bodyPr>
           <a:lstStyle/>
           <a:p>
             <a:r>
-              <a:rPr lang="en-US" dirty="0"/>
+              <a:rPr lang="en-US" sz="2800" b="1" dirty="0">
+                <a:effectLst>
+                  <a:outerShdw blurRad="38100" dist="38100" dir="2700000" algn="tl">
+                    <a:srgbClr val="000000">
+                      <a:alpha val="43137"/>
+                    </a:srgbClr>
+                  </a:outerShdw>
+                </a:effectLst>
+              </a:rPr>
               <a:t>Standardizing requirements definition via configurable </a:t>
             </a:r>
             <a:r>
-              <a:rPr lang="en-US" dirty="0" smtClean="0"/>
+              <a:rPr lang="en-US" sz="2800" b="1" dirty="0" smtClean="0">
+                <a:effectLst>
+                  <a:outerShdw blurRad="38100" dist="38100" dir="2700000" algn="tl">
+                    <a:srgbClr val="000000">
+                      <a:alpha val="43137"/>
+                    </a:srgbClr>
+                  </a:outerShdw>
+                </a:effectLst>
+              </a:rPr>
               <a:t>templates</a:t>
             </a:r>
           </a:p>
           <a:p>
             <a:r>
-              <a:rPr lang="en-US" dirty="0" smtClean="0"/>
+              <a:rPr lang="en-US" sz="2800" b="1" dirty="0" smtClean="0">
+                <a:effectLst>
+                  <a:outerShdw blurRad="38100" dist="38100" dir="2700000" algn="tl">
+                    <a:srgbClr val="000000">
+                      <a:alpha val="43137"/>
+                    </a:srgbClr>
+                  </a:outerShdw>
+                </a:effectLst>
+              </a:rPr>
               <a:t>Ability </a:t>
             </a:r>
             <a:r>
-              <a:rPr lang="en-US" dirty="0"/>
+              <a:rPr lang="en-US" sz="2800" b="1" dirty="0">
+                <a:effectLst>
+                  <a:outerShdw blurRad="38100" dist="38100" dir="2700000" algn="tl">
+                    <a:srgbClr val="000000">
+                      <a:alpha val="43137"/>
+                    </a:srgbClr>
+                  </a:outerShdw>
+                </a:effectLst>
+              </a:rPr>
               <a:t>to view requirements coverage at project or release </a:t>
             </a:r>
             <a:r>
-              <a:rPr lang="en-US" dirty="0" smtClean="0"/>
+              <a:rPr lang="en-US" sz="2800" b="1" dirty="0" smtClean="0">
+                <a:effectLst>
+                  <a:outerShdw blurRad="38100" dist="38100" dir="2700000" algn="tl">
+                    <a:srgbClr val="000000">
+                      <a:alpha val="43137"/>
+                    </a:srgbClr>
+                  </a:outerShdw>
+                </a:effectLst>
+              </a:rPr>
               <a:t>level</a:t>
             </a:r>
           </a:p>
           <a:p>
             <a:r>
-              <a:rPr lang="en-US" dirty="0"/>
+              <a:rPr lang="en-US" sz="2800" b="1" dirty="0">
+                <a:effectLst>
+                  <a:outerShdw blurRad="38100" dist="38100" dir="2700000" algn="tl">
+                    <a:srgbClr val="000000">
+                      <a:alpha val="43137"/>
+                    </a:srgbClr>
+                  </a:outerShdw>
+                </a:effectLst>
+              </a:rPr>
+              <a:t>Link requirements directly to tests, developer tasks, and defects—to facilitate alignment with </a:t>
+            </a:r>
+            <a:r>
+              <a:rPr lang="en-US" sz="2800" b="1" dirty="0" smtClean="0">
+                <a:effectLst>
+                  <a:outerShdw blurRad="38100" dist="38100" dir="2700000" algn="tl">
+                    <a:srgbClr val="000000">
+                      <a:alpha val="43137"/>
+                    </a:srgbClr>
+                  </a:outerShdw>
+                </a:effectLst>
+              </a:rPr>
+              <a:t>change</a:t>
+            </a:r>
+            <a:endParaRPr lang="en-US" sz="2800" b="1" dirty="0" smtClean="0">
+              <a:effectLst>
+                <a:outerShdw blurRad="38100" dist="38100" dir="2700000" algn="tl">
+                  <a:srgbClr val="000000">
+                    <a:alpha val="43137"/>
+                  </a:srgbClr>
+                </a:outerShdw>
+              </a:effectLst>
+            </a:endParaRPr>
+          </a:p>
+          <a:p>
+            <a:r>
+              <a:rPr lang="en-US" sz="2800" b="1" dirty="0">
+                <a:effectLst>
+                  <a:outerShdw blurRad="38100" dist="38100" dir="2700000" algn="tl">
+                    <a:srgbClr val="000000">
+                      <a:alpha val="43137"/>
+                    </a:srgbClr>
+                  </a:outerShdw>
+                </a:effectLst>
+              </a:rPr>
               <a:t>Trace relationships between requirements, process paths, defects, and test </a:t>
             </a:r>
             <a:r>
-              <a:rPr lang="en-US" dirty="0" smtClean="0"/>
+              <a:rPr lang="en-US" sz="2800" b="1" dirty="0" smtClean="0">
+                <a:effectLst>
+                  <a:outerShdw blurRad="38100" dist="38100" dir="2700000" algn="tl">
+                    <a:srgbClr val="000000">
+                      <a:alpha val="43137"/>
+                    </a:srgbClr>
+                  </a:outerShdw>
+                </a:effectLst>
+              </a:rPr>
               <a:t>coverage</a:t>
             </a:r>
-          </a:p>
-          <a:p>
-            <a:r>
-              <a:rPr lang="en-US" dirty="0"/>
-              <a:t>Link requirements directly to tests, developer tasks, and defects—to facilitate alignment with change</a:t>
-            </a:r>
-            <a:endParaRPr lang="bg-BG" dirty="0"/>
-          </a:p>
-        </p:txBody>
-      </p:sp>
+            <a:endParaRPr lang="en-US" sz="2800" b="1" dirty="0" smtClean="0">
+              <a:effectLst>
+                <a:outerShdw blurRad="38100" dist="38100" dir="2700000" algn="tl">
+                  <a:srgbClr val="000000">
+                    <a:alpha val="43137"/>
+                  </a:srgbClr>
+                </a:outerShdw>
+              </a:effectLst>
+            </a:endParaRPr>
+          </a:p>
+        </p:txBody>
+      </p:sp>
+      <p:pic>
+        <p:nvPicPr>
+          <p:cNvPr id="4" name="Picture 2" descr="http://www.st3pp.com/wp-content/uploads/2013/08/Qualitycenter.png"/>
+          <p:cNvPicPr>
+            <a:picLocks noChangeAspect="1" noChangeArrowheads="1"/>
+          </p:cNvPicPr>
+          <p:nvPr/>
+        </p:nvPicPr>
+        <p:blipFill>
+          <a:blip r:embed="rId2" cstate="print">
+            <a:extLst>
+              <a:ext uri="{28A0092B-C50C-407E-A947-70E740481C1C}">
+                <a14:useLocalDpi xmlns:a14="http://schemas.microsoft.com/office/drawing/2010/main" val="0"/>
+              </a:ext>
+            </a:extLst>
+          </a:blip>
+          <a:srcRect/>
+          <a:stretch>
+            <a:fillRect/>
+          </a:stretch>
+        </p:blipFill>
+        <p:spPr bwMode="auto">
+          <a:xfrm>
+            <a:off x="9111248" y="165967"/>
+            <a:ext cx="3080752" cy="1747383"/>
+          </a:xfrm>
+          <a:prstGeom prst="rect">
+            <a:avLst/>
+          </a:prstGeom>
+          <a:ln>
+            <a:noFill/>
+          </a:ln>
+          <a:effectLst>
+            <a:softEdge rad="112500"/>
+          </a:effectLst>
+          <a:extLst>
+            <a:ext uri="{909E8E84-426E-40DD-AFC4-6F175D3DCCD1}">
+              <a14:hiddenFill xmlns:a14="http://schemas.microsoft.com/office/drawing/2010/main">
+                <a:solidFill>
+                  <a:srgbClr val="FFFFFF"/>
+                </a:solidFill>
+              </a14:hiddenFill>
+            </a:ext>
+          </a:extLst>
+        </p:spPr>
+      </p:pic>
     </p:spTree>
     <p:extLst>
       <p:ext uri="{BB962C8B-B14F-4D97-AF65-F5344CB8AC3E}">
-        <p14:creationId xmlns:p14="http://schemas.microsoft.com/office/powerpoint/2010/main" val="2213263222"/>
+        <p14:creationId xmlns:p14="http://schemas.microsoft.com/office/powerpoint/2010/main" val="2657148181"/>
       </p:ext>
     </p:extLst>
   </p:cSld>
@@ -3541,14 +8062,14 @@
           <a:lstStyle/>
           <a:p>
             <a:r>
-              <a:rPr lang="en-US" dirty="0"/>
+              <a:rPr lang="en-US" b="1" dirty="0"/>
               <a:t>Risk based test planning and </a:t>
             </a:r>
             <a:r>
-              <a:rPr lang="en-US" dirty="0" smtClean="0"/>
+              <a:rPr lang="en-US" b="1" dirty="0" smtClean="0"/>
               <a:t>management</a:t>
             </a:r>
-            <a:endParaRPr lang="bg-BG" dirty="0"/>
+            <a:endParaRPr lang="bg-BG" b="1" dirty="0"/>
           </a:p>
         </p:txBody>
       </p:sp>
@@ -3562,43 +8083,153 @@
             <p:ph idx="1"/>
           </p:nvPr>
         </p:nvSpPr>
-        <p:spPr/>
-        <p:txBody>
-          <a:bodyPr/>
+        <p:spPr>
+          <a:xfrm>
+            <a:off x="2292986" y="2276885"/>
+            <a:ext cx="9256012" cy="3560244"/>
+          </a:xfrm>
+        </p:spPr>
+        <p:txBody>
+          <a:bodyPr>
+            <a:normAutofit/>
+          </a:bodyPr>
           <a:lstStyle/>
           <a:p>
             <a:r>
-              <a:rPr lang="en-US" dirty="0" smtClean="0"/>
-              <a:t>Manage</a:t>
-            </a:r>
-            <a:r>
-              <a:rPr lang="en-US" dirty="0"/>
-              <a:t>, and track all test script types (functional, performance, and security</a:t>
-            </a:r>
-            <a:r>
-              <a:rPr lang="en-US" dirty="0" smtClean="0"/>
-              <a:t>)</a:t>
-            </a:r>
-          </a:p>
-          <a:p>
-            <a:r>
-              <a:rPr lang="en-US" dirty="0"/>
-              <a:t>Advanced test planning capabilities allow functional, regression, load, unit, and integration testing—each with its own set of requirements, schedules, and </a:t>
-            </a:r>
-            <a:r>
-              <a:rPr lang="en-US" dirty="0" smtClean="0"/>
+              <a:rPr lang="en-US" sz="2800" b="1" dirty="0" smtClean="0">
+                <a:effectLst>
+                  <a:outerShdw blurRad="38100" dist="38100" dir="2700000" algn="tl">
+                    <a:srgbClr val="000000">
+                      <a:alpha val="43137"/>
+                    </a:srgbClr>
+                  </a:outerShdw>
+                </a:effectLst>
+              </a:rPr>
+              <a:t>Manage </a:t>
+            </a:r>
+            <a:r>
+              <a:rPr lang="en-US" sz="2800" b="1" dirty="0">
+                <a:effectLst>
+                  <a:outerShdw blurRad="38100" dist="38100" dir="2700000" algn="tl">
+                    <a:srgbClr val="000000">
+                      <a:alpha val="43137"/>
+                    </a:srgbClr>
+                  </a:outerShdw>
+                </a:effectLst>
+              </a:rPr>
+              <a:t>and track all test script types </a:t>
+            </a:r>
+            <a:endParaRPr lang="en-US" sz="2800" b="1" dirty="0" smtClean="0">
+              <a:effectLst>
+                <a:outerShdw blurRad="38100" dist="38100" dir="2700000" algn="tl">
+                  <a:srgbClr val="000000">
+                    <a:alpha val="43137"/>
+                  </a:srgbClr>
+                </a:outerShdw>
+              </a:effectLst>
+            </a:endParaRPr>
+          </a:p>
+          <a:p>
+            <a:r>
+              <a:rPr lang="en-US" sz="2800" b="1" dirty="0" smtClean="0">
+                <a:effectLst>
+                  <a:outerShdw blurRad="38100" dist="38100" dir="2700000" algn="tl">
+                    <a:srgbClr val="000000">
+                      <a:alpha val="43137"/>
+                    </a:srgbClr>
+                  </a:outerShdw>
+                </a:effectLst>
+              </a:rPr>
+              <a:t>Advanced </a:t>
+            </a:r>
+            <a:r>
+              <a:rPr lang="en-US" sz="2800" b="1" dirty="0">
+                <a:effectLst>
+                  <a:outerShdw blurRad="38100" dist="38100" dir="2700000" algn="tl">
+                    <a:srgbClr val="000000">
+                      <a:alpha val="43137"/>
+                    </a:srgbClr>
+                  </a:outerShdw>
+                </a:effectLst>
+              </a:rPr>
+              <a:t>test planning capabilities allow functional, regression, load, unit, and integration testing—each with its own set of requirements, schedules, and </a:t>
+            </a:r>
+            <a:r>
+              <a:rPr lang="en-US" sz="2800" b="1" dirty="0" smtClean="0">
+                <a:effectLst>
+                  <a:outerShdw blurRad="38100" dist="38100" dir="2700000" algn="tl">
+                    <a:srgbClr val="000000">
+                      <a:alpha val="43137"/>
+                    </a:srgbClr>
+                  </a:outerShdw>
+                </a:effectLst>
+              </a:rPr>
               <a:t>procedures</a:t>
             </a:r>
           </a:p>
           <a:p>
-            <a:endParaRPr lang="bg-BG" dirty="0"/>
-          </a:p>
-        </p:txBody>
-      </p:sp>
+            <a:endParaRPr lang="bg-BG" sz="2800" b="1" dirty="0">
+              <a:effectLst>
+                <a:outerShdw blurRad="38100" dist="38100" dir="2700000" algn="tl">
+                  <a:srgbClr val="000000">
+                    <a:alpha val="43137"/>
+                  </a:srgbClr>
+                </a:outerShdw>
+              </a:effectLst>
+            </a:endParaRPr>
+          </a:p>
+        </p:txBody>
+      </p:sp>
+      <p:pic>
+        <p:nvPicPr>
+          <p:cNvPr id="4" name="Picture 2" descr="http://www.st3pp.com/wp-content/uploads/2013/08/Qualitycenter.png"/>
+          <p:cNvPicPr>
+            <a:picLocks noChangeAspect="1" noChangeArrowheads="1"/>
+          </p:cNvPicPr>
+          <p:nvPr/>
+        </p:nvPicPr>
+        <p:blipFill>
+          <a:blip r:embed="rId2" cstate="print">
+            <a:extLst>
+              <a:ext uri="{28A0092B-C50C-407E-A947-70E740481C1C}">
+                <a14:useLocalDpi xmlns:a14="http://schemas.microsoft.com/office/drawing/2010/main" val="0"/>
+              </a:ext>
+            </a:extLst>
+          </a:blip>
+          <a:srcRect/>
+          <a:stretch>
+            <a:fillRect/>
+          </a:stretch>
+        </p:blipFill>
+        <p:spPr bwMode="auto">
+          <a:xfrm>
+            <a:off x="9111248" y="165967"/>
+            <a:ext cx="3080752" cy="1747383"/>
+          </a:xfrm>
+          <a:prstGeom prst="rect">
+            <a:avLst/>
+          </a:prstGeom>
+          <a:ln>
+            <a:noFill/>
+          </a:ln>
+          <a:effectLst>
+            <a:softEdge rad="112500"/>
+          </a:effectLst>
+          <a:extLst>
+            <a:ext uri="{909E8E84-426E-40DD-AFC4-6F175D3DCCD1}">
+              <a14:hiddenFill xmlns:a14="http://schemas.microsoft.com/office/drawing/2010/main">
+                <a:solidFill>
+                  <a:srgbClr val="FFFFFF"/>
+                </a:solidFill>
+              </a14:hiddenFill>
+            </a:ext>
+          </a:extLst>
+        </p:spPr>
+      </p:pic>
     </p:spTree>
     <p:extLst>
       <p:ext uri="{BB962C8B-B14F-4D97-AF65-F5344CB8AC3E}">
-        <p14:creationId xmlns:p14="http://schemas.microsoft.com/office/powerpoint/2010/main" val="1379935584"/>
+        <p14:creationId xmlns:p14="http://schemas.microsoft.com/office/powerpoint/2010/main" val="3420341719"/>
       </p:ext>
     </p:extLst>
   </p:cSld>
@@ -3641,14 +8272,14 @@
           <a:lstStyle/>
           <a:p>
             <a:r>
-              <a:rPr lang="en-US" dirty="0"/>
+              <a:rPr lang="en-US" b="1" dirty="0"/>
               <a:t>Quality release and cycle </a:t>
             </a:r>
             <a:r>
-              <a:rPr lang="en-US" dirty="0" smtClean="0"/>
+              <a:rPr lang="en-US" b="1" dirty="0" smtClean="0"/>
               <a:t>management</a:t>
             </a:r>
-            <a:endParaRPr lang="bg-BG" dirty="0"/>
+            <a:endParaRPr lang="bg-BG" b="1" dirty="0"/>
           </a:p>
         </p:txBody>
       </p:sp>
@@ -3662,30 +8293,115 @@
             <p:ph idx="1"/>
           </p:nvPr>
         </p:nvSpPr>
-        <p:spPr/>
-        <p:txBody>
-          <a:bodyPr/>
+        <p:spPr>
+          <a:xfrm>
+            <a:off x="2332078" y="2168180"/>
+            <a:ext cx="9233424" cy="3942433"/>
+          </a:xfrm>
+        </p:spPr>
+        <p:txBody>
+          <a:bodyPr>
+            <a:normAutofit/>
+          </a:bodyPr>
           <a:lstStyle/>
           <a:p>
             <a:r>
-              <a:rPr lang="en-US" dirty="0"/>
+              <a:rPr lang="en-US" sz="2800" b="1" dirty="0">
+                <a:effectLst>
+                  <a:outerShdw blurRad="38100" dist="38100" dir="2700000" algn="tl">
+                    <a:srgbClr val="000000">
+                      <a:alpha val="43137"/>
+                    </a:srgbClr>
+                  </a:outerShdw>
+                </a:effectLst>
+              </a:rPr>
               <a:t>Release and cycle management enables quick development and testing cycles, and breaks large projects into meaningful phases. </a:t>
             </a:r>
-            <a:endParaRPr lang="en-US" dirty="0" smtClean="0"/>
-          </a:p>
-          <a:p>
-            <a:r>
-              <a:rPr lang="en-US" dirty="0"/>
+            <a:endParaRPr lang="en-US" sz="2800" b="1" dirty="0" smtClean="0">
+              <a:effectLst>
+                <a:outerShdw blurRad="38100" dist="38100" dir="2700000" algn="tl">
+                  <a:srgbClr val="000000">
+                    <a:alpha val="43137"/>
+                  </a:srgbClr>
+                </a:outerShdw>
+              </a:effectLst>
+            </a:endParaRPr>
+          </a:p>
+          <a:p>
+            <a:r>
+              <a:rPr lang="en-US" sz="2800" b="1" dirty="0">
+                <a:effectLst>
+                  <a:outerShdw blurRad="38100" dist="38100" dir="2700000" algn="tl">
+                    <a:srgbClr val="000000">
+                      <a:alpha val="43137"/>
+                    </a:srgbClr>
+                  </a:outerShdw>
+                </a:effectLst>
+              </a:rPr>
               <a:t>Release effort can be planned by identifying requirements and tests for each cycle</a:t>
             </a:r>
-            <a:endParaRPr lang="bg-BG" dirty="0"/>
-          </a:p>
-        </p:txBody>
-      </p:sp>
+            <a:endParaRPr lang="bg-BG" sz="2800" b="1" dirty="0">
+              <a:effectLst>
+                <a:outerShdw blurRad="38100" dist="38100" dir="2700000" algn="tl">
+                  <a:srgbClr val="000000">
+                    <a:alpha val="43137"/>
+                  </a:srgbClr>
+                </a:outerShdw>
+              </a:effectLst>
+            </a:endParaRPr>
+          </a:p>
+        </p:txBody>
+      </p:sp>
+      <p:pic>
+        <p:nvPicPr>
+          <p:cNvPr id="4" name="Picture 2" descr="http://www.st3pp.com/wp-content/uploads/2013/08/Qualitycenter.png"/>
+          <p:cNvPicPr>
+            <a:picLocks noChangeAspect="1" noChangeArrowheads="1"/>
+          </p:cNvPicPr>
+          <p:nvPr/>
+        </p:nvPicPr>
+        <p:blipFill>
+          <a:blip r:embed="rId2" cstate="print">
+            <a:extLst>
+              <a:ext uri="{28A0092B-C50C-407E-A947-70E740481C1C}">
+                <a14:useLocalDpi xmlns:a14="http://schemas.microsoft.com/office/drawing/2010/main" val="0"/>
+              </a:ext>
+            </a:extLst>
+          </a:blip>
+          <a:srcRect/>
+          <a:stretch>
+            <a:fillRect/>
+          </a:stretch>
+        </p:blipFill>
+        <p:spPr bwMode="auto">
+          <a:xfrm>
+            <a:off x="9111248" y="165967"/>
+            <a:ext cx="3080752" cy="1747383"/>
+          </a:xfrm>
+          <a:prstGeom prst="rect">
+            <a:avLst/>
+          </a:prstGeom>
+          <a:ln>
+            <a:noFill/>
+          </a:ln>
+          <a:effectLst>
+            <a:softEdge rad="112500"/>
+          </a:effectLst>
+          <a:extLst>
+            <a:ext uri="{909E8E84-426E-40DD-AFC4-6F175D3DCCD1}">
+              <a14:hiddenFill xmlns:a14="http://schemas.microsoft.com/office/drawing/2010/main">
+                <a:solidFill>
+                  <a:srgbClr val="FFFFFF"/>
+                </a:solidFill>
+              </a14:hiddenFill>
+            </a:ext>
+          </a:extLst>
+        </p:spPr>
+      </p:pic>
     </p:spTree>
     <p:extLst>
       <p:ext uri="{BB962C8B-B14F-4D97-AF65-F5344CB8AC3E}">
-        <p14:creationId xmlns:p14="http://schemas.microsoft.com/office/powerpoint/2010/main" val="3666605692"/>
+        <p14:creationId xmlns:p14="http://schemas.microsoft.com/office/powerpoint/2010/main" val="527351207"/>
       </p:ext>
     </p:extLst>
   </p:cSld>
@@ -3728,10 +8444,10 @@
           <a:lstStyle/>
           <a:p>
             <a:r>
-              <a:rPr lang="en-US" dirty="0" smtClean="0"/>
+              <a:rPr lang="en-US" b="1" dirty="0" smtClean="0"/>
               <a:t>Version Control</a:t>
             </a:r>
-            <a:endParaRPr lang="bg-BG" dirty="0"/>
+            <a:endParaRPr lang="bg-BG" b="1" dirty="0"/>
           </a:p>
         </p:txBody>
       </p:sp>
@@ -3745,41 +8461,142 @@
             <p:ph idx="1"/>
           </p:nvPr>
         </p:nvSpPr>
-        <p:spPr/>
-        <p:txBody>
-          <a:bodyPr/>
+        <p:spPr>
+          <a:xfrm>
+            <a:off x="2394709" y="2067971"/>
+            <a:ext cx="9233424" cy="3942433"/>
+          </a:xfrm>
+        </p:spPr>
+        <p:txBody>
+          <a:bodyPr>
+            <a:normAutofit/>
+          </a:bodyPr>
           <a:lstStyle/>
           <a:p>
             <a:r>
-              <a:rPr lang="en-US" dirty="0"/>
+              <a:rPr lang="en-US" sz="2800" b="1" dirty="0">
+                <a:effectLst>
+                  <a:outerShdw blurRad="38100" dist="38100" dir="2700000" algn="tl">
+                    <a:srgbClr val="000000">
+                      <a:alpha val="43137"/>
+                    </a:srgbClr>
+                  </a:outerShdw>
+                </a:effectLst>
+              </a:rPr>
               <a:t>Version control is enabled for requirements, tests, and test assets to enable distributed teams to collaborate and manage multiple versions of </a:t>
             </a:r>
             <a:r>
-              <a:rPr lang="en-US" dirty="0" smtClean="0"/>
+              <a:rPr lang="en-US" sz="2800" b="1" dirty="0" smtClean="0">
+                <a:effectLst>
+                  <a:outerShdw blurRad="38100" dist="38100" dir="2700000" algn="tl">
+                    <a:srgbClr val="000000">
+                      <a:alpha val="43137"/>
+                    </a:srgbClr>
+                  </a:outerShdw>
+                </a:effectLst>
+              </a:rPr>
               <a:t>assets</a:t>
             </a:r>
           </a:p>
           <a:p>
             <a:r>
-              <a:rPr lang="en-US" dirty="0" smtClean="0"/>
+              <a:rPr lang="en-US" sz="2800" b="1" dirty="0" smtClean="0">
+                <a:effectLst>
+                  <a:outerShdw blurRad="38100" dist="38100" dir="2700000" algn="tl">
+                    <a:srgbClr val="000000">
+                      <a:alpha val="43137"/>
+                    </a:srgbClr>
+                  </a:outerShdw>
+                </a:effectLst>
+              </a:rPr>
               <a:t>Provides </a:t>
             </a:r>
             <a:r>
-              <a:rPr lang="en-US" dirty="0"/>
+              <a:rPr lang="en-US" sz="2800" b="1" dirty="0">
+                <a:effectLst>
+                  <a:outerShdw blurRad="38100" dist="38100" dir="2700000" algn="tl">
+                    <a:srgbClr val="000000">
+                      <a:alpha val="43137"/>
+                    </a:srgbClr>
+                  </a:outerShdw>
+                </a:effectLst>
+              </a:rPr>
               <a:t>audit history of changes through the project </a:t>
             </a:r>
             <a:r>
-              <a:rPr lang="en-US" dirty="0" smtClean="0"/>
+              <a:rPr lang="en-US" sz="2800" b="1" dirty="0" smtClean="0">
+                <a:effectLst>
+                  <a:outerShdw blurRad="38100" dist="38100" dir="2700000" algn="tl">
+                    <a:srgbClr val="000000">
+                      <a:alpha val="43137"/>
+                    </a:srgbClr>
+                  </a:outerShdw>
+                </a:effectLst>
+              </a:rPr>
               <a:t>lifecycle</a:t>
             </a:r>
-            <a:endParaRPr lang="bg-BG" dirty="0"/>
-          </a:p>
-        </p:txBody>
-      </p:sp>
+            <a:endParaRPr lang="bg-BG" sz="2800" b="1" dirty="0">
+              <a:effectLst>
+                <a:outerShdw blurRad="38100" dist="38100" dir="2700000" algn="tl">
+                  <a:srgbClr val="000000">
+                    <a:alpha val="43137"/>
+                  </a:srgbClr>
+                </a:outerShdw>
+              </a:effectLst>
+            </a:endParaRPr>
+          </a:p>
+        </p:txBody>
+      </p:sp>
+      <p:pic>
+        <p:nvPicPr>
+          <p:cNvPr id="4" name="Picture 2" descr="http://www.st3pp.com/wp-content/uploads/2013/08/Qualitycenter.png"/>
+          <p:cNvPicPr>
+            <a:picLocks noChangeAspect="1" noChangeArrowheads="1"/>
+          </p:cNvPicPr>
+          <p:nvPr/>
+        </p:nvPicPr>
+        <p:blipFill>
+          <a:blip r:embed="rId2" cstate="print">
+            <a:extLst>
+              <a:ext uri="{28A0092B-C50C-407E-A947-70E740481C1C}">
+                <a14:useLocalDpi xmlns:a14="http://schemas.microsoft.com/office/drawing/2010/main" val="0"/>
+              </a:ext>
+            </a:extLst>
+          </a:blip>
+          <a:srcRect/>
+          <a:stretch>
+            <a:fillRect/>
+          </a:stretch>
+        </p:blipFill>
+        <p:spPr bwMode="auto">
+          <a:xfrm>
+            <a:off x="9111248" y="165967"/>
+            <a:ext cx="3080752" cy="1747383"/>
+          </a:xfrm>
+          <a:prstGeom prst="rect">
+            <a:avLst/>
+          </a:prstGeom>
+          <a:ln>
+            <a:noFill/>
+          </a:ln>
+          <a:effectLst>
+            <a:softEdge rad="112500"/>
+          </a:effectLst>
+          <a:extLst>
+            <a:ext uri="{909E8E84-426E-40DD-AFC4-6F175D3DCCD1}">
+              <a14:hiddenFill xmlns:a14="http://schemas.microsoft.com/office/drawing/2010/main">
+                <a:solidFill>
+                  <a:srgbClr val="FFFFFF"/>
+                </a:solidFill>
+              </a14:hiddenFill>
+            </a:ext>
+          </a:extLst>
+        </p:spPr>
+      </p:pic>
     </p:spTree>
     <p:extLst>
       <p:ext uri="{BB962C8B-B14F-4D97-AF65-F5344CB8AC3E}">
-        <p14:creationId xmlns:p14="http://schemas.microsoft.com/office/powerpoint/2010/main" val="1669674927"/>
+        <p14:creationId xmlns:p14="http://schemas.microsoft.com/office/powerpoint/2010/main" val="3744750033"/>
       </p:ext>
     </p:extLst>
   </p:cSld>
@@ -3822,14 +8639,14 @@
           <a:lstStyle/>
           <a:p>
             <a:r>
-              <a:rPr lang="en-US" dirty="0"/>
+              <a:rPr lang="en-US" b="1" dirty="0"/>
               <a:t>Test scheduling and </a:t>
             </a:r>
             <a:r>
-              <a:rPr lang="en-US" dirty="0" smtClean="0"/>
+              <a:rPr lang="en-US" b="1" dirty="0" smtClean="0"/>
               <a:t>execution</a:t>
             </a:r>
-            <a:endParaRPr lang="bg-BG" dirty="0"/>
+            <a:endParaRPr lang="bg-BG" b="1" dirty="0"/>
           </a:p>
         </p:txBody>
       </p:sp>
@@ -3843,33 +8660,118 @@
             <p:ph idx="1"/>
           </p:nvPr>
         </p:nvSpPr>
-        <p:spPr/>
-        <p:txBody>
-          <a:bodyPr/>
+        <p:spPr>
+          <a:xfrm>
+            <a:off x="2357131" y="2230810"/>
+            <a:ext cx="8315044" cy="3942433"/>
+          </a:xfrm>
+        </p:spPr>
+        <p:txBody>
+          <a:bodyPr>
+            <a:normAutofit/>
+          </a:bodyPr>
           <a:lstStyle/>
           <a:p>
             <a:r>
-              <a:rPr lang="en-US" dirty="0"/>
+              <a:rPr lang="en-US" sz="2800" b="1" dirty="0">
+                <a:effectLst>
+                  <a:outerShdw blurRad="38100" dist="38100" dir="2700000" algn="tl">
+                    <a:srgbClr val="000000">
+                      <a:alpha val="43137"/>
+                    </a:srgbClr>
+                  </a:outerShdw>
+                </a:effectLst>
+              </a:rPr>
               <a:t>Control and schedule execution of manual and automated </a:t>
             </a:r>
             <a:r>
-              <a:rPr lang="en-US" dirty="0" smtClean="0"/>
+              <a:rPr lang="en-US" sz="2800" b="1" dirty="0" smtClean="0">
+                <a:effectLst>
+                  <a:outerShdw blurRad="38100" dist="38100" dir="2700000" algn="tl">
+                    <a:srgbClr val="000000">
+                      <a:alpha val="43137"/>
+                    </a:srgbClr>
+                  </a:outerShdw>
+                </a:effectLst>
+              </a:rPr>
               <a:t>tests</a:t>
             </a:r>
           </a:p>
           <a:p>
             <a:r>
-              <a:rPr lang="en-US" dirty="0"/>
+              <a:rPr lang="en-US" sz="2800" b="1" dirty="0">
+                <a:effectLst>
+                  <a:outerShdw blurRad="38100" dist="38100" dir="2700000" algn="tl">
+                    <a:srgbClr val="000000">
+                      <a:alpha val="43137"/>
+                    </a:srgbClr>
+                  </a:outerShdw>
+                </a:effectLst>
+              </a:rPr>
               <a:t>View execution runs, results, and log defects with run details</a:t>
             </a:r>
-            <a:endParaRPr lang="bg-BG" dirty="0"/>
-          </a:p>
-        </p:txBody>
-      </p:sp>
+            <a:endParaRPr lang="bg-BG" sz="2800" b="1" dirty="0">
+              <a:effectLst>
+                <a:outerShdw blurRad="38100" dist="38100" dir="2700000" algn="tl">
+                  <a:srgbClr val="000000">
+                    <a:alpha val="43137"/>
+                  </a:srgbClr>
+                </a:outerShdw>
+              </a:effectLst>
+            </a:endParaRPr>
+          </a:p>
+        </p:txBody>
+      </p:sp>
+      <p:pic>
+        <p:nvPicPr>
+          <p:cNvPr id="4" name="Picture 2" descr="http://www.st3pp.com/wp-content/uploads/2013/08/Qualitycenter.png"/>
+          <p:cNvPicPr>
+            <a:picLocks noChangeAspect="1" noChangeArrowheads="1"/>
+          </p:cNvPicPr>
+          <p:nvPr/>
+        </p:nvPicPr>
+        <p:blipFill>
+          <a:blip r:embed="rId2" cstate="print">
+            <a:extLst>
+              <a:ext uri="{28A0092B-C50C-407E-A947-70E740481C1C}">
+                <a14:useLocalDpi xmlns:a14="http://schemas.microsoft.com/office/drawing/2010/main" val="0"/>
+              </a:ext>
+            </a:extLst>
+          </a:blip>
+          <a:srcRect/>
+          <a:stretch>
+            <a:fillRect/>
+          </a:stretch>
+        </p:blipFill>
+        <p:spPr bwMode="auto">
+          <a:xfrm>
+            <a:off x="9111248" y="165967"/>
+            <a:ext cx="3080752" cy="1747383"/>
+          </a:xfrm>
+          <a:prstGeom prst="rect">
+            <a:avLst/>
+          </a:prstGeom>
+          <a:ln>
+            <a:noFill/>
+          </a:ln>
+          <a:effectLst>
+            <a:softEdge rad="112500"/>
+          </a:effectLst>
+          <a:extLst>
+            <a:ext uri="{909E8E84-426E-40DD-AFC4-6F175D3DCCD1}">
+              <a14:hiddenFill xmlns:a14="http://schemas.microsoft.com/office/drawing/2010/main">
+                <a:solidFill>
+                  <a:srgbClr val="FFFFFF"/>
+                </a:solidFill>
+              </a14:hiddenFill>
+            </a:ext>
+          </a:extLst>
+        </p:spPr>
+      </p:pic>
     </p:spTree>
     <p:extLst>
       <p:ext uri="{BB962C8B-B14F-4D97-AF65-F5344CB8AC3E}">
-        <p14:creationId xmlns:p14="http://schemas.microsoft.com/office/powerpoint/2010/main" val="1923087218"/>
+        <p14:creationId xmlns:p14="http://schemas.microsoft.com/office/powerpoint/2010/main" val="2881125051"/>
       </p:ext>
     </p:extLst>
   </p:cSld>
@@ -3912,10 +8814,14 @@
           <a:lstStyle/>
           <a:p>
             <a:r>
-              <a:rPr lang="en-US" dirty="0" smtClean="0"/>
-              <a:t>HPE Sprinter</a:t>
-            </a:r>
-            <a:endParaRPr lang="bg-BG" dirty="0"/>
+              <a:rPr lang="en-US" b="1" dirty="0" smtClean="0"/>
+              <a:t>HP </a:t>
+            </a:r>
+            <a:r>
+              <a:rPr lang="en-US" b="1" dirty="0" smtClean="0"/>
+              <a:t>Sprinter</a:t>
+            </a:r>
+            <a:endParaRPr lang="bg-BG" b="1" dirty="0"/>
           </a:p>
         </p:txBody>
       </p:sp>
@@ -3929,80 +8835,253 @@
             <p:ph idx="1"/>
           </p:nvPr>
         </p:nvSpPr>
-        <p:spPr/>
-        <p:txBody>
-          <a:bodyPr/>
+        <p:spPr>
+          <a:xfrm>
+            <a:off x="2294501" y="1817451"/>
+            <a:ext cx="9233424" cy="3942433"/>
+          </a:xfrm>
+        </p:spPr>
+        <p:txBody>
+          <a:bodyPr>
+            <a:noAutofit/>
+          </a:bodyPr>
           <a:lstStyle/>
           <a:p>
             <a:r>
-              <a:rPr lang="en-US" dirty="0" smtClean="0"/>
+              <a:rPr lang="en-US" sz="2800" b="1" dirty="0" smtClean="0">
+                <a:effectLst>
+                  <a:outerShdw blurRad="38100" dist="38100" dir="2700000" algn="tl">
+                    <a:srgbClr val="000000">
+                      <a:alpha val="43137"/>
+                    </a:srgbClr>
+                  </a:outerShdw>
+                </a:effectLst>
+              </a:rPr>
               <a:t>Targeted </a:t>
             </a:r>
             <a:r>
-              <a:rPr lang="en-US" dirty="0"/>
+              <a:rPr lang="en-US" sz="2800" b="1" dirty="0">
+                <a:effectLst>
+                  <a:outerShdw blurRad="38100" dist="38100" dir="2700000" algn="tl">
+                    <a:srgbClr val="000000">
+                      <a:alpha val="43137"/>
+                    </a:srgbClr>
+                  </a:outerShdw>
+                </a:effectLst>
+              </a:rPr>
               <a:t>at increasing efficiency of manual testing activities </a:t>
             </a:r>
-            <a:endParaRPr lang="en-US" dirty="0" smtClean="0"/>
-          </a:p>
-          <a:p>
-            <a:r>
-              <a:rPr lang="en-US" dirty="0" smtClean="0"/>
+            <a:endParaRPr lang="en-US" sz="2800" b="1" dirty="0" smtClean="0">
+              <a:effectLst>
+                <a:outerShdw blurRad="38100" dist="38100" dir="2700000" algn="tl">
+                  <a:srgbClr val="000000">
+                    <a:alpha val="43137"/>
+                  </a:srgbClr>
+                </a:outerShdw>
+              </a:effectLst>
+            </a:endParaRPr>
+          </a:p>
+          <a:p>
+            <a:r>
+              <a:rPr lang="en-US" sz="2800" b="1" dirty="0" smtClean="0">
+                <a:effectLst>
+                  <a:outerShdw blurRad="38100" dist="38100" dir="2700000" algn="tl">
+                    <a:srgbClr val="000000">
+                      <a:alpha val="43137"/>
+                    </a:srgbClr>
+                  </a:outerShdw>
+                </a:effectLst>
+              </a:rPr>
               <a:t>Easy-to-use </a:t>
             </a:r>
             <a:r>
-              <a:rPr lang="en-US" dirty="0"/>
+              <a:rPr lang="en-US" sz="2800" b="1" dirty="0">
+                <a:effectLst>
+                  <a:outerShdw blurRad="38100" dist="38100" dir="2700000" algn="tl">
+                    <a:srgbClr val="000000">
+                      <a:alpha val="43137"/>
+                    </a:srgbClr>
+                  </a:outerShdw>
+                </a:effectLst>
+              </a:rPr>
               <a:t>screen tool bars, screen annotation, video, and textual test step </a:t>
             </a:r>
             <a:r>
-              <a:rPr lang="en-US" dirty="0" smtClean="0"/>
+              <a:rPr lang="en-US" sz="2800" b="1" dirty="0" smtClean="0">
+                <a:effectLst>
+                  <a:outerShdw blurRad="38100" dist="38100" dir="2700000" algn="tl">
+                    <a:srgbClr val="000000">
+                      <a:alpha val="43137"/>
+                    </a:srgbClr>
+                  </a:outerShdw>
+                </a:effectLst>
+              </a:rPr>
               <a:t>capture</a:t>
             </a:r>
           </a:p>
           <a:p>
             <a:r>
-              <a:rPr lang="en-US" dirty="0" smtClean="0"/>
+              <a:rPr lang="en-US" sz="2800" b="1" dirty="0" smtClean="0">
+                <a:effectLst>
+                  <a:outerShdw blurRad="38100" dist="38100" dir="2700000" algn="tl">
+                    <a:srgbClr val="000000">
+                      <a:alpha val="43137"/>
+                    </a:srgbClr>
+                  </a:outerShdw>
+                </a:effectLst>
+              </a:rPr>
               <a:t>Intelligent </a:t>
             </a:r>
             <a:r>
-              <a:rPr lang="en-US" dirty="0"/>
+              <a:rPr lang="en-US" sz="2800" b="1" dirty="0">
+                <a:effectLst>
+                  <a:outerShdw blurRad="38100" dist="38100" dir="2700000" algn="tl">
+                    <a:srgbClr val="000000">
+                      <a:alpha val="43137"/>
+                    </a:srgbClr>
+                  </a:outerShdw>
+                </a:effectLst>
+              </a:rPr>
               <a:t>defect </a:t>
             </a:r>
             <a:r>
-              <a:rPr lang="en-US" dirty="0" smtClean="0"/>
+              <a:rPr lang="en-US" sz="2800" b="1" dirty="0" smtClean="0">
+                <a:effectLst>
+                  <a:outerShdw blurRad="38100" dist="38100" dir="2700000" algn="tl">
+                    <a:srgbClr val="000000">
+                      <a:alpha val="43137"/>
+                    </a:srgbClr>
+                  </a:outerShdw>
+                </a:effectLst>
+              </a:rPr>
               <a:t>logging</a:t>
             </a:r>
           </a:p>
           <a:p>
             <a:r>
-              <a:rPr lang="en-US" dirty="0" smtClean="0"/>
+              <a:rPr lang="en-US" sz="2800" b="1" dirty="0" smtClean="0">
+                <a:effectLst>
+                  <a:outerShdw blurRad="38100" dist="38100" dir="2700000" algn="tl">
+                    <a:srgbClr val="000000">
+                      <a:alpha val="43137"/>
+                    </a:srgbClr>
+                  </a:outerShdw>
+                </a:effectLst>
+              </a:rPr>
               <a:t>Automated </a:t>
             </a:r>
             <a:r>
-              <a:rPr lang="en-US" dirty="0"/>
+              <a:rPr lang="en-US" sz="2800" b="1" dirty="0">
+                <a:effectLst>
+                  <a:outerShdw blurRad="38100" dist="38100" dir="2700000" algn="tl">
+                    <a:srgbClr val="000000">
+                      <a:alpha val="43137"/>
+                    </a:srgbClr>
+                  </a:outerShdw>
+                </a:effectLst>
+              </a:rPr>
               <a:t>data injection for repetitive </a:t>
             </a:r>
             <a:r>
-              <a:rPr lang="en-US" dirty="0" smtClean="0"/>
+              <a:rPr lang="en-US" sz="2800" b="1" dirty="0" smtClean="0">
+                <a:effectLst>
+                  <a:outerShdw blurRad="38100" dist="38100" dir="2700000" algn="tl">
+                    <a:srgbClr val="000000">
+                      <a:alpha val="43137"/>
+                    </a:srgbClr>
+                  </a:outerShdw>
+                </a:effectLst>
+              </a:rPr>
               <a:t>testing</a:t>
             </a:r>
           </a:p>
           <a:p>
             <a:r>
-              <a:rPr lang="en-US" dirty="0" smtClean="0"/>
+              <a:rPr lang="en-US" sz="2800" b="1" dirty="0" smtClean="0">
+                <a:effectLst>
+                  <a:outerShdw blurRad="38100" dist="38100" dir="2700000" algn="tl">
+                    <a:srgbClr val="000000">
+                      <a:alpha val="43137"/>
+                    </a:srgbClr>
+                  </a:outerShdw>
+                </a:effectLst>
+              </a:rPr>
               <a:t>Mirrored </a:t>
             </a:r>
             <a:r>
-              <a:rPr lang="en-US" dirty="0"/>
+              <a:rPr lang="en-US" sz="2800" b="1" dirty="0">
+                <a:effectLst>
+                  <a:outerShdw blurRad="38100" dist="38100" dir="2700000" algn="tl">
+                    <a:srgbClr val="000000">
+                      <a:alpha val="43137"/>
+                    </a:srgbClr>
+                  </a:outerShdw>
+                </a:effectLst>
+              </a:rPr>
               <a:t>platform support—to execute one test targeted on multiple platforms</a:t>
             </a:r>
-            <a:endParaRPr lang="bg-BG" dirty="0"/>
-          </a:p>
-        </p:txBody>
-      </p:sp>
+            <a:endParaRPr lang="bg-BG" sz="2800" b="1" dirty="0">
+              <a:effectLst>
+                <a:outerShdw blurRad="38100" dist="38100" dir="2700000" algn="tl">
+                  <a:srgbClr val="000000">
+                    <a:alpha val="43137"/>
+                  </a:srgbClr>
+                </a:outerShdw>
+              </a:effectLst>
+            </a:endParaRPr>
+          </a:p>
+        </p:txBody>
+      </p:sp>
+      <p:pic>
+        <p:nvPicPr>
+          <p:cNvPr id="4" name="Picture 2" descr="http://www.st3pp.com/wp-content/uploads/2013/08/Qualitycenter.png"/>
+          <p:cNvPicPr>
+            <a:picLocks noChangeAspect="1" noChangeArrowheads="1"/>
+          </p:cNvPicPr>
+          <p:nvPr/>
+        </p:nvPicPr>
+        <p:blipFill>
+          <a:blip r:embed="rId2" cstate="print">
+            <a:extLst>
+              <a:ext uri="{28A0092B-C50C-407E-A947-70E740481C1C}">
+                <a14:useLocalDpi xmlns:a14="http://schemas.microsoft.com/office/drawing/2010/main" val="0"/>
+              </a:ext>
+            </a:extLst>
+          </a:blip>
+          <a:srcRect/>
+          <a:stretch>
+            <a:fillRect/>
+          </a:stretch>
+        </p:blipFill>
+        <p:spPr bwMode="auto">
+          <a:xfrm>
+            <a:off x="9111248" y="165967"/>
+            <a:ext cx="3080752" cy="1747383"/>
+          </a:xfrm>
+          <a:prstGeom prst="rect">
+            <a:avLst/>
+          </a:prstGeom>
+          <a:ln>
+            <a:noFill/>
+          </a:ln>
+          <a:effectLst>
+            <a:softEdge rad="112500"/>
+          </a:effectLst>
+          <a:extLst>
+            <a:ext uri="{909E8E84-426E-40DD-AFC4-6F175D3DCCD1}">
+              <a14:hiddenFill xmlns:a14="http://schemas.microsoft.com/office/drawing/2010/main">
+                <a:solidFill>
+                  <a:srgbClr val="FFFFFF"/>
+                </a:solidFill>
+              </a14:hiddenFill>
+            </a:ext>
+          </a:extLst>
+        </p:spPr>
+      </p:pic>
     </p:spTree>
     <p:extLst>
       <p:ext uri="{BB962C8B-B14F-4D97-AF65-F5344CB8AC3E}">
-        <p14:creationId xmlns:p14="http://schemas.microsoft.com/office/powerpoint/2010/main" val="2750937103"/>
+        <p14:creationId xmlns:p14="http://schemas.microsoft.com/office/powerpoint/2010/main" val="1865774329"/>
       </p:ext>
     </p:extLst>
   </p:cSld>
@@ -4013,9 +9092,275 @@
 </file>
 
 <file path=ppt/theme/theme1.xml><?xml version="1.0" encoding="utf-8"?>
+<a:theme xmlns:a="http://schemas.openxmlformats.org/drawingml/2006/main" name="Ion">
+  <a:themeElements>
+    <a:clrScheme name="Grayscale">
+      <a:dk1>
+        <a:sysClr val="windowText" lastClr="000000"/>
+      </a:dk1>
+      <a:lt1>
+        <a:sysClr val="window" lastClr="FFFFFF"/>
+      </a:lt1>
+      <a:dk2>
+        <a:srgbClr val="000000"/>
+      </a:dk2>
+      <a:lt2>
+        <a:srgbClr val="F8F8F8"/>
+      </a:lt2>
+      <a:accent1>
+        <a:srgbClr val="DDDDDD"/>
+      </a:accent1>
+      <a:accent2>
+        <a:srgbClr val="B2B2B2"/>
+      </a:accent2>
+      <a:accent3>
+        <a:srgbClr val="969696"/>
+      </a:accent3>
+      <a:accent4>
+        <a:srgbClr val="808080"/>
+      </a:accent4>
+      <a:accent5>
+        <a:srgbClr val="5F5F5F"/>
+      </a:accent5>
+      <a:accent6>
+        <a:srgbClr val="4D4D4D"/>
+      </a:accent6>
+      <a:hlink>
+        <a:srgbClr val="5F5F5F"/>
+      </a:hlink>
+      <a:folHlink>
+        <a:srgbClr val="919191"/>
+      </a:folHlink>
+    </a:clrScheme>
+    <a:fontScheme name="Ion">
+      <a:majorFont>
+        <a:latin typeface="Century Gothic"/>
+        <a:ea typeface=""/>
+        <a:cs typeface=""/>
+        <a:font script="Jpan" typeface="メイリオ"/>
+        <a:font script="Hang" typeface="맑은 고딕"/>
+        <a:font script="Hans" typeface="宋体"/>
+        <a:font script="Hant" typeface="新細明體"/>
+        <a:font script="Arab" typeface="Times New Roman"/>
+        <a:font script="Hebr" typeface="Times New Roman"/>
+        <a:font script="Thai" typeface="Angsana New"/>
+        <a:font script="Ethi" typeface="Nyala"/>
+        <a:font script="Beng" typeface="Vrinda"/>
+        <a:font script="Gujr" typeface="Shruti"/>
+        <a:font script="Khmr" typeface="MoolBoran"/>
+        <a:font script="Knda" typeface="Tunga"/>
+        <a:font script="Guru" typeface="Raavi"/>
+        <a:font script="Cans" typeface="Euphemia"/>
+        <a:font script="Cher" typeface="Plantagenet Cherokee"/>
+        <a:font script="Yiii" typeface="Microsoft Yi Baiti"/>
+        <a:font script="Tibt" typeface="Microsoft Himalaya"/>
+        <a:font script="Thaa" typeface="MV Boli"/>
+        <a:font script="Deva" typeface="Mangal"/>
+        <a:font script="Telu" typeface="Gautami"/>
+        <a:font script="Taml" typeface="Latha"/>
+        <a:font script="Syrc" typeface="Estrangelo Edessa"/>
+        <a:font script="Orya" typeface="Kalinga"/>
+        <a:font script="Mlym" typeface="Kartika"/>
+        <a:font script="Laoo" typeface="DokChampa"/>
+        <a:font script="Sinh" typeface="Iskoola Pota"/>
+        <a:font script="Mong" typeface="Mongolian Baiti"/>
+        <a:font script="Viet" typeface="Times New Roman"/>
+        <a:font script="Uigh" typeface="Microsoft Uighur"/>
+        <a:font script="Geor" typeface="Sylfaen"/>
+      </a:majorFont>
+      <a:minorFont>
+        <a:latin typeface="Century Gothic"/>
+        <a:ea typeface=""/>
+        <a:cs typeface=""/>
+        <a:font script="Jpan" typeface="メイリオ"/>
+        <a:font script="Hang" typeface="맑은 고딕"/>
+        <a:font script="Hans" typeface="宋体"/>
+        <a:font script="Hant" typeface="新細明體"/>
+        <a:font script="Arab" typeface="Arial"/>
+        <a:font script="Hebr" typeface="Arial"/>
+        <a:font script="Thai" typeface="Cordia New"/>
+        <a:font script="Ethi" typeface="Nyala"/>
+        <a:font script="Beng" typeface="Vrinda"/>
+        <a:font script="Gujr" typeface="Shruti"/>
+        <a:font script="Khmr" typeface="DaunPenh"/>
+        <a:font script="Knda" typeface="Tunga"/>
+        <a:font script="Guru" typeface="Raavi"/>
+        <a:font script="Cans" typeface="Euphemia"/>
+        <a:font script="Cher" typeface="Plantagenet Cherokee"/>
+        <a:font script="Yiii" typeface="Microsoft Yi Baiti"/>
+        <a:font script="Tibt" typeface="Microsoft Himalaya"/>
+        <a:font script="Thaa" typeface="MV Boli"/>
+        <a:font script="Deva" typeface="Mangal"/>
+        <a:font script="Telu" typeface="Gautami"/>
+        <a:font script="Taml" typeface="Latha"/>
+        <a:font script="Syrc" typeface="Estrangelo Edessa"/>
+        <a:font script="Orya" typeface="Kalinga"/>
+        <a:font script="Mlym" typeface="Kartika"/>
+        <a:font script="Laoo" typeface="DokChampa"/>
+        <a:font script="Sinh" typeface="Iskoola Pota"/>
+        <a:font script="Mong" typeface="Mongolian Baiti"/>
+        <a:font script="Viet" typeface="Arial"/>
+        <a:font script="Uigh" typeface="Microsoft Uighur"/>
+        <a:font script="Geor" typeface="Sylfaen"/>
+      </a:minorFont>
+    </a:fontScheme>
+    <a:fmtScheme name="Ion">
+      <a:fillStyleLst>
+        <a:solidFill>
+          <a:schemeClr val="phClr"/>
+        </a:solidFill>
+        <a:gradFill rotWithShape="1">
+          <a:gsLst>
+            <a:gs pos="0">
+              <a:schemeClr val="phClr">
+                <a:tint val="64000"/>
+                <a:lumMod val="118000"/>
+              </a:schemeClr>
+            </a:gs>
+            <a:gs pos="100000">
+              <a:schemeClr val="phClr">
+                <a:tint val="92000"/>
+                <a:alpha val="100000"/>
+                <a:lumMod val="110000"/>
+              </a:schemeClr>
+            </a:gs>
+          </a:gsLst>
+          <a:lin ang="5400000" scaled="0"/>
+        </a:gradFill>
+        <a:gradFill rotWithShape="1">
+          <a:gsLst>
+            <a:gs pos="0">
+              <a:schemeClr val="phClr">
+                <a:tint val="98000"/>
+                <a:lumMod val="114000"/>
+              </a:schemeClr>
+            </a:gs>
+            <a:gs pos="100000">
+              <a:schemeClr val="phClr">
+                <a:shade val="90000"/>
+                <a:lumMod val="84000"/>
+              </a:schemeClr>
+            </a:gs>
+          </a:gsLst>
+          <a:lin ang="5400000" scaled="0"/>
+        </a:gradFill>
+      </a:fillStyleLst>
+      <a:lnStyleLst>
+        <a:ln w="9525" cap="rnd" cmpd="sng" algn="ctr">
+          <a:solidFill>
+            <a:schemeClr val="phClr"/>
+          </a:solidFill>
+          <a:prstDash val="solid"/>
+        </a:ln>
+        <a:ln w="19050" cap="rnd" cmpd="sng" algn="ctr">
+          <a:solidFill>
+            <a:schemeClr val="phClr"/>
+          </a:solidFill>
+          <a:prstDash val="solid"/>
+        </a:ln>
+        <a:ln w="28575" cap="rnd" cmpd="sng" algn="ctr">
+          <a:solidFill>
+            <a:schemeClr val="phClr"/>
+          </a:solidFill>
+          <a:prstDash val="solid"/>
+        </a:ln>
+      </a:lnStyleLst>
+      <a:effectStyleLst>
+        <a:effectStyle>
+          <a:effectLst/>
+        </a:effectStyle>
+        <a:effectStyle>
+          <a:effectLst>
+            <a:outerShdw blurRad="38100" dist="25400" dir="5400000" rotWithShape="0">
+              <a:srgbClr val="000000">
+                <a:alpha val="45000"/>
+              </a:srgbClr>
+            </a:outerShdw>
+          </a:effectLst>
+        </a:effectStyle>
+        <a:effectStyle>
+          <a:effectLst>
+            <a:outerShdw blurRad="63500" dist="38100" dir="5400000" rotWithShape="0">
+              <a:srgbClr val="000000">
+                <a:alpha val="60000"/>
+              </a:srgbClr>
+            </a:outerShdw>
+          </a:effectLst>
+          <a:scene3d>
+            <a:camera prst="orthographicFront">
+              <a:rot lat="0" lon="0" rev="0"/>
+            </a:camera>
+            <a:lightRig rig="threePt" dir="tl"/>
+          </a:scene3d>
+          <a:sp3d prstMaterial="plastic">
+            <a:bevelT w="0" h="0"/>
+          </a:sp3d>
+        </a:effectStyle>
+      </a:effectStyleLst>
+      <a:bgFillStyleLst>
+        <a:solidFill>
+          <a:schemeClr val="phClr"/>
+        </a:solidFill>
+        <a:gradFill rotWithShape="1">
+          <a:gsLst>
+            <a:gs pos="0">
+              <a:schemeClr val="phClr">
+                <a:tint val="97000"/>
+                <a:hueMod val="88000"/>
+                <a:satMod val="130000"/>
+                <a:lumMod val="124000"/>
+              </a:schemeClr>
+            </a:gs>
+            <a:gs pos="100000">
+              <a:schemeClr val="phClr">
+                <a:tint val="96000"/>
+                <a:shade val="88000"/>
+                <a:hueMod val="108000"/>
+                <a:satMod val="164000"/>
+                <a:lumMod val="76000"/>
+              </a:schemeClr>
+            </a:gs>
+          </a:gsLst>
+          <a:path path="circle">
+            <a:fillToRect l="45000" t="65000" r="125000" b="100000"/>
+          </a:path>
+        </a:gradFill>
+        <a:blipFill rotWithShape="1">
+          <a:blip xmlns:r="http://schemas.openxmlformats.org/officeDocument/2006/relationships" r:embed="rId1">
+            <a:duotone>
+              <a:schemeClr val="phClr">
+                <a:shade val="69000"/>
+                <a:hueMod val="108000"/>
+                <a:satMod val="164000"/>
+                <a:lumMod val="74000"/>
+              </a:schemeClr>
+              <a:schemeClr val="phClr">
+                <a:tint val="96000"/>
+                <a:hueMod val="88000"/>
+                <a:satMod val="140000"/>
+                <a:lumMod val="132000"/>
+              </a:schemeClr>
+            </a:duotone>
+          </a:blip>
+          <a:stretch/>
+        </a:blipFill>
+      </a:bgFillStyleLst>
+    </a:fmtScheme>
+  </a:themeElements>
+  <a:objectDefaults/>
+  <a:extraClrSchemeLst/>
+  <a:extLst>
+    <a:ext uri="{05A4C25C-085E-4340-85A3-A5531E510DB2}">
+      <thm15:themeFamily xmlns="" xmlns:thm15="http://schemas.microsoft.com/office/thememl/2012/main" name="Ion" id="{B8441ADB-2E43-4AF7-B97A-BD870242C6A8}" vid="{292E63A9-BB86-4E3D-B92A-7223C6510D2E}"/>
+    </a:ext>
+  </a:extLst>
+</a:theme>
+</file>
+
+<file path=ppt/theme/theme2.xml><?xml version="1.0" encoding="utf-8"?>
 <a:theme xmlns:a="http://schemas.openxmlformats.org/drawingml/2006/main" name="Office Theme">
   <a:themeElements>
-    <a:clrScheme name="Office Theme">
+    <a:clrScheme name="Office">
       <a:dk1>
         <a:sysClr val="windowText" lastClr="000000"/>
       </a:dk1>
@@ -4053,14 +9398,14 @@
         <a:srgbClr val="954F72"/>
       </a:folHlink>
     </a:clrScheme>
-    <a:fontScheme name="Office Theme">
+    <a:fontScheme name="Office">
       <a:majorFont>
-        <a:latin typeface="Calibri Light" panose="020F0302020204030204"/>
+        <a:latin typeface="Calibri Light"/>
         <a:ea typeface=""/>
         <a:cs typeface=""/>
-        <a:font script="Jpan" typeface="ＭＳ Ｐゴシック"/>
+        <a:font script="Jpan" typeface="游ゴシック Light"/>
         <a:font script="Hang" typeface="맑은 고딕"/>
-        <a:font script="Hans" typeface="宋体"/>
+        <a:font script="Hans" typeface="等线 Light"/>
         <a:font script="Hant" typeface="新細明體"/>
         <a:font script="Arab" typeface="Times New Roman"/>
         <a:font script="Hebr" typeface="Times New Roman"/>
@@ -4090,12 +9435,12 @@
         <a:font script="Geor" typeface="Sylfaen"/>
       </a:majorFont>
       <a:minorFont>
-        <a:latin typeface="Calibri" panose="020F0502020204030204"/>
+        <a:latin typeface="Calibri"/>
         <a:ea typeface=""/>
         <a:cs typeface=""/>
-        <a:font script="Jpan" typeface="ＭＳ Ｐゴシック"/>
+        <a:font script="Jpan" typeface="游ゴシック"/>
         <a:font script="Hang" typeface="맑은 고딕"/>
-        <a:font script="Hans" typeface="宋体"/>
+        <a:font script="Hans" typeface="等线"/>
         <a:font script="Hant" typeface="新細明體"/>
         <a:font script="Arab" typeface="Arial"/>
         <a:font script="Hebr" typeface="Arial"/>
@@ -4125,7 +9470,7 @@
         <a:font script="Geor" typeface="Sylfaen"/>
       </a:minorFont>
     </a:fontScheme>
-    <a:fmtScheme name="Office Theme">
+    <a:fmtScheme name="Office">
       <a:fillStyleLst>
         <a:solidFill>
           <a:schemeClr val="phClr"/>
@@ -4267,7 +9612,268 @@
   <a:extraClrSchemeLst/>
   <a:extLst>
     <a:ext uri="{05A4C25C-085E-4340-85A3-A5531E510DB2}">
-      <thm15:themeFamily xmlns:thm15="http://schemas.microsoft.com/office/thememl/2012/main" name="Office Theme" id="{62F939B6-93AF-4DB8-9C6B-D6C7DFDC589F}" vid="{4A3C46E8-61CC-4603-A589-7422A47A8E4A}"/>
+      <thm15:themeFamily xmlns="" xmlns:thm15="http://schemas.microsoft.com/office/thememl/2012/main" name="Office Theme" id="{62F939B6-93AF-4DB8-9C6B-D6C7DFDC589F}" vid="{4A3C46E8-61CC-4603-A589-7422A47A8E4A}"/>
+    </a:ext>
+  </a:extLst>
+</a:theme>
+</file>
+
+<file path=ppt/theme/theme3.xml><?xml version="1.0" encoding="utf-8"?>
+<a:theme xmlns:a="http://schemas.openxmlformats.org/drawingml/2006/main" name="Office Theme">
+  <a:themeElements>
+    <a:clrScheme name="Office">
+      <a:dk1>
+        <a:sysClr val="windowText" lastClr="000000"/>
+      </a:dk1>
+      <a:lt1>
+        <a:sysClr val="window" lastClr="FFFFFF"/>
+      </a:lt1>
+      <a:dk2>
+        <a:srgbClr val="44546A"/>
+      </a:dk2>
+      <a:lt2>
+        <a:srgbClr val="E7E6E6"/>
+      </a:lt2>
+      <a:accent1>
+        <a:srgbClr val="5B9BD5"/>
+      </a:accent1>
+      <a:accent2>
+        <a:srgbClr val="ED7D31"/>
+      </a:accent2>
+      <a:accent3>
+        <a:srgbClr val="A5A5A5"/>
+      </a:accent3>
+      <a:accent4>
+        <a:srgbClr val="FFC000"/>
+      </a:accent4>
+      <a:accent5>
+        <a:srgbClr val="4472C4"/>
+      </a:accent5>
+      <a:accent6>
+        <a:srgbClr val="70AD47"/>
+      </a:accent6>
+      <a:hlink>
+        <a:srgbClr val="0563C1"/>
+      </a:hlink>
+      <a:folHlink>
+        <a:srgbClr val="954F72"/>
+      </a:folHlink>
+    </a:clrScheme>
+    <a:fontScheme name="Office">
+      <a:majorFont>
+        <a:latin typeface="Calibri Light"/>
+        <a:ea typeface=""/>
+        <a:cs typeface=""/>
+        <a:font script="Jpan" typeface="ＭＳ Ｐゴシック"/>
+        <a:font script="Hang" typeface="맑은 고딕"/>
+        <a:font script="Hans" typeface="宋体"/>
+        <a:font script="Hant" typeface="新細明體"/>
+        <a:font script="Arab" typeface="Times New Roman"/>
+        <a:font script="Hebr" typeface="Times New Roman"/>
+        <a:font script="Thai" typeface="Angsana New"/>
+        <a:font script="Ethi" typeface="Nyala"/>
+        <a:font script="Beng" typeface="Vrinda"/>
+        <a:font script="Gujr" typeface="Shruti"/>
+        <a:font script="Khmr" typeface="MoolBoran"/>
+        <a:font script="Knda" typeface="Tunga"/>
+        <a:font script="Guru" typeface="Raavi"/>
+        <a:font script="Cans" typeface="Euphemia"/>
+        <a:font script="Cher" typeface="Plantagenet Cherokee"/>
+        <a:font script="Yiii" typeface="Microsoft Yi Baiti"/>
+        <a:font script="Tibt" typeface="Microsoft Himalaya"/>
+        <a:font script="Thaa" typeface="MV Boli"/>
+        <a:font script="Deva" typeface="Mangal"/>
+        <a:font script="Telu" typeface="Gautami"/>
+        <a:font script="Taml" typeface="Latha"/>
+        <a:font script="Syrc" typeface="Estrangelo Edessa"/>
+        <a:font script="Orya" typeface="Kalinga"/>
+        <a:font script="Mlym" typeface="Kartika"/>
+        <a:font script="Laoo" typeface="DokChampa"/>
+        <a:font script="Sinh" typeface="Iskoola Pota"/>
+        <a:font script="Mong" typeface="Mongolian Baiti"/>
+        <a:font script="Viet" typeface="Times New Roman"/>
+        <a:font script="Uigh" typeface="Microsoft Uighur"/>
+        <a:font script="Geor" typeface="Sylfaen"/>
+      </a:majorFont>
+      <a:minorFont>
+        <a:latin typeface="Calibri"/>
+        <a:ea typeface=""/>
+        <a:cs typeface=""/>
+        <a:font script="Jpan" typeface="ＭＳ Ｐゴシック"/>
+        <a:font script="Hang" typeface="맑은 고딕"/>
+        <a:font script="Hans" typeface="宋体"/>
+        <a:font script="Hant" typeface="新細明體"/>
+        <a:font script="Arab" typeface="Arial"/>
+        <a:font script="Hebr" typeface="Arial"/>
+        <a:font script="Thai" typeface="Cordia New"/>
+        <a:font script="Ethi" typeface="Nyala"/>
+        <a:font script="Beng" typeface="Vrinda"/>
+        <a:font script="Gujr" typeface="Shruti"/>
+        <a:font script="Khmr" typeface="DaunPenh"/>
+        <a:font script="Knda" typeface="Tunga"/>
+        <a:font script="Guru" typeface="Raavi"/>
+        <a:font script="Cans" typeface="Euphemia"/>
+        <a:font script="Cher" typeface="Plantagenet Cherokee"/>
+        <a:font script="Yiii" typeface="Microsoft Yi Baiti"/>
+        <a:font script="Tibt" typeface="Microsoft Himalaya"/>
+        <a:font script="Thaa" typeface="MV Boli"/>
+        <a:font script="Deva" typeface="Mangal"/>
+        <a:font script="Telu" typeface="Gautami"/>
+        <a:font script="Taml" typeface="Latha"/>
+        <a:font script="Syrc" typeface="Estrangelo Edessa"/>
+        <a:font script="Orya" typeface="Kalinga"/>
+        <a:font script="Mlym" typeface="Kartika"/>
+        <a:font script="Laoo" typeface="DokChampa"/>
+        <a:font script="Sinh" typeface="Iskoola Pota"/>
+        <a:font script="Mong" typeface="Mongolian Baiti"/>
+        <a:font script="Viet" typeface="Arial"/>
+        <a:font script="Uigh" typeface="Microsoft Uighur"/>
+        <a:font script="Geor" typeface="Sylfaen"/>
+      </a:minorFont>
+    </a:fontScheme>
+    <a:fmtScheme name="Office">
+      <a:fillStyleLst>
+        <a:solidFill>
+          <a:schemeClr val="phClr"/>
+        </a:solidFill>
+        <a:gradFill rotWithShape="1">
+          <a:gsLst>
+            <a:gs pos="0">
+              <a:schemeClr val="phClr">
+                <a:lumMod val="110000"/>
+                <a:satMod val="105000"/>
+                <a:tint val="67000"/>
+              </a:schemeClr>
+            </a:gs>
+            <a:gs pos="50000">
+              <a:schemeClr val="phClr">
+                <a:lumMod val="105000"/>
+                <a:satMod val="103000"/>
+                <a:tint val="73000"/>
+              </a:schemeClr>
+            </a:gs>
+            <a:gs pos="100000">
+              <a:schemeClr val="phClr">
+                <a:lumMod val="105000"/>
+                <a:satMod val="109000"/>
+                <a:tint val="81000"/>
+              </a:schemeClr>
+            </a:gs>
+          </a:gsLst>
+          <a:lin ang="5400000" scaled="0"/>
+        </a:gradFill>
+        <a:gradFill rotWithShape="1">
+          <a:gsLst>
+            <a:gs pos="0">
+              <a:schemeClr val="phClr">
+                <a:satMod val="103000"/>
+                <a:lumMod val="102000"/>
+                <a:tint val="94000"/>
+              </a:schemeClr>
+            </a:gs>
+            <a:gs pos="50000">
+              <a:schemeClr val="phClr">
+                <a:satMod val="110000"/>
+                <a:lumMod val="100000"/>
+                <a:shade val="100000"/>
+              </a:schemeClr>
+            </a:gs>
+            <a:gs pos="100000">
+              <a:schemeClr val="phClr">
+                <a:lumMod val="99000"/>
+                <a:satMod val="120000"/>
+                <a:shade val="78000"/>
+              </a:schemeClr>
+            </a:gs>
+          </a:gsLst>
+          <a:lin ang="5400000" scaled="0"/>
+        </a:gradFill>
+      </a:fillStyleLst>
+      <a:lnStyleLst>
+        <a:ln w="6350" cap="flat" cmpd="sng" algn="ctr">
+          <a:solidFill>
+            <a:schemeClr val="phClr"/>
+          </a:solidFill>
+          <a:prstDash val="solid"/>
+          <a:miter lim="800000"/>
+        </a:ln>
+        <a:ln w="12700" cap="flat" cmpd="sng" algn="ctr">
+          <a:solidFill>
+            <a:schemeClr val="phClr"/>
+          </a:solidFill>
+          <a:prstDash val="solid"/>
+          <a:miter lim="800000"/>
+        </a:ln>
+        <a:ln w="19050" cap="flat" cmpd="sng" algn="ctr">
+          <a:solidFill>
+            <a:schemeClr val="phClr"/>
+          </a:solidFill>
+          <a:prstDash val="solid"/>
+          <a:miter lim="800000"/>
+        </a:ln>
+      </a:lnStyleLst>
+      <a:effectStyleLst>
+        <a:effectStyle>
+          <a:effectLst/>
+        </a:effectStyle>
+        <a:effectStyle>
+          <a:effectLst/>
+        </a:effectStyle>
+        <a:effectStyle>
+          <a:effectLst>
+            <a:outerShdw blurRad="57150" dist="19050" dir="5400000" algn="ctr" rotWithShape="0">
+              <a:srgbClr val="000000">
+                <a:alpha val="63000"/>
+              </a:srgbClr>
+            </a:outerShdw>
+          </a:effectLst>
+        </a:effectStyle>
+      </a:effectStyleLst>
+      <a:bgFillStyleLst>
+        <a:solidFill>
+          <a:schemeClr val="phClr"/>
+        </a:solidFill>
+        <a:solidFill>
+          <a:schemeClr val="phClr">
+            <a:tint val="95000"/>
+            <a:satMod val="170000"/>
+          </a:schemeClr>
+        </a:solidFill>
+        <a:gradFill rotWithShape="1">
+          <a:gsLst>
+            <a:gs pos="0">
+              <a:schemeClr val="phClr">
+                <a:tint val="93000"/>
+                <a:satMod val="150000"/>
+                <a:shade val="98000"/>
+                <a:lumMod val="102000"/>
+              </a:schemeClr>
+            </a:gs>
+            <a:gs pos="50000">
+              <a:schemeClr val="phClr">
+                <a:tint val="98000"/>
+                <a:satMod val="130000"/>
+                <a:shade val="90000"/>
+                <a:lumMod val="103000"/>
+              </a:schemeClr>
+            </a:gs>
+            <a:gs pos="100000">
+              <a:schemeClr val="phClr">
+                <a:shade val="63000"/>
+                <a:satMod val="120000"/>
+              </a:schemeClr>
+            </a:gs>
+          </a:gsLst>
+          <a:lin ang="5400000" scaled="0"/>
+        </a:gradFill>
+      </a:bgFillStyleLst>
+    </a:fmtScheme>
+  </a:themeElements>
+  <a:objectDefaults/>
+  <a:extraClrSchemeLst/>
+  <a:extLst>
+    <a:ext uri="{05A4C25C-085E-4340-85A3-A5531E510DB2}">
+      <thm15:themeFamily xmlns="" xmlns:thm15="http://schemas.microsoft.com/office/thememl/2012/main" name="Office Theme" id="{62F939B6-93AF-4DB8-9C6B-D6C7DFDC589F}" vid="{4A3C46E8-61CC-4603-A589-7422A47A8E4A}"/>
     </a:ext>
   </a:extLst>
 </a:theme>

--- a/04. TestCaseManagementSystem defense - 27.11.15/HP Quality Center.pptx
+++ b/04. TestCaseManagementSystem defense - 27.11.15/HP Quality Center.pptx
@@ -5,10 +5,10 @@
     <p:sldMasterId id="2147483660" r:id="rId1"/>
   </p:sldMasterIdLst>
   <p:notesMasterIdLst>
-    <p:notesMasterId r:id="rId13"/>
+    <p:notesMasterId r:id="rId12"/>
   </p:notesMasterIdLst>
   <p:handoutMasterIdLst>
-    <p:handoutMasterId r:id="rId14"/>
+    <p:handoutMasterId r:id="rId13"/>
   </p:handoutMasterIdLst>
   <p:sldIdLst>
     <p:sldId id="266" r:id="rId2"/>
@@ -19,9 +19,8 @@
     <p:sldId id="271" r:id="rId7"/>
     <p:sldId id="272" r:id="rId8"/>
     <p:sldId id="273" r:id="rId9"/>
-    <p:sldId id="274" r:id="rId10"/>
-    <p:sldId id="275" r:id="rId11"/>
-    <p:sldId id="276" r:id="rId12"/>
+    <p:sldId id="275" r:id="rId10"/>
+    <p:sldId id="276" r:id="rId11"/>
   </p:sldIdLst>
   <p:sldSz cx="12192000" cy="6858000"/>
   <p:notesSz cx="6858000" cy="9144000"/>
@@ -122,10 +121,10 @@
   </p:defaultTextStyle>
   <p:extLst>
     <p:ext uri="{EFAFB233-063F-42B5-8137-9DF3F51BA10A}">
-      <p15:sldGuideLst xmlns="" xmlns:p15="http://schemas.microsoft.com/office/powerpoint/2012/main"/>
+      <p15:sldGuideLst xmlns:p15="http://schemas.microsoft.com/office/powerpoint/2012/main" xmlns=""/>
     </p:ext>
     <p:ext uri="{2D200454-40CA-4A62-9FC3-DE9A4176ACB9}">
-      <p15:notesGuideLst xmlns="" xmlns:p15="http://schemas.microsoft.com/office/powerpoint/2012/main"/>
+      <p15:notesGuideLst xmlns:p15="http://schemas.microsoft.com/office/powerpoint/2012/main" xmlns=""/>
     </p:ext>
   </p:extLst>
 </p:presentation>
@@ -6847,201 +6846,6 @@
           <a:p>
             <a:r>
               <a:rPr lang="en-US" b="1" dirty="0" smtClean="0"/>
-              <a:t>Defect management</a:t>
-            </a:r>
-            <a:endParaRPr lang="bg-BG" b="1" dirty="0"/>
-          </a:p>
-        </p:txBody>
-      </p:sp>
-      <p:sp>
-        <p:nvSpPr>
-          <p:cNvPr id="3" name="Content Placeholder 2"/>
-          <p:cNvSpPr>
-            <a:spLocks noGrp="1"/>
-          </p:cNvSpPr>
-          <p:nvPr>
-            <p:ph idx="1"/>
-          </p:nvPr>
-        </p:nvSpPr>
-        <p:spPr>
-          <a:xfrm>
-            <a:off x="2357132" y="1917659"/>
-            <a:ext cx="9233424" cy="3942433"/>
-          </a:xfrm>
-        </p:spPr>
-        <p:txBody>
-          <a:bodyPr>
-            <a:normAutofit/>
-          </a:bodyPr>
-          <a:lstStyle/>
-          <a:p>
-            <a:r>
-              <a:rPr lang="en-US" sz="2800" b="1" dirty="0">
-                <a:effectLst>
-                  <a:outerShdw blurRad="38100" dist="38100" dir="2700000" algn="tl">
-                    <a:srgbClr val="000000">
-                      <a:alpha val="43137"/>
-                    </a:srgbClr>
-                  </a:outerShdw>
-                </a:effectLst>
-              </a:rPr>
-              <a:t>Testers can create functional, performance, and application security defects manually or directly from the execution of manual and automated </a:t>
-            </a:r>
-            <a:r>
-              <a:rPr lang="en-US" sz="2800" b="1" dirty="0" smtClean="0">
-                <a:effectLst>
-                  <a:outerShdw blurRad="38100" dist="38100" dir="2700000" algn="tl">
-                    <a:srgbClr val="000000">
-                      <a:alpha val="43137"/>
-                    </a:srgbClr>
-                  </a:outerShdw>
-                </a:effectLst>
-              </a:rPr>
-              <a:t>tests</a:t>
-            </a:r>
-          </a:p>
-          <a:p>
-            <a:r>
-              <a:rPr lang="en-US" sz="2800" b="1" dirty="0">
-                <a:effectLst>
-                  <a:outerShdw blurRad="38100" dist="38100" dir="2700000" algn="tl">
-                    <a:srgbClr val="000000">
-                      <a:alpha val="43137"/>
-                    </a:srgbClr>
-                  </a:outerShdw>
-                </a:effectLst>
-              </a:rPr>
-              <a:t>Testers can communicate </a:t>
-            </a:r>
-            <a:r>
-              <a:rPr lang="en-US" sz="2800" b="1" dirty="0" smtClean="0">
-                <a:effectLst>
-                  <a:outerShdw blurRad="38100" dist="38100" dir="2700000" algn="tl">
-                    <a:srgbClr val="000000">
-                      <a:alpha val="43137"/>
-                    </a:srgbClr>
-                  </a:outerShdw>
-                </a:effectLst>
-              </a:rPr>
-              <a:t>defects to </a:t>
-            </a:r>
-            <a:r>
-              <a:rPr lang="en-US" sz="2800" b="1" dirty="0">
-                <a:effectLst>
-                  <a:outerShdw blurRad="38100" dist="38100" dir="2700000" algn="tl">
-                    <a:srgbClr val="000000">
-                      <a:alpha val="43137"/>
-                    </a:srgbClr>
-                  </a:outerShdw>
-                </a:effectLst>
-              </a:rPr>
-              <a:t>developers with context from linked requirements and test execution results</a:t>
-            </a:r>
-            <a:endParaRPr lang="bg-BG" sz="2800" b="1" dirty="0">
-              <a:effectLst>
-                <a:outerShdw blurRad="38100" dist="38100" dir="2700000" algn="tl">
-                  <a:srgbClr val="000000">
-                    <a:alpha val="43137"/>
-                  </a:srgbClr>
-                </a:outerShdw>
-              </a:effectLst>
-            </a:endParaRPr>
-          </a:p>
-        </p:txBody>
-      </p:sp>
-      <p:pic>
-        <p:nvPicPr>
-          <p:cNvPr id="4" name="Picture 2" descr="http://www.st3pp.com/wp-content/uploads/2013/08/Qualitycenter.png"/>
-          <p:cNvPicPr>
-            <a:picLocks noChangeAspect="1" noChangeArrowheads="1"/>
-          </p:cNvPicPr>
-          <p:nvPr/>
-        </p:nvPicPr>
-        <p:blipFill>
-          <a:blip r:embed="rId2" cstate="print">
-            <a:extLst>
-              <a:ext uri="{28A0092B-C50C-407E-A947-70E740481C1C}">
-                <a14:useLocalDpi xmlns:a14="http://schemas.microsoft.com/office/drawing/2010/main" val="0"/>
-              </a:ext>
-            </a:extLst>
-          </a:blip>
-          <a:srcRect/>
-          <a:stretch>
-            <a:fillRect/>
-          </a:stretch>
-        </p:blipFill>
-        <p:spPr bwMode="auto">
-          <a:xfrm>
-            <a:off x="9111248" y="165967"/>
-            <a:ext cx="3080752" cy="1747383"/>
-          </a:xfrm>
-          <a:prstGeom prst="rect">
-            <a:avLst/>
-          </a:prstGeom>
-          <a:ln>
-            <a:noFill/>
-          </a:ln>
-          <a:effectLst>
-            <a:softEdge rad="112500"/>
-          </a:effectLst>
-          <a:extLst>
-            <a:ext uri="{909E8E84-426E-40DD-AFC4-6F175D3DCCD1}">
-              <a14:hiddenFill xmlns:a14="http://schemas.microsoft.com/office/drawing/2010/main">
-                <a:solidFill>
-                  <a:srgbClr val="FFFFFF"/>
-                </a:solidFill>
-              </a14:hiddenFill>
-            </a:ext>
-          </a:extLst>
-        </p:spPr>
-      </p:pic>
-    </p:spTree>
-    <p:extLst>
-      <p:ext uri="{BB962C8B-B14F-4D97-AF65-F5344CB8AC3E}">
-        <p14:creationId xmlns:p14="http://schemas.microsoft.com/office/powerpoint/2010/main" val="3070323729"/>
-      </p:ext>
-    </p:extLst>
-  </p:cSld>
-  <p:clrMapOvr>
-    <a:masterClrMapping/>
-  </p:clrMapOvr>
-</p:sld>
-</file>
-
-<file path=ppt/slides/slide11.xml><?xml version="1.0" encoding="utf-8"?>
-<p:sld xmlns:a="http://schemas.openxmlformats.org/drawingml/2006/main" xmlns:r="http://schemas.openxmlformats.org/officeDocument/2006/relationships" xmlns:p="http://schemas.openxmlformats.org/presentationml/2006/main">
-  <p:cSld>
-    <p:spTree>
-      <p:nvGrpSpPr>
-        <p:cNvPr id="1" name=""/>
-        <p:cNvGrpSpPr/>
-        <p:nvPr/>
-      </p:nvGrpSpPr>
-      <p:grpSpPr>
-        <a:xfrm>
-          <a:off x="0" y="0"/>
-          <a:ext cx="0" cy="0"/>
-          <a:chOff x="0" y="0"/>
-          <a:chExt cx="0" cy="0"/>
-        </a:xfrm>
-      </p:grpSpPr>
-      <p:sp>
-        <p:nvSpPr>
-          <p:cNvPr id="2" name="Title 1"/>
-          <p:cNvSpPr>
-            <a:spLocks noGrp="1"/>
-          </p:cNvSpPr>
-          <p:nvPr>
-            <p:ph type="title"/>
-          </p:nvPr>
-        </p:nvSpPr>
-        <p:spPr/>
-        <p:txBody>
-          <a:bodyPr/>
-          <a:lstStyle/>
-          <a:p>
-            <a:r>
-              <a:rPr lang="en-US" b="1" dirty="0" smtClean="0"/>
               <a:t>Reporting</a:t>
             </a:r>
             <a:endParaRPr lang="bg-BG" b="1" dirty="0"/>
@@ -7367,19 +7171,7 @@
                   </a:outerShdw>
                 </a:effectLst>
               </a:rPr>
-              <a:t>Developed </a:t>
-            </a:r>
-            <a:r>
-              <a:rPr lang="en-US" sz="2800" b="1" dirty="0" smtClean="0">
-                <a:effectLst>
-                  <a:outerShdw blurRad="38100" dist="38100" dir="2700000" algn="tl">
-                    <a:srgbClr val="000000">
-                      <a:alpha val="43137"/>
-                    </a:srgbClr>
-                  </a:outerShdw>
-                </a:effectLst>
-              </a:rPr>
-              <a:t>by Hewlett Packard in collaboration with Mercury Interactive</a:t>
+              <a:t>Developed by Hewlett Packard in collaboration with Mercury Interactive</a:t>
             </a:r>
           </a:p>
           <a:p>
@@ -7419,15 +7211,6 @@
               </a:rPr>
               <a:t>applications</a:t>
             </a:r>
-            <a:endParaRPr lang="en-US" sz="2800" b="1" dirty="0" smtClean="0">
-              <a:effectLst>
-                <a:outerShdw blurRad="38100" dist="38100" dir="2700000" algn="tl">
-                  <a:srgbClr val="000000">
-                    <a:alpha val="43137"/>
-                  </a:srgbClr>
-                </a:outerShdw>
-              </a:effectLst>
-            </a:endParaRPr>
           </a:p>
           <a:p>
             <a:r>
@@ -7552,11 +7335,7 @@
           <a:p>
             <a:r>
               <a:rPr lang="en-US" b="1" dirty="0" smtClean="0"/>
-              <a:t>Key </a:t>
-            </a:r>
-            <a:r>
-              <a:rPr lang="en-US" b="1" dirty="0" smtClean="0"/>
-              <a:t>features</a:t>
+              <a:t>Key features</a:t>
             </a:r>
             <a:endParaRPr lang="bg-BG" b="1" dirty="0"/>
           </a:p>
@@ -7664,10 +7443,8 @@
                   </a:outerShdw>
                 </a:effectLst>
               </a:rPr>
-              <a:t>HPE Sprinter – integrated manual testing</a:t>
-            </a:r>
-          </a:p>
-          <a:p>
+              <a:t>Defect </a:t>
+            </a:r>
             <a:r>
               <a:rPr lang="en-US" sz="2800" b="1" dirty="0" smtClean="0">
                 <a:effectLst>
@@ -7678,7 +7455,7 @@
                   </a:outerShdw>
                 </a:effectLst>
               </a:rPr>
-              <a:t>Defect management</a:t>
+              <a:t>management</a:t>
             </a:r>
           </a:p>
           <a:p>
@@ -7923,15 +7700,6 @@
               </a:rPr>
               <a:t>change</a:t>
             </a:r>
-            <a:endParaRPr lang="en-US" sz="2800" b="1" dirty="0" smtClean="0">
-              <a:effectLst>
-                <a:outerShdw blurRad="38100" dist="38100" dir="2700000" algn="tl">
-                  <a:srgbClr val="000000">
-                    <a:alpha val="43137"/>
-                  </a:srgbClr>
-                </a:outerShdw>
-              </a:effectLst>
-            </a:endParaRPr>
           </a:p>
           <a:p>
             <a:r>
@@ -7958,15 +7726,6 @@
               </a:rPr>
               <a:t>coverage</a:t>
             </a:r>
-            <a:endParaRPr lang="en-US" sz="2800" b="1" dirty="0" smtClean="0">
-              <a:effectLst>
-                <a:outerShdw blurRad="38100" dist="38100" dir="2700000" algn="tl">
-                  <a:srgbClr val="000000">
-                    <a:alpha val="43137"/>
-                  </a:srgbClr>
-                </a:outerShdw>
-              </a:effectLst>
-            </a:endParaRPr>
           </a:p>
         </p:txBody>
       </p:sp>
@@ -8815,11 +8574,7 @@
           <a:p>
             <a:r>
               <a:rPr lang="en-US" b="1" dirty="0" smtClean="0"/>
-              <a:t>HP </a:t>
-            </a:r>
-            <a:r>
-              <a:rPr lang="en-US" b="1" dirty="0" smtClean="0"/>
-              <a:t>Sprinter</a:t>
+              <a:t>Defect management</a:t>
             </a:r>
             <a:endParaRPr lang="bg-BG" b="1" dirty="0"/>
           </a:p>
@@ -8837,16 +8592,28 @@
         </p:nvSpPr>
         <p:spPr>
           <a:xfrm>
-            <a:off x="2294501" y="1817451"/>
+            <a:off x="2357132" y="1917659"/>
             <a:ext cx="9233424" cy="3942433"/>
           </a:xfrm>
         </p:spPr>
         <p:txBody>
           <a:bodyPr>
-            <a:noAutofit/>
+            <a:normAutofit/>
           </a:bodyPr>
           <a:lstStyle/>
           <a:p>
+            <a:r>
+              <a:rPr lang="en-US" sz="2800" b="1" dirty="0">
+                <a:effectLst>
+                  <a:outerShdw blurRad="38100" dist="38100" dir="2700000" algn="tl">
+                    <a:srgbClr val="000000">
+                      <a:alpha val="43137"/>
+                    </a:srgbClr>
+                  </a:outerShdw>
+                </a:effectLst>
+              </a:rPr>
+              <a:t>Testers can create functional, performance, and application security defects manually or directly from the execution of manual and automated </a:t>
+            </a:r>
             <a:r>
               <a:rPr lang="en-US" sz="2800" b="1" dirty="0" smtClean="0">
                 <a:effectLst>
@@ -8857,8 +8624,10 @@
                   </a:outerShdw>
                 </a:effectLst>
               </a:rPr>
-              <a:t>Targeted </a:t>
-            </a:r>
+              <a:t>tests</a:t>
+            </a:r>
+          </a:p>
+          <a:p>
             <a:r>
               <a:rPr lang="en-US" sz="2800" b="1" dirty="0">
                 <a:effectLst>
@@ -8869,19 +8638,8 @@
                   </a:outerShdw>
                 </a:effectLst>
               </a:rPr>
-              <a:t>at increasing efficiency of manual testing activities </a:t>
-            </a:r>
-            <a:endParaRPr lang="en-US" sz="2800" b="1" dirty="0" smtClean="0">
-              <a:effectLst>
-                <a:outerShdw blurRad="38100" dist="38100" dir="2700000" algn="tl">
-                  <a:srgbClr val="000000">
-                    <a:alpha val="43137"/>
-                  </a:srgbClr>
-                </a:outerShdw>
-              </a:effectLst>
-            </a:endParaRPr>
-          </a:p>
-          <a:p>
+              <a:t>Testers can communicate </a:t>
+            </a:r>
             <a:r>
               <a:rPr lang="en-US" sz="2800" b="1" dirty="0" smtClean="0">
                 <a:effectLst>
@@ -8892,7 +8650,7 @@
                   </a:outerShdw>
                 </a:effectLst>
               </a:rPr>
-              <a:t>Easy-to-use </a:t>
+              <a:t>defects to </a:t>
             </a:r>
             <a:r>
               <a:rPr lang="en-US" sz="2800" b="1" dirty="0">
@@ -8904,121 +8662,7 @@
                   </a:outerShdw>
                 </a:effectLst>
               </a:rPr>
-              <a:t>screen tool bars, screen annotation, video, and textual test step </a:t>
-            </a:r>
-            <a:r>
-              <a:rPr lang="en-US" sz="2800" b="1" dirty="0" smtClean="0">
-                <a:effectLst>
-                  <a:outerShdw blurRad="38100" dist="38100" dir="2700000" algn="tl">
-                    <a:srgbClr val="000000">
-                      <a:alpha val="43137"/>
-                    </a:srgbClr>
-                  </a:outerShdw>
-                </a:effectLst>
-              </a:rPr>
-              <a:t>capture</a:t>
-            </a:r>
-          </a:p>
-          <a:p>
-            <a:r>
-              <a:rPr lang="en-US" sz="2800" b="1" dirty="0" smtClean="0">
-                <a:effectLst>
-                  <a:outerShdw blurRad="38100" dist="38100" dir="2700000" algn="tl">
-                    <a:srgbClr val="000000">
-                      <a:alpha val="43137"/>
-                    </a:srgbClr>
-                  </a:outerShdw>
-                </a:effectLst>
-              </a:rPr>
-              <a:t>Intelligent </a:t>
-            </a:r>
-            <a:r>
-              <a:rPr lang="en-US" sz="2800" b="1" dirty="0">
-                <a:effectLst>
-                  <a:outerShdw blurRad="38100" dist="38100" dir="2700000" algn="tl">
-                    <a:srgbClr val="000000">
-                      <a:alpha val="43137"/>
-                    </a:srgbClr>
-                  </a:outerShdw>
-                </a:effectLst>
-              </a:rPr>
-              <a:t>defect </a:t>
-            </a:r>
-            <a:r>
-              <a:rPr lang="en-US" sz="2800" b="1" dirty="0" smtClean="0">
-                <a:effectLst>
-                  <a:outerShdw blurRad="38100" dist="38100" dir="2700000" algn="tl">
-                    <a:srgbClr val="000000">
-                      <a:alpha val="43137"/>
-                    </a:srgbClr>
-                  </a:outerShdw>
-                </a:effectLst>
-              </a:rPr>
-              <a:t>logging</a:t>
-            </a:r>
-          </a:p>
-          <a:p>
-            <a:r>
-              <a:rPr lang="en-US" sz="2800" b="1" dirty="0" smtClean="0">
-                <a:effectLst>
-                  <a:outerShdw blurRad="38100" dist="38100" dir="2700000" algn="tl">
-                    <a:srgbClr val="000000">
-                      <a:alpha val="43137"/>
-                    </a:srgbClr>
-                  </a:outerShdw>
-                </a:effectLst>
-              </a:rPr>
-              <a:t>Automated </a:t>
-            </a:r>
-            <a:r>
-              <a:rPr lang="en-US" sz="2800" b="1" dirty="0">
-                <a:effectLst>
-                  <a:outerShdw blurRad="38100" dist="38100" dir="2700000" algn="tl">
-                    <a:srgbClr val="000000">
-                      <a:alpha val="43137"/>
-                    </a:srgbClr>
-                  </a:outerShdw>
-                </a:effectLst>
-              </a:rPr>
-              <a:t>data injection for repetitive </a:t>
-            </a:r>
-            <a:r>
-              <a:rPr lang="en-US" sz="2800" b="1" dirty="0" smtClean="0">
-                <a:effectLst>
-                  <a:outerShdw blurRad="38100" dist="38100" dir="2700000" algn="tl">
-                    <a:srgbClr val="000000">
-                      <a:alpha val="43137"/>
-                    </a:srgbClr>
-                  </a:outerShdw>
-                </a:effectLst>
-              </a:rPr>
-              <a:t>testing</a:t>
-            </a:r>
-          </a:p>
-          <a:p>
-            <a:r>
-              <a:rPr lang="en-US" sz="2800" b="1" dirty="0" smtClean="0">
-                <a:effectLst>
-                  <a:outerShdw blurRad="38100" dist="38100" dir="2700000" algn="tl">
-                    <a:srgbClr val="000000">
-                      <a:alpha val="43137"/>
-                    </a:srgbClr>
-                  </a:outerShdw>
-                </a:effectLst>
-              </a:rPr>
-              <a:t>Mirrored </a:t>
-            </a:r>
-            <a:r>
-              <a:rPr lang="en-US" sz="2800" b="1" dirty="0">
-                <a:effectLst>
-                  <a:outerShdw blurRad="38100" dist="38100" dir="2700000" algn="tl">
-                    <a:srgbClr val="000000">
-                      <a:alpha val="43137"/>
-                    </a:srgbClr>
-                  </a:outerShdw>
-                </a:effectLst>
-              </a:rPr>
-              <a:t>platform support—to execute one test targeted on multiple platforms</a:t>
+              <a:t>developers with context from linked requirements and test execution results</a:t>
             </a:r>
             <a:endParaRPr lang="bg-BG" sz="2800" b="1" dirty="0">
               <a:effectLst>
@@ -9081,7 +8725,7 @@
     </p:spTree>
     <p:extLst>
       <p:ext uri="{BB962C8B-B14F-4D97-AF65-F5344CB8AC3E}">
-        <p14:creationId xmlns:p14="http://schemas.microsoft.com/office/powerpoint/2010/main" val="1865774329"/>
+        <p14:creationId xmlns:p14="http://schemas.microsoft.com/office/powerpoint/2010/main" val="3070323729"/>
       </p:ext>
     </p:extLst>
   </p:cSld>
@@ -9351,7 +8995,7 @@
   <a:extraClrSchemeLst/>
   <a:extLst>
     <a:ext uri="{05A4C25C-085E-4340-85A3-A5531E510DB2}">
-      <thm15:themeFamily xmlns="" xmlns:thm15="http://schemas.microsoft.com/office/thememl/2012/main" name="Ion" id="{B8441ADB-2E43-4AF7-B97A-BD870242C6A8}" vid="{292E63A9-BB86-4E3D-B92A-7223C6510D2E}"/>
+      <thm15:themeFamily xmlns:thm15="http://schemas.microsoft.com/office/thememl/2012/main" xmlns="" name="Ion" id="{B8441ADB-2E43-4AF7-B97A-BD870242C6A8}" vid="{292E63A9-BB86-4E3D-B92A-7223C6510D2E}"/>
     </a:ext>
   </a:extLst>
 </a:theme>
@@ -9612,7 +9256,7 @@
   <a:extraClrSchemeLst/>
   <a:extLst>
     <a:ext uri="{05A4C25C-085E-4340-85A3-A5531E510DB2}">
-      <thm15:themeFamily xmlns="" xmlns:thm15="http://schemas.microsoft.com/office/thememl/2012/main" name="Office Theme" id="{62F939B6-93AF-4DB8-9C6B-D6C7DFDC589F}" vid="{4A3C46E8-61CC-4603-A589-7422A47A8E4A}"/>
+      <thm15:themeFamily xmlns:thm15="http://schemas.microsoft.com/office/thememl/2012/main" xmlns="" name="Office Theme" id="{62F939B6-93AF-4DB8-9C6B-D6C7DFDC589F}" vid="{4A3C46E8-61CC-4603-A589-7422A47A8E4A}"/>
     </a:ext>
   </a:extLst>
 </a:theme>
@@ -9873,7 +9517,7 @@
   <a:extraClrSchemeLst/>
   <a:extLst>
     <a:ext uri="{05A4C25C-085E-4340-85A3-A5531E510DB2}">
-      <thm15:themeFamily xmlns="" xmlns:thm15="http://schemas.microsoft.com/office/thememl/2012/main" name="Office Theme" id="{62F939B6-93AF-4DB8-9C6B-D6C7DFDC589F}" vid="{4A3C46E8-61CC-4603-A589-7422A47A8E4A}"/>
+      <thm15:themeFamily xmlns:thm15="http://schemas.microsoft.com/office/thememl/2012/main" xmlns="" name="Office Theme" id="{62F939B6-93AF-4DB8-9C6B-D6C7DFDC589F}" vid="{4A3C46E8-61CC-4603-A589-7422A47A8E4A}"/>
     </a:ext>
   </a:extLst>
 </a:theme>
